--- a/summary-reports/Farhan_Kassam_FPL_Capstone_Demo_Day.pptx
+++ b/summary-reports/Farhan_Kassam_FPL_Capstone_Demo_Day.pptx
@@ -1,46 +1,46 @@
 
 <file path=ppt/presentation.xml><?xml version="1.0" encoding="utf-8"?>
-<p:presentation xmlns:a="http://schemas.openxmlformats.org/drawingml/2006/main" xmlns:r="http://schemas.openxmlformats.org/officeDocument/2006/relationships" xmlns:mc="http://schemas.openxmlformats.org/markup-compatibility/2006" xmlns:mv="urn:schemas-microsoft-com:mac:vml" xmlns:p="http://schemas.openxmlformats.org/presentationml/2006/main" xmlns:c="http://schemas.openxmlformats.org/drawingml/2006/chart" xmlns:dgm="http://schemas.openxmlformats.org/drawingml/2006/diagram" xmlns:o="urn:schemas-microsoft-com:office:office" xmlns:v="urn:schemas-microsoft-com:vml" xmlns:pvml="urn:schemas-microsoft-com:office:powerpoint" xmlns:com="http://schemas.openxmlformats.org/drawingml/2006/compatibility" xmlns:p14="http://schemas.microsoft.com/office/powerpoint/2010/main" xmlns:p15="http://schemas.microsoft.com/office/powerpoint/2012/main" xmlns:ahyp="http://schemas.microsoft.com/office/drawing/2018/hyperlinkcolor" autoCompressPictures="0" embedTrueTypeFonts="1" strictFirstAndLastChars="0" saveSubsetFonts="1">
+<p:presentation xmlns:a="http://schemas.openxmlformats.org/drawingml/2006/main" xmlns:r="http://schemas.openxmlformats.org/officeDocument/2006/relationships" xmlns:p="http://schemas.openxmlformats.org/presentationml/2006/main" strictFirstAndLastChars="0" embedTrueTypeFonts="1" saveSubsetFonts="1" autoCompressPictures="0">
   <p:sldMasterIdLst>
-    <p:sldMasterId id="2147483659" r:id="rId4"/>
+    <p:sldMasterId id="2147483659" r:id="rId1"/>
   </p:sldMasterIdLst>
   <p:notesMasterIdLst>
-    <p:notesMasterId r:id="rId5"/>
+    <p:notesMasterId r:id="rId14"/>
   </p:notesMasterIdLst>
   <p:sldIdLst>
-    <p:sldId id="256" r:id="rId6"/>
-    <p:sldId id="257" r:id="rId7"/>
-    <p:sldId id="258" r:id="rId8"/>
-    <p:sldId id="259" r:id="rId9"/>
-    <p:sldId id="260" r:id="rId10"/>
-    <p:sldId id="261" r:id="rId11"/>
-    <p:sldId id="262" r:id="rId12"/>
-    <p:sldId id="263" r:id="rId13"/>
-    <p:sldId id="264" r:id="rId14"/>
-    <p:sldId id="265" r:id="rId15"/>
-    <p:sldId id="266" r:id="rId16"/>
-    <p:sldId id="267" r:id="rId17"/>
+    <p:sldId id="256" r:id="rId2"/>
+    <p:sldId id="257" r:id="rId3"/>
+    <p:sldId id="258" r:id="rId4"/>
+    <p:sldId id="259" r:id="rId5"/>
+    <p:sldId id="260" r:id="rId6"/>
+    <p:sldId id="261" r:id="rId7"/>
+    <p:sldId id="262" r:id="rId8"/>
+    <p:sldId id="263" r:id="rId9"/>
+    <p:sldId id="264" r:id="rId10"/>
+    <p:sldId id="265" r:id="rId11"/>
+    <p:sldId id="266" r:id="rId12"/>
+    <p:sldId id="267" r:id="rId13"/>
   </p:sldIdLst>
-  <p:sldSz cy="5143500" cx="9144000"/>
+  <p:sldSz cx="9144000" cy="5143500" type="screen16x9"/>
   <p:notesSz cx="6858000" cy="9144000"/>
   <p:embeddedFontLst>
     <p:embeddedFont>
-      <p:font typeface="Raleway"/>
-      <p:regular r:id="rId18"/>
-      <p:bold r:id="rId19"/>
-      <p:italic r:id="rId20"/>
-      <p:boldItalic r:id="rId21"/>
+      <p:font typeface="Lato" panose="020F0502020204030203" pitchFamily="34" charset="0"/>
+      <p:regular r:id="rId15"/>
+      <p:bold r:id="rId16"/>
+      <p:italic r:id="rId17"/>
+      <p:boldItalic r:id="rId18"/>
     </p:embeddedFont>
     <p:embeddedFont>
-      <p:font typeface="Lato"/>
-      <p:regular r:id="rId22"/>
-      <p:bold r:id="rId23"/>
-      <p:italic r:id="rId24"/>
-      <p:boldItalic r:id="rId25"/>
+      <p:font typeface="Raleway" pitchFamily="2" charset="0"/>
+      <p:regular r:id="rId19"/>
+      <p:bold r:id="rId20"/>
+      <p:italic r:id="rId21"/>
+      <p:boldItalic r:id="rId22"/>
     </p:embeddedFont>
   </p:embeddedFontLst>
   <p:defaultTextStyle>
-    <a:defPPr lvl="0" marR="0" rtl="0" algn="l">
+    <a:defPPr marR="0" lvl="0" algn="l" rtl="0">
       <a:lnSpc>
         <a:spcPct val="100000"/>
       </a:lnSpc>
@@ -51,7 +51,7 @@
         <a:spcPts val="0"/>
       </a:spcAft>
     </a:defPPr>
-    <a:lvl1pPr lvl="0" marR="0" rtl="0" algn="l">
+    <a:lvl1pPr marR="0" lvl="0" algn="l" rtl="0">
       <a:lnSpc>
         <a:spcPct val="100000"/>
       </a:lnSpc>
@@ -65,7 +65,7 @@
         <a:srgbClr val="000000"/>
       </a:buClr>
       <a:buFont typeface="Arial"/>
-      <a:defRPr b="0" i="0" sz="1400" u="none" cap="none" strike="noStrike">
+      <a:defRPr sz="1400" b="0" i="0" u="none" strike="noStrike" cap="none">
         <a:solidFill>
           <a:srgbClr val="000000"/>
         </a:solidFill>
@@ -75,7 +75,7 @@
         <a:sym typeface="Arial"/>
       </a:defRPr>
     </a:lvl1pPr>
-    <a:lvl2pPr lvl="1" marR="0" rtl="0" algn="l">
+    <a:lvl2pPr marR="0" lvl="1" algn="l" rtl="0">
       <a:lnSpc>
         <a:spcPct val="100000"/>
       </a:lnSpc>
@@ -89,7 +89,7 @@
         <a:srgbClr val="000000"/>
       </a:buClr>
       <a:buFont typeface="Arial"/>
-      <a:defRPr b="0" i="0" sz="1400" u="none" cap="none" strike="noStrike">
+      <a:defRPr sz="1400" b="0" i="0" u="none" strike="noStrike" cap="none">
         <a:solidFill>
           <a:srgbClr val="000000"/>
         </a:solidFill>
@@ -99,7 +99,7 @@
         <a:sym typeface="Arial"/>
       </a:defRPr>
     </a:lvl2pPr>
-    <a:lvl3pPr lvl="2" marR="0" rtl="0" algn="l">
+    <a:lvl3pPr marR="0" lvl="2" algn="l" rtl="0">
       <a:lnSpc>
         <a:spcPct val="100000"/>
       </a:lnSpc>
@@ -113,7 +113,7 @@
         <a:srgbClr val="000000"/>
       </a:buClr>
       <a:buFont typeface="Arial"/>
-      <a:defRPr b="0" i="0" sz="1400" u="none" cap="none" strike="noStrike">
+      <a:defRPr sz="1400" b="0" i="0" u="none" strike="noStrike" cap="none">
         <a:solidFill>
           <a:srgbClr val="000000"/>
         </a:solidFill>
@@ -123,7 +123,7 @@
         <a:sym typeface="Arial"/>
       </a:defRPr>
     </a:lvl3pPr>
-    <a:lvl4pPr lvl="3" marR="0" rtl="0" algn="l">
+    <a:lvl4pPr marR="0" lvl="3" algn="l" rtl="0">
       <a:lnSpc>
         <a:spcPct val="100000"/>
       </a:lnSpc>
@@ -137,7 +137,7 @@
         <a:srgbClr val="000000"/>
       </a:buClr>
       <a:buFont typeface="Arial"/>
-      <a:defRPr b="0" i="0" sz="1400" u="none" cap="none" strike="noStrike">
+      <a:defRPr sz="1400" b="0" i="0" u="none" strike="noStrike" cap="none">
         <a:solidFill>
           <a:srgbClr val="000000"/>
         </a:solidFill>
@@ -147,7 +147,7 @@
         <a:sym typeface="Arial"/>
       </a:defRPr>
     </a:lvl4pPr>
-    <a:lvl5pPr lvl="4" marR="0" rtl="0" algn="l">
+    <a:lvl5pPr marR="0" lvl="4" algn="l" rtl="0">
       <a:lnSpc>
         <a:spcPct val="100000"/>
       </a:lnSpc>
@@ -161,7 +161,7 @@
         <a:srgbClr val="000000"/>
       </a:buClr>
       <a:buFont typeface="Arial"/>
-      <a:defRPr b="0" i="0" sz="1400" u="none" cap="none" strike="noStrike">
+      <a:defRPr sz="1400" b="0" i="0" u="none" strike="noStrike" cap="none">
         <a:solidFill>
           <a:srgbClr val="000000"/>
         </a:solidFill>
@@ -171,7 +171,7 @@
         <a:sym typeface="Arial"/>
       </a:defRPr>
     </a:lvl5pPr>
-    <a:lvl6pPr lvl="5" marR="0" rtl="0" algn="l">
+    <a:lvl6pPr marR="0" lvl="5" algn="l" rtl="0">
       <a:lnSpc>
         <a:spcPct val="100000"/>
       </a:lnSpc>
@@ -185,7 +185,7 @@
         <a:srgbClr val="000000"/>
       </a:buClr>
       <a:buFont typeface="Arial"/>
-      <a:defRPr b="0" i="0" sz="1400" u="none" cap="none" strike="noStrike">
+      <a:defRPr sz="1400" b="0" i="0" u="none" strike="noStrike" cap="none">
         <a:solidFill>
           <a:srgbClr val="000000"/>
         </a:solidFill>
@@ -195,7 +195,7 @@
         <a:sym typeface="Arial"/>
       </a:defRPr>
     </a:lvl6pPr>
-    <a:lvl7pPr lvl="6" marR="0" rtl="0" algn="l">
+    <a:lvl7pPr marR="0" lvl="6" algn="l" rtl="0">
       <a:lnSpc>
         <a:spcPct val="100000"/>
       </a:lnSpc>
@@ -209,7 +209,7 @@
         <a:srgbClr val="000000"/>
       </a:buClr>
       <a:buFont typeface="Arial"/>
-      <a:defRPr b="0" i="0" sz="1400" u="none" cap="none" strike="noStrike">
+      <a:defRPr sz="1400" b="0" i="0" u="none" strike="noStrike" cap="none">
         <a:solidFill>
           <a:srgbClr val="000000"/>
         </a:solidFill>
@@ -219,7 +219,7 @@
         <a:sym typeface="Arial"/>
       </a:defRPr>
     </a:lvl7pPr>
-    <a:lvl8pPr lvl="7" marR="0" rtl="0" algn="l">
+    <a:lvl8pPr marR="0" lvl="7" algn="l" rtl="0">
       <a:lnSpc>
         <a:spcPct val="100000"/>
       </a:lnSpc>
@@ -233,7 +233,7 @@
         <a:srgbClr val="000000"/>
       </a:buClr>
       <a:buFont typeface="Arial"/>
-      <a:defRPr b="0" i="0" sz="1400" u="none" cap="none" strike="noStrike">
+      <a:defRPr sz="1400" b="0" i="0" u="none" strike="noStrike" cap="none">
         <a:solidFill>
           <a:srgbClr val="000000"/>
         </a:solidFill>
@@ -243,7 +243,7 @@
         <a:sym typeface="Arial"/>
       </a:defRPr>
     </a:lvl8pPr>
-    <a:lvl9pPr lvl="8" marR="0" rtl="0" algn="l">
+    <a:lvl9pPr marR="0" lvl="8" algn="l" rtl="0">
       <a:lnSpc>
         <a:spcPct val="100000"/>
       </a:lnSpc>
@@ -257,7 +257,7 @@
         <a:srgbClr val="000000"/>
       </a:buClr>
       <a:buFont typeface="Arial"/>
-      <a:defRPr b="0" i="0" sz="1400" u="none" cap="none" strike="noStrike">
+      <a:defRPr sz="1400" b="0" i="0" u="none" strike="noStrike" cap="none">
         <a:solidFill>
           <a:srgbClr val="000000"/>
         </a:solidFill>
@@ -270,7 +270,7 @@
   </p:defaultTextStyle>
   <p:extLst>
     <p:ext uri="{EFAFB233-063F-42B5-8137-9DF3F51BA10A}">
-      <p15:sldGuideLst>
+      <p15:sldGuideLst xmlns:p15="http://schemas.microsoft.com/office/powerpoint/2012/main">
         <p15:guide id="1" orient="horz" pos="1620">
           <p15:clr>
             <a:srgbClr val="747775"/>
@@ -288,11 +288,16 @@
 </file>
 
 <file path=ppt/notesMasters/notesMaster1.xml><?xml version="1.0" encoding="utf-8"?>
-<p:notesMaster xmlns:a="http://schemas.openxmlformats.org/drawingml/2006/main" xmlns:r="http://schemas.openxmlformats.org/officeDocument/2006/relationships" xmlns:mc="http://schemas.openxmlformats.org/markup-compatibility/2006" xmlns:mv="urn:schemas-microsoft-com:mac:vml" xmlns:p="http://schemas.openxmlformats.org/presentationml/2006/main" xmlns:c="http://schemas.openxmlformats.org/drawingml/2006/chart" xmlns:dgm="http://schemas.openxmlformats.org/drawingml/2006/diagram" xmlns:o="urn:schemas-microsoft-com:office:office" xmlns:v="urn:schemas-microsoft-com:vml" xmlns:pvml="urn:schemas-microsoft-com:office:powerpoint" xmlns:com="http://schemas.openxmlformats.org/drawingml/2006/compatibility" xmlns:p14="http://schemas.microsoft.com/office/powerpoint/2010/main" xmlns:p15="http://schemas.microsoft.com/office/powerpoint/2012/main" xmlns:ahyp="http://schemas.microsoft.com/office/drawing/2018/hyperlinkcolor">
+<p:notesMaster xmlns:a="http://schemas.openxmlformats.org/drawingml/2006/main" xmlns:r="http://schemas.openxmlformats.org/officeDocument/2006/relationships" xmlns:p="http://schemas.openxmlformats.org/presentationml/2006/main">
   <p:cSld>
+    <p:bg>
+      <p:bgRef idx="1001">
+        <a:schemeClr val="bg1"/>
+      </p:bgRef>
+    </p:bg>
     <p:spTree>
       <p:nvGrpSpPr>
-        <p:cNvPr id="2" name="Shape 2"/>
+        <p:cNvPr id="1" name="Shape 2"/>
         <p:cNvGrpSpPr/>
         <p:nvPr/>
       </p:nvGrpSpPr>
@@ -307,9 +312,11 @@
       <p:sp>
         <p:nvSpPr>
           <p:cNvPr id="3" name="Google Shape;3;n"/>
-          <p:cNvSpPr/>
+          <p:cNvSpPr>
+            <a:spLocks noGrp="1" noRot="1" noChangeAspect="1"/>
+          </p:cNvSpPr>
           <p:nvPr>
-            <p:ph idx="2" type="sldImg"/>
+            <p:ph type="sldImg" idx="2"/>
           </p:nvPr>
         </p:nvSpPr>
         <p:spPr>
@@ -318,9 +325,13 @@
             <a:ext cx="6096075" cy="3429000"/>
           </a:xfrm>
           <a:custGeom>
-            <a:rect b="b" l="l" r="r" t="t"/>
+            <a:avLst/>
+            <a:gdLst/>
+            <a:ahLst/>
+            <a:cxnLst/>
+            <a:rect l="l" t="t" r="r" b="b"/>
             <a:pathLst>
-              <a:path extrusionOk="0" h="120000" w="120000">
+              <a:path w="120000" h="120000" extrusionOk="0">
                 <a:moveTo>
                   <a:pt x="0" y="0"/>
                 </a:moveTo>
@@ -338,23 +349,25 @@
             </a:pathLst>
           </a:custGeom>
           <a:noFill/>
-          <a:ln cap="flat" cmpd="sng" w="9525">
+          <a:ln w="9525" cap="flat" cmpd="sng">
             <a:solidFill>
               <a:srgbClr val="000000"/>
             </a:solidFill>
             <a:prstDash val="solid"/>
             <a:round/>
-            <a:headEnd len="sm" w="sm" type="none"/>
-            <a:tailEnd len="sm" w="sm" type="none"/>
+            <a:headEnd type="none" w="sm" len="sm"/>
+            <a:tailEnd type="none" w="sm" len="sm"/>
           </a:ln>
         </p:spPr>
       </p:sp>
       <p:sp>
         <p:nvSpPr>
           <p:cNvPr id="4" name="Google Shape;4;n"/>
-          <p:cNvSpPr txBox="1"/>
+          <p:cNvSpPr txBox="1">
+            <a:spLocks noGrp="1"/>
+          </p:cNvSpPr>
           <p:nvPr>
-            <p:ph idx="1" type="body"/>
+            <p:ph type="body" idx="1"/>
           </p:nvPr>
         </p:nvSpPr>
         <p:spPr>
@@ -371,11 +384,11 @@
           </a:ln>
         </p:spPr>
         <p:txBody>
-          <a:bodyPr anchorCtr="0" anchor="t" bIns="91425" lIns="91425" spcFirstLastPara="1" rIns="91425" wrap="square" tIns="91425">
+          <a:bodyPr spcFirstLastPara="1" wrap="square" lIns="91425" tIns="91425" rIns="91425" bIns="91425" anchor="t" anchorCtr="0">
             <a:noAutofit/>
           </a:bodyPr>
           <a:lstStyle>
-            <a:lvl1pPr indent="-317500" lvl="0" marL="457200">
+            <a:lvl1pPr marL="457200" lvl="0" indent="-317500">
               <a:spcBef>
                 <a:spcPts val="0"/>
               </a:spcBef>
@@ -386,7 +399,7 @@
               <a:buChar char="●"/>
               <a:defRPr sz="1100"/>
             </a:lvl1pPr>
-            <a:lvl2pPr indent="-317500" lvl="1" marL="914400">
+            <a:lvl2pPr marL="914400" lvl="1" indent="-317500">
               <a:spcBef>
                 <a:spcPts val="0"/>
               </a:spcBef>
@@ -397,7 +410,7 @@
               <a:buChar char="○"/>
               <a:defRPr sz="1100"/>
             </a:lvl2pPr>
-            <a:lvl3pPr indent="-317500" lvl="2" marL="1371600">
+            <a:lvl3pPr marL="1371600" lvl="2" indent="-317500">
               <a:spcBef>
                 <a:spcPts val="0"/>
               </a:spcBef>
@@ -408,7 +421,7 @@
               <a:buChar char="■"/>
               <a:defRPr sz="1100"/>
             </a:lvl3pPr>
-            <a:lvl4pPr indent="-317500" lvl="3" marL="1828800">
+            <a:lvl4pPr marL="1828800" lvl="3" indent="-317500">
               <a:spcBef>
                 <a:spcPts val="0"/>
               </a:spcBef>
@@ -419,7 +432,7 @@
               <a:buChar char="●"/>
               <a:defRPr sz="1100"/>
             </a:lvl4pPr>
-            <a:lvl5pPr indent="-317500" lvl="4" marL="2286000">
+            <a:lvl5pPr marL="2286000" lvl="4" indent="-317500">
               <a:spcBef>
                 <a:spcPts val="0"/>
               </a:spcBef>
@@ -430,7 +443,7 @@
               <a:buChar char="○"/>
               <a:defRPr sz="1100"/>
             </a:lvl5pPr>
-            <a:lvl6pPr indent="-317500" lvl="5" marL="2743200">
+            <a:lvl6pPr marL="2743200" lvl="5" indent="-317500">
               <a:spcBef>
                 <a:spcPts val="0"/>
               </a:spcBef>
@@ -441,7 +454,7 @@
               <a:buChar char="■"/>
               <a:defRPr sz="1100"/>
             </a:lvl6pPr>
-            <a:lvl7pPr indent="-317500" lvl="6" marL="3200400">
+            <a:lvl7pPr marL="3200400" lvl="6" indent="-317500">
               <a:spcBef>
                 <a:spcPts val="0"/>
               </a:spcBef>
@@ -452,7 +465,7 @@
               <a:buChar char="●"/>
               <a:defRPr sz="1100"/>
             </a:lvl7pPr>
-            <a:lvl8pPr indent="-317500" lvl="7" marL="3657600">
+            <a:lvl8pPr marL="3657600" lvl="7" indent="-317500">
               <a:spcBef>
                 <a:spcPts val="0"/>
               </a:spcBef>
@@ -463,7 +476,7 @@
               <a:buChar char="○"/>
               <a:defRPr sz="1100"/>
             </a:lvl8pPr>
-            <a:lvl9pPr indent="-317500" lvl="8" marL="4114800">
+            <a:lvl9pPr marL="4114800" lvl="8" indent="-317500">
               <a:spcBef>
                 <a:spcPts val="0"/>
               </a:spcBef>
@@ -475,14 +488,16 @@
               <a:defRPr sz="1100"/>
             </a:lvl9pPr>
           </a:lstStyle>
-          <a:p/>
+          <a:p>
+            <a:endParaRPr/>
+          </a:p>
         </p:txBody>
       </p:sp>
     </p:spTree>
   </p:cSld>
-  <p:clrMap accent1="accent1" accent2="accent2" accent3="accent3" accent4="accent4" accent5="accent5" accent6="accent6" bg1="lt1" bg2="dk2" tx1="dk1" tx2="lt2" folHlink="folHlink" hlink="hlink"/>
+  <p:clrMap bg1="lt1" tx1="dk1" bg2="dk2" tx2="lt2" accent1="accent1" accent2="accent2" accent3="accent3" accent4="accent4" accent5="accent5" accent6="accent6" hlink="hlink" folHlink="folHlink"/>
   <p:notesStyle>
-    <a:defPPr lvl="0" marR="0" rtl="0" algn="l">
+    <a:defPPr marR="0" lvl="0" algn="l" rtl="0">
       <a:lnSpc>
         <a:spcPct val="100000"/>
       </a:lnSpc>
@@ -493,7 +508,7 @@
         <a:spcPts val="0"/>
       </a:spcAft>
     </a:defPPr>
-    <a:lvl1pPr lvl="0" marR="0" rtl="0" algn="l">
+    <a:lvl1pPr marR="0" lvl="0" algn="l" rtl="0">
       <a:lnSpc>
         <a:spcPct val="100000"/>
       </a:lnSpc>
@@ -507,7 +522,7 @@
         <a:srgbClr val="000000"/>
       </a:buClr>
       <a:buFont typeface="Arial"/>
-      <a:defRPr b="0" i="0" sz="1400" u="none" cap="none" strike="noStrike">
+      <a:defRPr sz="1400" b="0" i="0" u="none" strike="noStrike" cap="none">
         <a:solidFill>
           <a:srgbClr val="000000"/>
         </a:solidFill>
@@ -517,7 +532,7 @@
         <a:sym typeface="Arial"/>
       </a:defRPr>
     </a:lvl1pPr>
-    <a:lvl2pPr lvl="1" marR="0" rtl="0" algn="l">
+    <a:lvl2pPr marR="0" lvl="1" algn="l" rtl="0">
       <a:lnSpc>
         <a:spcPct val="100000"/>
       </a:lnSpc>
@@ -531,7 +546,7 @@
         <a:srgbClr val="000000"/>
       </a:buClr>
       <a:buFont typeface="Arial"/>
-      <a:defRPr b="0" i="0" sz="1400" u="none" cap="none" strike="noStrike">
+      <a:defRPr sz="1400" b="0" i="0" u="none" strike="noStrike" cap="none">
         <a:solidFill>
           <a:srgbClr val="000000"/>
         </a:solidFill>
@@ -541,7 +556,7 @@
         <a:sym typeface="Arial"/>
       </a:defRPr>
     </a:lvl2pPr>
-    <a:lvl3pPr lvl="2" marR="0" rtl="0" algn="l">
+    <a:lvl3pPr marR="0" lvl="2" algn="l" rtl="0">
       <a:lnSpc>
         <a:spcPct val="100000"/>
       </a:lnSpc>
@@ -555,7 +570,7 @@
         <a:srgbClr val="000000"/>
       </a:buClr>
       <a:buFont typeface="Arial"/>
-      <a:defRPr b="0" i="0" sz="1400" u="none" cap="none" strike="noStrike">
+      <a:defRPr sz="1400" b="0" i="0" u="none" strike="noStrike" cap="none">
         <a:solidFill>
           <a:srgbClr val="000000"/>
         </a:solidFill>
@@ -565,7 +580,7 @@
         <a:sym typeface="Arial"/>
       </a:defRPr>
     </a:lvl3pPr>
-    <a:lvl4pPr lvl="3" marR="0" rtl="0" algn="l">
+    <a:lvl4pPr marR="0" lvl="3" algn="l" rtl="0">
       <a:lnSpc>
         <a:spcPct val="100000"/>
       </a:lnSpc>
@@ -579,7 +594,7 @@
         <a:srgbClr val="000000"/>
       </a:buClr>
       <a:buFont typeface="Arial"/>
-      <a:defRPr b="0" i="0" sz="1400" u="none" cap="none" strike="noStrike">
+      <a:defRPr sz="1400" b="0" i="0" u="none" strike="noStrike" cap="none">
         <a:solidFill>
           <a:srgbClr val="000000"/>
         </a:solidFill>
@@ -589,7 +604,7 @@
         <a:sym typeface="Arial"/>
       </a:defRPr>
     </a:lvl4pPr>
-    <a:lvl5pPr lvl="4" marR="0" rtl="0" algn="l">
+    <a:lvl5pPr marR="0" lvl="4" algn="l" rtl="0">
       <a:lnSpc>
         <a:spcPct val="100000"/>
       </a:lnSpc>
@@ -603,7 +618,7 @@
         <a:srgbClr val="000000"/>
       </a:buClr>
       <a:buFont typeface="Arial"/>
-      <a:defRPr b="0" i="0" sz="1400" u="none" cap="none" strike="noStrike">
+      <a:defRPr sz="1400" b="0" i="0" u="none" strike="noStrike" cap="none">
         <a:solidFill>
           <a:srgbClr val="000000"/>
         </a:solidFill>
@@ -613,7 +628,7 @@
         <a:sym typeface="Arial"/>
       </a:defRPr>
     </a:lvl5pPr>
-    <a:lvl6pPr lvl="5" marR="0" rtl="0" algn="l">
+    <a:lvl6pPr marR="0" lvl="5" algn="l" rtl="0">
       <a:lnSpc>
         <a:spcPct val="100000"/>
       </a:lnSpc>
@@ -627,7 +642,7 @@
         <a:srgbClr val="000000"/>
       </a:buClr>
       <a:buFont typeface="Arial"/>
-      <a:defRPr b="0" i="0" sz="1400" u="none" cap="none" strike="noStrike">
+      <a:defRPr sz="1400" b="0" i="0" u="none" strike="noStrike" cap="none">
         <a:solidFill>
           <a:srgbClr val="000000"/>
         </a:solidFill>
@@ -637,7 +652,7 @@
         <a:sym typeface="Arial"/>
       </a:defRPr>
     </a:lvl6pPr>
-    <a:lvl7pPr lvl="6" marR="0" rtl="0" algn="l">
+    <a:lvl7pPr marR="0" lvl="6" algn="l" rtl="0">
       <a:lnSpc>
         <a:spcPct val="100000"/>
       </a:lnSpc>
@@ -651,7 +666,7 @@
         <a:srgbClr val="000000"/>
       </a:buClr>
       <a:buFont typeface="Arial"/>
-      <a:defRPr b="0" i="0" sz="1400" u="none" cap="none" strike="noStrike">
+      <a:defRPr sz="1400" b="0" i="0" u="none" strike="noStrike" cap="none">
         <a:solidFill>
           <a:srgbClr val="000000"/>
         </a:solidFill>
@@ -661,7 +676,7 @@
         <a:sym typeface="Arial"/>
       </a:defRPr>
     </a:lvl7pPr>
-    <a:lvl8pPr lvl="7" marR="0" rtl="0" algn="l">
+    <a:lvl8pPr marR="0" lvl="7" algn="l" rtl="0">
       <a:lnSpc>
         <a:spcPct val="100000"/>
       </a:lnSpc>
@@ -675,7 +690,7 @@
         <a:srgbClr val="000000"/>
       </a:buClr>
       <a:buFont typeface="Arial"/>
-      <a:defRPr b="0" i="0" sz="1400" u="none" cap="none" strike="noStrike">
+      <a:defRPr sz="1400" b="0" i="0" u="none" strike="noStrike" cap="none">
         <a:solidFill>
           <a:srgbClr val="000000"/>
         </a:solidFill>
@@ -685,7 +700,7 @@
         <a:sym typeface="Arial"/>
       </a:defRPr>
     </a:lvl8pPr>
-    <a:lvl9pPr lvl="8" marR="0" rtl="0" algn="l">
+    <a:lvl9pPr marR="0" lvl="8" algn="l" rtl="0">
       <a:lnSpc>
         <a:spcPct val="100000"/>
       </a:lnSpc>
@@ -699,7 +714,7 @@
         <a:srgbClr val="000000"/>
       </a:buClr>
       <a:buFont typeface="Arial"/>
-      <a:defRPr b="0" i="0" sz="1400" u="none" cap="none" strike="noStrike">
+      <a:defRPr sz="1400" b="0" i="0" u="none" strike="noStrike" cap="none">
         <a:solidFill>
           <a:srgbClr val="000000"/>
         </a:solidFill>
@@ -714,11 +729,11 @@
 </file>
 
 <file path=ppt/notesSlides/notesSlide1.xml><?xml version="1.0" encoding="utf-8"?>
-<p:notes xmlns:a="http://schemas.openxmlformats.org/drawingml/2006/main" xmlns:r="http://schemas.openxmlformats.org/officeDocument/2006/relationships" xmlns:mc="http://schemas.openxmlformats.org/markup-compatibility/2006" xmlns:mv="urn:schemas-microsoft-com:mac:vml" xmlns:p="http://schemas.openxmlformats.org/presentationml/2006/main" xmlns:c="http://schemas.openxmlformats.org/drawingml/2006/chart" xmlns:dgm="http://schemas.openxmlformats.org/drawingml/2006/diagram" xmlns:o="urn:schemas-microsoft-com:office:office" xmlns:v="urn:schemas-microsoft-com:vml" xmlns:pvml="urn:schemas-microsoft-com:office:powerpoint" xmlns:com="http://schemas.openxmlformats.org/drawingml/2006/compatibility" xmlns:p14="http://schemas.microsoft.com/office/powerpoint/2010/main" xmlns:p15="http://schemas.microsoft.com/office/powerpoint/2012/main" xmlns:ahyp="http://schemas.microsoft.com/office/drawing/2018/hyperlinkcolor" showMasterPhAnim="0" showMasterSp="0">
+<p:notes xmlns:a="http://schemas.openxmlformats.org/drawingml/2006/main" xmlns:r="http://schemas.openxmlformats.org/officeDocument/2006/relationships" xmlns:p="http://schemas.openxmlformats.org/presentationml/2006/main" showMasterSp="0" showMasterPhAnim="0">
   <p:cSld>
     <p:spTree>
       <p:nvGrpSpPr>
-        <p:cNvPr id="68" name="Shape 68"/>
+        <p:cNvPr id="1" name="Shape 68"/>
         <p:cNvGrpSpPr/>
         <p:nvPr/>
       </p:nvGrpSpPr>
@@ -733,9 +748,11 @@
       <p:sp>
         <p:nvSpPr>
           <p:cNvPr id="69" name="Google Shape;69;gc6fa3c898_0_0:notes"/>
-          <p:cNvSpPr/>
+          <p:cNvSpPr>
+            <a:spLocks noGrp="1" noRot="1" noChangeAspect="1"/>
+          </p:cNvSpPr>
           <p:nvPr>
-            <p:ph idx="2" type="sldImg"/>
+            <p:ph type="sldImg" idx="2"/>
           </p:nvPr>
         </p:nvSpPr>
         <p:spPr>
@@ -744,9 +761,13 @@
             <a:ext cx="6096300" cy="3429000"/>
           </a:xfrm>
           <a:custGeom>
-            <a:rect b="b" l="l" r="r" t="t"/>
+            <a:avLst/>
+            <a:gdLst/>
+            <a:ahLst/>
+            <a:cxnLst/>
+            <a:rect l="l" t="t" r="r" b="b"/>
             <a:pathLst>
-              <a:path extrusionOk="0" h="120000" w="120000">
+              <a:path w="120000" h="120000" extrusionOk="0">
                 <a:moveTo>
                   <a:pt x="0" y="0"/>
                 </a:moveTo>
@@ -768,9 +789,11 @@
       <p:sp>
         <p:nvSpPr>
           <p:cNvPr id="70" name="Google Shape;70;gc6fa3c898_0_0:notes"/>
-          <p:cNvSpPr txBox="1"/>
+          <p:cNvSpPr txBox="1">
+            <a:spLocks noGrp="1"/>
+          </p:cNvSpPr>
           <p:nvPr>
-            <p:ph idx="1" type="body"/>
+            <p:ph type="body" idx="1"/>
           </p:nvPr>
         </p:nvSpPr>
         <p:spPr>
@@ -783,12 +806,12 @@
           </a:prstGeom>
         </p:spPr>
         <p:txBody>
-          <a:bodyPr anchorCtr="0" anchor="t" bIns="91425" lIns="91425" spcFirstLastPara="1" rIns="91425" wrap="square" tIns="91425">
+          <a:bodyPr spcFirstLastPara="1" wrap="square" lIns="91425" tIns="91425" rIns="91425" bIns="91425" anchor="t" anchorCtr="0">
             <a:noAutofit/>
           </a:bodyPr>
           <a:lstStyle/>
           <a:p>
-            <a:pPr indent="0" lvl="0" marL="0" rtl="0" algn="l">
+            <a:pPr marL="0" lvl="0" indent="0" algn="l" rtl="0">
               <a:spcBef>
                 <a:spcPts val="0"/>
               </a:spcBef>
@@ -797,9 +820,6 @@
               </a:spcAft>
               <a:buNone/>
             </a:pPr>
-            <a:r>
-              <a:t/>
-            </a:r>
             <a:endParaRPr/>
           </a:p>
         </p:txBody>
@@ -813,11 +833,11 @@
 </file>
 
 <file path=ppt/notesSlides/notesSlide10.xml><?xml version="1.0" encoding="utf-8"?>
-<p:notes xmlns:a="http://schemas.openxmlformats.org/drawingml/2006/main" xmlns:r="http://schemas.openxmlformats.org/officeDocument/2006/relationships" xmlns:mc="http://schemas.openxmlformats.org/markup-compatibility/2006" xmlns:mv="urn:schemas-microsoft-com:mac:vml" xmlns:p="http://schemas.openxmlformats.org/presentationml/2006/main" xmlns:c="http://schemas.openxmlformats.org/drawingml/2006/chart" xmlns:dgm="http://schemas.openxmlformats.org/drawingml/2006/diagram" xmlns:o="urn:schemas-microsoft-com:office:office" xmlns:v="urn:schemas-microsoft-com:vml" xmlns:pvml="urn:schemas-microsoft-com:office:powerpoint" xmlns:com="http://schemas.openxmlformats.org/drawingml/2006/compatibility" xmlns:p14="http://schemas.microsoft.com/office/powerpoint/2010/main" xmlns:p15="http://schemas.microsoft.com/office/powerpoint/2012/main" xmlns:ahyp="http://schemas.microsoft.com/office/drawing/2018/hyperlinkcolor" showMasterPhAnim="0" showMasterSp="0">
+<p:notes xmlns:a="http://schemas.openxmlformats.org/drawingml/2006/main" xmlns:r="http://schemas.openxmlformats.org/officeDocument/2006/relationships" xmlns:p="http://schemas.openxmlformats.org/presentationml/2006/main" showMasterSp="0" showMasterPhAnim="0">
   <p:cSld>
     <p:spTree>
       <p:nvGrpSpPr>
-        <p:cNvPr id="130" name="Shape 130"/>
+        <p:cNvPr id="1" name="Shape 130"/>
         <p:cNvGrpSpPr/>
         <p:nvPr/>
       </p:nvGrpSpPr>
@@ -832,9 +852,11 @@
       <p:sp>
         <p:nvSpPr>
           <p:cNvPr id="131" name="Google Shape;131;g1f9ba8d79b8_0_79:notes"/>
-          <p:cNvSpPr/>
+          <p:cNvSpPr>
+            <a:spLocks noGrp="1" noRot="1" noChangeAspect="1"/>
+          </p:cNvSpPr>
           <p:nvPr>
-            <p:ph idx="2" type="sldImg"/>
+            <p:ph type="sldImg" idx="2"/>
           </p:nvPr>
         </p:nvSpPr>
         <p:spPr>
@@ -843,9 +865,13 @@
             <a:ext cx="6096300" cy="3429000"/>
           </a:xfrm>
           <a:custGeom>
-            <a:rect b="b" l="l" r="r" t="t"/>
+            <a:avLst/>
+            <a:gdLst/>
+            <a:ahLst/>
+            <a:cxnLst/>
+            <a:rect l="l" t="t" r="r" b="b"/>
             <a:pathLst>
-              <a:path extrusionOk="0" h="120000" w="120000">
+              <a:path w="120000" h="120000" extrusionOk="0">
                 <a:moveTo>
                   <a:pt x="0" y="0"/>
                 </a:moveTo>
@@ -867,9 +893,11 @@
       <p:sp>
         <p:nvSpPr>
           <p:cNvPr id="132" name="Google Shape;132;g1f9ba8d79b8_0_79:notes"/>
-          <p:cNvSpPr txBox="1"/>
+          <p:cNvSpPr txBox="1">
+            <a:spLocks noGrp="1"/>
+          </p:cNvSpPr>
           <p:nvPr>
-            <p:ph idx="1" type="body"/>
+            <p:ph type="body" idx="1"/>
           </p:nvPr>
         </p:nvSpPr>
         <p:spPr>
@@ -882,12 +910,12 @@
           </a:prstGeom>
         </p:spPr>
         <p:txBody>
-          <a:bodyPr anchorCtr="0" anchor="t" bIns="91425" lIns="91425" spcFirstLastPara="1" rIns="91425" wrap="square" tIns="91425">
+          <a:bodyPr spcFirstLastPara="1" wrap="square" lIns="91425" tIns="91425" rIns="91425" bIns="91425" anchor="t" anchorCtr="0">
             <a:noAutofit/>
           </a:bodyPr>
           <a:lstStyle/>
           <a:p>
-            <a:pPr indent="0" lvl="0" marL="0" rtl="0" algn="l">
+            <a:pPr marL="0" lvl="0" indent="0" algn="l" rtl="0">
               <a:spcBef>
                 <a:spcPts val="0"/>
               </a:spcBef>
@@ -896,9 +924,6 @@
               </a:spcAft>
               <a:buNone/>
             </a:pPr>
-            <a:r>
-              <a:t/>
-            </a:r>
             <a:endParaRPr/>
           </a:p>
         </p:txBody>
@@ -912,11 +937,11 @@
 </file>
 
 <file path=ppt/notesSlides/notesSlide11.xml><?xml version="1.0" encoding="utf-8"?>
-<p:notes xmlns:a="http://schemas.openxmlformats.org/drawingml/2006/main" xmlns:r="http://schemas.openxmlformats.org/officeDocument/2006/relationships" xmlns:mc="http://schemas.openxmlformats.org/markup-compatibility/2006" xmlns:mv="urn:schemas-microsoft-com:mac:vml" xmlns:p="http://schemas.openxmlformats.org/presentationml/2006/main" xmlns:c="http://schemas.openxmlformats.org/drawingml/2006/chart" xmlns:dgm="http://schemas.openxmlformats.org/drawingml/2006/diagram" xmlns:o="urn:schemas-microsoft-com:office:office" xmlns:v="urn:schemas-microsoft-com:vml" xmlns:pvml="urn:schemas-microsoft-com:office:powerpoint" xmlns:com="http://schemas.openxmlformats.org/drawingml/2006/compatibility" xmlns:p14="http://schemas.microsoft.com/office/powerpoint/2010/main" xmlns:p15="http://schemas.microsoft.com/office/powerpoint/2012/main" xmlns:ahyp="http://schemas.microsoft.com/office/drawing/2018/hyperlinkcolor" showMasterPhAnim="0" showMasterSp="0">
+<p:notes xmlns:a="http://schemas.openxmlformats.org/drawingml/2006/main" xmlns:r="http://schemas.openxmlformats.org/officeDocument/2006/relationships" xmlns:p="http://schemas.openxmlformats.org/presentationml/2006/main" showMasterSp="0" showMasterPhAnim="0">
   <p:cSld>
     <p:spTree>
       <p:nvGrpSpPr>
-        <p:cNvPr id="142" name="Shape 142"/>
+        <p:cNvPr id="1" name="Shape 142"/>
         <p:cNvGrpSpPr/>
         <p:nvPr/>
       </p:nvGrpSpPr>
@@ -931,9 +956,11 @@
       <p:sp>
         <p:nvSpPr>
           <p:cNvPr id="143" name="Google Shape;143;gc6fa3c898_0_65:notes"/>
-          <p:cNvSpPr/>
+          <p:cNvSpPr>
+            <a:spLocks noGrp="1" noRot="1" noChangeAspect="1"/>
+          </p:cNvSpPr>
           <p:nvPr>
-            <p:ph idx="2" type="sldImg"/>
+            <p:ph type="sldImg" idx="2"/>
           </p:nvPr>
         </p:nvSpPr>
         <p:spPr>
@@ -942,9 +969,13 @@
             <a:ext cx="6096300" cy="3429000"/>
           </a:xfrm>
           <a:custGeom>
-            <a:rect b="b" l="l" r="r" t="t"/>
+            <a:avLst/>
+            <a:gdLst/>
+            <a:ahLst/>
+            <a:cxnLst/>
+            <a:rect l="l" t="t" r="r" b="b"/>
             <a:pathLst>
-              <a:path extrusionOk="0" h="120000" w="120000">
+              <a:path w="120000" h="120000" extrusionOk="0">
                 <a:moveTo>
                   <a:pt x="0" y="0"/>
                 </a:moveTo>
@@ -966,9 +997,11 @@
       <p:sp>
         <p:nvSpPr>
           <p:cNvPr id="144" name="Google Shape;144;gc6fa3c898_0_65:notes"/>
-          <p:cNvSpPr txBox="1"/>
+          <p:cNvSpPr txBox="1">
+            <a:spLocks noGrp="1"/>
+          </p:cNvSpPr>
           <p:nvPr>
-            <p:ph idx="1" type="body"/>
+            <p:ph type="body" idx="1"/>
           </p:nvPr>
         </p:nvSpPr>
         <p:spPr>
@@ -981,12 +1014,12 @@
           </a:prstGeom>
         </p:spPr>
         <p:txBody>
-          <a:bodyPr anchorCtr="0" anchor="t" bIns="91425" lIns="91425" spcFirstLastPara="1" rIns="91425" wrap="square" tIns="91425">
+          <a:bodyPr spcFirstLastPara="1" wrap="square" lIns="91425" tIns="91425" rIns="91425" bIns="91425" anchor="t" anchorCtr="0">
             <a:noAutofit/>
           </a:bodyPr>
           <a:lstStyle/>
           <a:p>
-            <a:pPr indent="0" lvl="0" marL="0" rtl="0" algn="l">
+            <a:pPr marL="0" lvl="0" indent="0" algn="l" rtl="0">
               <a:spcBef>
                 <a:spcPts val="0"/>
               </a:spcBef>
@@ -995,9 +1028,6 @@
               </a:spcAft>
               <a:buNone/>
             </a:pPr>
-            <a:r>
-              <a:t/>
-            </a:r>
             <a:endParaRPr/>
           </a:p>
         </p:txBody>
@@ -1011,11 +1041,11 @@
 </file>
 
 <file path=ppt/notesSlides/notesSlide12.xml><?xml version="1.0" encoding="utf-8"?>
-<p:notes xmlns:a="http://schemas.openxmlformats.org/drawingml/2006/main" xmlns:r="http://schemas.openxmlformats.org/officeDocument/2006/relationships" xmlns:mc="http://schemas.openxmlformats.org/markup-compatibility/2006" xmlns:mv="urn:schemas-microsoft-com:mac:vml" xmlns:p="http://schemas.openxmlformats.org/presentationml/2006/main" xmlns:c="http://schemas.openxmlformats.org/drawingml/2006/chart" xmlns:dgm="http://schemas.openxmlformats.org/drawingml/2006/diagram" xmlns:o="urn:schemas-microsoft-com:office:office" xmlns:v="urn:schemas-microsoft-com:vml" xmlns:pvml="urn:schemas-microsoft-com:office:powerpoint" xmlns:com="http://schemas.openxmlformats.org/drawingml/2006/compatibility" xmlns:p14="http://schemas.microsoft.com/office/powerpoint/2010/main" xmlns:p15="http://schemas.microsoft.com/office/powerpoint/2012/main" xmlns:ahyp="http://schemas.microsoft.com/office/drawing/2018/hyperlinkcolor" showMasterPhAnim="0" showMasterSp="0">
+<p:notes xmlns:a="http://schemas.openxmlformats.org/drawingml/2006/main" xmlns:r="http://schemas.openxmlformats.org/officeDocument/2006/relationships" xmlns:p="http://schemas.openxmlformats.org/presentationml/2006/main" showMasterSp="0" showMasterPhAnim="0">
   <p:cSld>
     <p:spTree>
       <p:nvGrpSpPr>
-        <p:cNvPr id="148" name="Shape 148"/>
+        <p:cNvPr id="1" name="Shape 148"/>
         <p:cNvGrpSpPr/>
         <p:nvPr/>
       </p:nvGrpSpPr>
@@ -1030,20 +1060,26 @@
       <p:sp>
         <p:nvSpPr>
           <p:cNvPr id="149" name="Google Shape;149;g1f9ba8d79b8_0_89:notes"/>
-          <p:cNvSpPr/>
+          <p:cNvSpPr>
+            <a:spLocks noGrp="1" noRot="1" noChangeAspect="1"/>
+          </p:cNvSpPr>
           <p:nvPr>
-            <p:ph idx="2" type="sldImg"/>
+            <p:ph type="sldImg" idx="2"/>
           </p:nvPr>
         </p:nvSpPr>
         <p:spPr>
           <a:xfrm>
-            <a:off x="381188" y="685800"/>
-            <a:ext cx="6096300" cy="3429000"/>
+            <a:off x="381000" y="685800"/>
+            <a:ext cx="6096000" cy="3429000"/>
           </a:xfrm>
           <a:custGeom>
-            <a:rect b="b" l="l" r="r" t="t"/>
+            <a:avLst/>
+            <a:gdLst/>
+            <a:ahLst/>
+            <a:cxnLst/>
+            <a:rect l="l" t="t" r="r" b="b"/>
             <a:pathLst>
-              <a:path extrusionOk="0" h="120000" w="120000">
+              <a:path w="120000" h="120000" extrusionOk="0">
                 <a:moveTo>
                   <a:pt x="0" y="0"/>
                 </a:moveTo>
@@ -1065,9 +1101,11 @@
       <p:sp>
         <p:nvSpPr>
           <p:cNvPr id="150" name="Google Shape;150;g1f9ba8d79b8_0_89:notes"/>
-          <p:cNvSpPr txBox="1"/>
+          <p:cNvSpPr txBox="1">
+            <a:spLocks noGrp="1"/>
+          </p:cNvSpPr>
           <p:nvPr>
-            <p:ph idx="1" type="body"/>
+            <p:ph type="body" idx="1"/>
           </p:nvPr>
         </p:nvSpPr>
         <p:spPr>
@@ -1080,12 +1118,12 @@
           </a:prstGeom>
         </p:spPr>
         <p:txBody>
-          <a:bodyPr anchorCtr="0" anchor="t" bIns="91425" lIns="91425" spcFirstLastPara="1" rIns="91425" wrap="square" tIns="91425">
+          <a:bodyPr spcFirstLastPara="1" wrap="square" lIns="91425" tIns="91425" rIns="91425" bIns="91425" anchor="t" anchorCtr="0">
             <a:noAutofit/>
           </a:bodyPr>
           <a:lstStyle/>
           <a:p>
-            <a:pPr indent="0" lvl="0" marL="0" rtl="0" algn="l">
+            <a:pPr marL="0" lvl="0" indent="0" algn="l" rtl="0">
               <a:spcBef>
                 <a:spcPts val="0"/>
               </a:spcBef>
@@ -1094,9 +1132,6 @@
               </a:spcAft>
               <a:buNone/>
             </a:pPr>
-            <a:r>
-              <a:t/>
-            </a:r>
             <a:endParaRPr/>
           </a:p>
         </p:txBody>
@@ -1110,11 +1145,11 @@
 </file>
 
 <file path=ppt/notesSlides/notesSlide2.xml><?xml version="1.0" encoding="utf-8"?>
-<p:notes xmlns:a="http://schemas.openxmlformats.org/drawingml/2006/main" xmlns:r="http://schemas.openxmlformats.org/officeDocument/2006/relationships" xmlns:mc="http://schemas.openxmlformats.org/markup-compatibility/2006" xmlns:mv="urn:schemas-microsoft-com:mac:vml" xmlns:p="http://schemas.openxmlformats.org/presentationml/2006/main" xmlns:c="http://schemas.openxmlformats.org/drawingml/2006/chart" xmlns:dgm="http://schemas.openxmlformats.org/drawingml/2006/diagram" xmlns:o="urn:schemas-microsoft-com:office:office" xmlns:v="urn:schemas-microsoft-com:vml" xmlns:pvml="urn:schemas-microsoft-com:office:powerpoint" xmlns:com="http://schemas.openxmlformats.org/drawingml/2006/compatibility" xmlns:p14="http://schemas.microsoft.com/office/powerpoint/2010/main" xmlns:p15="http://schemas.microsoft.com/office/powerpoint/2012/main" xmlns:ahyp="http://schemas.microsoft.com/office/drawing/2018/hyperlinkcolor" showMasterPhAnim="0" showMasterSp="0">
+<p:notes xmlns:a="http://schemas.openxmlformats.org/drawingml/2006/main" xmlns:r="http://schemas.openxmlformats.org/officeDocument/2006/relationships" xmlns:p="http://schemas.openxmlformats.org/presentationml/2006/main" showMasterSp="0" showMasterPhAnim="0">
   <p:cSld>
     <p:spTree>
       <p:nvGrpSpPr>
-        <p:cNvPr id="75" name="Shape 75"/>
+        <p:cNvPr id="1" name="Shape 75"/>
         <p:cNvGrpSpPr/>
         <p:nvPr/>
       </p:nvGrpSpPr>
@@ -1129,9 +1164,11 @@
       <p:sp>
         <p:nvSpPr>
           <p:cNvPr id="76" name="Google Shape;76;gc6fa3c898_0_5:notes"/>
-          <p:cNvSpPr/>
+          <p:cNvSpPr>
+            <a:spLocks noGrp="1" noRot="1" noChangeAspect="1"/>
+          </p:cNvSpPr>
           <p:nvPr>
-            <p:ph idx="2" type="sldImg"/>
+            <p:ph type="sldImg" idx="2"/>
           </p:nvPr>
         </p:nvSpPr>
         <p:spPr>
@@ -1140,9 +1177,13 @@
             <a:ext cx="6096300" cy="3429000"/>
           </a:xfrm>
           <a:custGeom>
-            <a:rect b="b" l="l" r="r" t="t"/>
+            <a:avLst/>
+            <a:gdLst/>
+            <a:ahLst/>
+            <a:cxnLst/>
+            <a:rect l="l" t="t" r="r" b="b"/>
             <a:pathLst>
-              <a:path extrusionOk="0" h="120000" w="120000">
+              <a:path w="120000" h="120000" extrusionOk="0">
                 <a:moveTo>
                   <a:pt x="0" y="0"/>
                 </a:moveTo>
@@ -1164,9 +1205,11 @@
       <p:sp>
         <p:nvSpPr>
           <p:cNvPr id="77" name="Google Shape;77;gc6fa3c898_0_5:notes"/>
-          <p:cNvSpPr txBox="1"/>
+          <p:cNvSpPr txBox="1">
+            <a:spLocks noGrp="1"/>
+          </p:cNvSpPr>
           <p:nvPr>
-            <p:ph idx="1" type="body"/>
+            <p:ph type="body" idx="1"/>
           </p:nvPr>
         </p:nvSpPr>
         <p:spPr>
@@ -1179,12 +1222,12 @@
           </a:prstGeom>
         </p:spPr>
         <p:txBody>
-          <a:bodyPr anchorCtr="0" anchor="t" bIns="91425" lIns="91425" spcFirstLastPara="1" rIns="91425" wrap="square" tIns="91425">
+          <a:bodyPr spcFirstLastPara="1" wrap="square" lIns="91425" tIns="91425" rIns="91425" bIns="91425" anchor="t" anchorCtr="0">
             <a:noAutofit/>
           </a:bodyPr>
           <a:lstStyle/>
           <a:p>
-            <a:pPr indent="0" lvl="0" marL="0" rtl="0" algn="l">
+            <a:pPr marL="0" lvl="0" indent="0" algn="l" rtl="0">
               <a:spcBef>
                 <a:spcPts val="0"/>
               </a:spcBef>
@@ -1193,9 +1236,6 @@
               </a:spcAft>
               <a:buNone/>
             </a:pPr>
-            <a:r>
-              <a:t/>
-            </a:r>
             <a:endParaRPr/>
           </a:p>
         </p:txBody>
@@ -1209,11 +1249,11 @@
 </file>
 
 <file path=ppt/notesSlides/notesSlide3.xml><?xml version="1.0" encoding="utf-8"?>
-<p:notes xmlns:a="http://schemas.openxmlformats.org/drawingml/2006/main" xmlns:r="http://schemas.openxmlformats.org/officeDocument/2006/relationships" xmlns:mc="http://schemas.openxmlformats.org/markup-compatibility/2006" xmlns:mv="urn:schemas-microsoft-com:mac:vml" xmlns:p="http://schemas.openxmlformats.org/presentationml/2006/main" xmlns:c="http://schemas.openxmlformats.org/drawingml/2006/chart" xmlns:dgm="http://schemas.openxmlformats.org/drawingml/2006/diagram" xmlns:o="urn:schemas-microsoft-com:office:office" xmlns:v="urn:schemas-microsoft-com:vml" xmlns:pvml="urn:schemas-microsoft-com:office:powerpoint" xmlns:com="http://schemas.openxmlformats.org/drawingml/2006/compatibility" xmlns:p14="http://schemas.microsoft.com/office/powerpoint/2010/main" xmlns:p15="http://schemas.microsoft.com/office/powerpoint/2012/main" xmlns:ahyp="http://schemas.microsoft.com/office/drawing/2018/hyperlinkcolor" showMasterPhAnim="0" showMasterSp="0">
+<p:notes xmlns:a="http://schemas.openxmlformats.org/drawingml/2006/main" xmlns:r="http://schemas.openxmlformats.org/officeDocument/2006/relationships" xmlns:p="http://schemas.openxmlformats.org/presentationml/2006/main" showMasterSp="0" showMasterPhAnim="0">
   <p:cSld>
     <p:spTree>
       <p:nvGrpSpPr>
-        <p:cNvPr id="81" name="Shape 81"/>
+        <p:cNvPr id="1" name="Shape 81"/>
         <p:cNvGrpSpPr/>
         <p:nvPr/>
       </p:nvGrpSpPr>
@@ -1228,9 +1268,11 @@
       <p:sp>
         <p:nvSpPr>
           <p:cNvPr id="82" name="Google Shape;82;gc6fa3c898_0_10:notes"/>
-          <p:cNvSpPr/>
+          <p:cNvSpPr>
+            <a:spLocks noGrp="1" noRot="1" noChangeAspect="1"/>
+          </p:cNvSpPr>
           <p:nvPr>
-            <p:ph idx="2" type="sldImg"/>
+            <p:ph type="sldImg" idx="2"/>
           </p:nvPr>
         </p:nvSpPr>
         <p:spPr>
@@ -1239,9 +1281,13 @@
             <a:ext cx="6096300" cy="3429000"/>
           </a:xfrm>
           <a:custGeom>
-            <a:rect b="b" l="l" r="r" t="t"/>
+            <a:avLst/>
+            <a:gdLst/>
+            <a:ahLst/>
+            <a:cxnLst/>
+            <a:rect l="l" t="t" r="r" b="b"/>
             <a:pathLst>
-              <a:path extrusionOk="0" h="120000" w="120000">
+              <a:path w="120000" h="120000" extrusionOk="0">
                 <a:moveTo>
                   <a:pt x="0" y="0"/>
                 </a:moveTo>
@@ -1263,9 +1309,11 @@
       <p:sp>
         <p:nvSpPr>
           <p:cNvPr id="83" name="Google Shape;83;gc6fa3c898_0_10:notes"/>
-          <p:cNvSpPr txBox="1"/>
+          <p:cNvSpPr txBox="1">
+            <a:spLocks noGrp="1"/>
+          </p:cNvSpPr>
           <p:nvPr>
-            <p:ph idx="1" type="body"/>
+            <p:ph type="body" idx="1"/>
           </p:nvPr>
         </p:nvSpPr>
         <p:spPr>
@@ -1278,12 +1326,12 @@
           </a:prstGeom>
         </p:spPr>
         <p:txBody>
-          <a:bodyPr anchorCtr="0" anchor="t" bIns="91425" lIns="91425" spcFirstLastPara="1" rIns="91425" wrap="square" tIns="91425">
+          <a:bodyPr spcFirstLastPara="1" wrap="square" lIns="91425" tIns="91425" rIns="91425" bIns="91425" anchor="t" anchorCtr="0">
             <a:noAutofit/>
           </a:bodyPr>
           <a:lstStyle/>
           <a:p>
-            <a:pPr indent="0" lvl="0" marL="0" rtl="0" algn="l">
+            <a:pPr marL="0" lvl="0" indent="0" algn="l" rtl="0">
               <a:spcBef>
                 <a:spcPts val="0"/>
               </a:spcBef>
@@ -1292,9 +1340,6 @@
               </a:spcAft>
               <a:buNone/>
             </a:pPr>
-            <a:r>
-              <a:t/>
-            </a:r>
             <a:endParaRPr/>
           </a:p>
         </p:txBody>
@@ -1308,11 +1353,11 @@
 </file>
 
 <file path=ppt/notesSlides/notesSlide4.xml><?xml version="1.0" encoding="utf-8"?>
-<p:notes xmlns:a="http://schemas.openxmlformats.org/drawingml/2006/main" xmlns:r="http://schemas.openxmlformats.org/officeDocument/2006/relationships" xmlns:mc="http://schemas.openxmlformats.org/markup-compatibility/2006" xmlns:mv="urn:schemas-microsoft-com:mac:vml" xmlns:p="http://schemas.openxmlformats.org/presentationml/2006/main" xmlns:c="http://schemas.openxmlformats.org/drawingml/2006/chart" xmlns:dgm="http://schemas.openxmlformats.org/drawingml/2006/diagram" xmlns:o="urn:schemas-microsoft-com:office:office" xmlns:v="urn:schemas-microsoft-com:vml" xmlns:pvml="urn:schemas-microsoft-com:office:powerpoint" xmlns:com="http://schemas.openxmlformats.org/drawingml/2006/compatibility" xmlns:p14="http://schemas.microsoft.com/office/powerpoint/2010/main" xmlns:p15="http://schemas.microsoft.com/office/powerpoint/2012/main" xmlns:ahyp="http://schemas.microsoft.com/office/drawing/2018/hyperlinkcolor" showMasterPhAnim="0" showMasterSp="0">
+<p:notes xmlns:a="http://schemas.openxmlformats.org/drawingml/2006/main" xmlns:r="http://schemas.openxmlformats.org/officeDocument/2006/relationships" xmlns:p="http://schemas.openxmlformats.org/presentationml/2006/main" showMasterSp="0" showMasterPhAnim="0">
   <p:cSld>
     <p:spTree>
       <p:nvGrpSpPr>
-        <p:cNvPr id="88" name="Shape 88"/>
+        <p:cNvPr id="1" name="Shape 88"/>
         <p:cNvGrpSpPr/>
         <p:nvPr/>
       </p:nvGrpSpPr>
@@ -1327,9 +1372,11 @@
       <p:sp>
         <p:nvSpPr>
           <p:cNvPr id="89" name="Google Shape;89;gc6fa3c898_0_16:notes"/>
-          <p:cNvSpPr/>
+          <p:cNvSpPr>
+            <a:spLocks noGrp="1" noRot="1" noChangeAspect="1"/>
+          </p:cNvSpPr>
           <p:nvPr>
-            <p:ph idx="2" type="sldImg"/>
+            <p:ph type="sldImg" idx="2"/>
           </p:nvPr>
         </p:nvSpPr>
         <p:spPr>
@@ -1338,9 +1385,13 @@
             <a:ext cx="6096300" cy="3429000"/>
           </a:xfrm>
           <a:custGeom>
-            <a:rect b="b" l="l" r="r" t="t"/>
+            <a:avLst/>
+            <a:gdLst/>
+            <a:ahLst/>
+            <a:cxnLst/>
+            <a:rect l="l" t="t" r="r" b="b"/>
             <a:pathLst>
-              <a:path extrusionOk="0" h="120000" w="120000">
+              <a:path w="120000" h="120000" extrusionOk="0">
                 <a:moveTo>
                   <a:pt x="0" y="0"/>
                 </a:moveTo>
@@ -1362,9 +1413,11 @@
       <p:sp>
         <p:nvSpPr>
           <p:cNvPr id="90" name="Google Shape;90;gc6fa3c898_0_16:notes"/>
-          <p:cNvSpPr txBox="1"/>
+          <p:cNvSpPr txBox="1">
+            <a:spLocks noGrp="1"/>
+          </p:cNvSpPr>
           <p:nvPr>
-            <p:ph idx="1" type="body"/>
+            <p:ph type="body" idx="1"/>
           </p:nvPr>
         </p:nvSpPr>
         <p:spPr>
@@ -1377,12 +1430,12 @@
           </a:prstGeom>
         </p:spPr>
         <p:txBody>
-          <a:bodyPr anchorCtr="0" anchor="t" bIns="91425" lIns="91425" spcFirstLastPara="1" rIns="91425" wrap="square" tIns="91425">
+          <a:bodyPr spcFirstLastPara="1" wrap="square" lIns="91425" tIns="91425" rIns="91425" bIns="91425" anchor="t" anchorCtr="0">
             <a:noAutofit/>
           </a:bodyPr>
           <a:lstStyle/>
           <a:p>
-            <a:pPr indent="0" lvl="0" marL="0" rtl="0" algn="l">
+            <a:pPr marL="0" lvl="0" indent="0" algn="l" rtl="0">
               <a:spcBef>
                 <a:spcPts val="0"/>
               </a:spcBef>
@@ -1391,9 +1444,6 @@
               </a:spcAft>
               <a:buNone/>
             </a:pPr>
-            <a:r>
-              <a:t/>
-            </a:r>
             <a:endParaRPr/>
           </a:p>
         </p:txBody>
@@ -1407,11 +1457,11 @@
 </file>
 
 <file path=ppt/notesSlides/notesSlide5.xml><?xml version="1.0" encoding="utf-8"?>
-<p:notes xmlns:a="http://schemas.openxmlformats.org/drawingml/2006/main" xmlns:r="http://schemas.openxmlformats.org/officeDocument/2006/relationships" xmlns:mc="http://schemas.openxmlformats.org/markup-compatibility/2006" xmlns:mv="urn:schemas-microsoft-com:mac:vml" xmlns:p="http://schemas.openxmlformats.org/presentationml/2006/main" xmlns:c="http://schemas.openxmlformats.org/drawingml/2006/chart" xmlns:dgm="http://schemas.openxmlformats.org/drawingml/2006/diagram" xmlns:o="urn:schemas-microsoft-com:office:office" xmlns:v="urn:schemas-microsoft-com:vml" xmlns:pvml="urn:schemas-microsoft-com:office:powerpoint" xmlns:com="http://schemas.openxmlformats.org/drawingml/2006/compatibility" xmlns:p14="http://schemas.microsoft.com/office/powerpoint/2010/main" xmlns:p15="http://schemas.microsoft.com/office/powerpoint/2012/main" xmlns:ahyp="http://schemas.microsoft.com/office/drawing/2018/hyperlinkcolor" showMasterPhAnim="0" showMasterSp="0">
+<p:notes xmlns:a="http://schemas.openxmlformats.org/drawingml/2006/main" xmlns:r="http://schemas.openxmlformats.org/officeDocument/2006/relationships" xmlns:p="http://schemas.openxmlformats.org/presentationml/2006/main" showMasterSp="0" showMasterPhAnim="0">
   <p:cSld>
     <p:spTree>
       <p:nvGrpSpPr>
-        <p:cNvPr id="95" name="Shape 95"/>
+        <p:cNvPr id="1" name="Shape 95"/>
         <p:cNvGrpSpPr/>
         <p:nvPr/>
       </p:nvGrpSpPr>
@@ -1426,9 +1476,11 @@
       <p:sp>
         <p:nvSpPr>
           <p:cNvPr id="96" name="Google Shape;96;g1f9ba8d79b8_0_59:notes"/>
-          <p:cNvSpPr/>
+          <p:cNvSpPr>
+            <a:spLocks noGrp="1" noRot="1" noChangeAspect="1"/>
+          </p:cNvSpPr>
           <p:nvPr>
-            <p:ph idx="2" type="sldImg"/>
+            <p:ph type="sldImg" idx="2"/>
           </p:nvPr>
         </p:nvSpPr>
         <p:spPr>
@@ -1437,9 +1489,13 @@
             <a:ext cx="6096300" cy="3429000"/>
           </a:xfrm>
           <a:custGeom>
-            <a:rect b="b" l="l" r="r" t="t"/>
+            <a:avLst/>
+            <a:gdLst/>
+            <a:ahLst/>
+            <a:cxnLst/>
+            <a:rect l="l" t="t" r="r" b="b"/>
             <a:pathLst>
-              <a:path extrusionOk="0" h="120000" w="120000">
+              <a:path w="120000" h="120000" extrusionOk="0">
                 <a:moveTo>
                   <a:pt x="0" y="0"/>
                 </a:moveTo>
@@ -1461,9 +1517,11 @@
       <p:sp>
         <p:nvSpPr>
           <p:cNvPr id="97" name="Google Shape;97;g1f9ba8d79b8_0_59:notes"/>
-          <p:cNvSpPr txBox="1"/>
+          <p:cNvSpPr txBox="1">
+            <a:spLocks noGrp="1"/>
+          </p:cNvSpPr>
           <p:nvPr>
-            <p:ph idx="1" type="body"/>
+            <p:ph type="body" idx="1"/>
           </p:nvPr>
         </p:nvSpPr>
         <p:spPr>
@@ -1476,12 +1534,12 @@
           </a:prstGeom>
         </p:spPr>
         <p:txBody>
-          <a:bodyPr anchorCtr="0" anchor="t" bIns="91425" lIns="91425" spcFirstLastPara="1" rIns="91425" wrap="square" tIns="91425">
+          <a:bodyPr spcFirstLastPara="1" wrap="square" lIns="91425" tIns="91425" rIns="91425" bIns="91425" anchor="t" anchorCtr="0">
             <a:noAutofit/>
           </a:bodyPr>
           <a:lstStyle/>
           <a:p>
-            <a:pPr indent="0" lvl="0" marL="0" rtl="0" algn="l">
+            <a:pPr marL="0" lvl="0" indent="0" algn="l" rtl="0">
               <a:spcBef>
                 <a:spcPts val="0"/>
               </a:spcBef>
@@ -1490,9 +1548,6 @@
               </a:spcAft>
               <a:buNone/>
             </a:pPr>
-            <a:r>
-              <a:t/>
-            </a:r>
             <a:endParaRPr/>
           </a:p>
         </p:txBody>
@@ -1506,11 +1561,11 @@
 </file>
 
 <file path=ppt/notesSlides/notesSlide6.xml><?xml version="1.0" encoding="utf-8"?>
-<p:notes xmlns:a="http://schemas.openxmlformats.org/drawingml/2006/main" xmlns:r="http://schemas.openxmlformats.org/officeDocument/2006/relationships" xmlns:mc="http://schemas.openxmlformats.org/markup-compatibility/2006" xmlns:mv="urn:schemas-microsoft-com:mac:vml" xmlns:p="http://schemas.openxmlformats.org/presentationml/2006/main" xmlns:c="http://schemas.openxmlformats.org/drawingml/2006/chart" xmlns:dgm="http://schemas.openxmlformats.org/drawingml/2006/diagram" xmlns:o="urn:schemas-microsoft-com:office:office" xmlns:v="urn:schemas-microsoft-com:vml" xmlns:pvml="urn:schemas-microsoft-com:office:powerpoint" xmlns:com="http://schemas.openxmlformats.org/drawingml/2006/compatibility" xmlns:p14="http://schemas.microsoft.com/office/powerpoint/2010/main" xmlns:p15="http://schemas.microsoft.com/office/powerpoint/2012/main" xmlns:ahyp="http://schemas.microsoft.com/office/drawing/2018/hyperlinkcolor" showMasterPhAnim="0" showMasterSp="0">
+<p:notes xmlns:a="http://schemas.openxmlformats.org/drawingml/2006/main" xmlns:r="http://schemas.openxmlformats.org/officeDocument/2006/relationships" xmlns:p="http://schemas.openxmlformats.org/presentationml/2006/main" showMasterSp="0" showMasterPhAnim="0">
   <p:cSld>
     <p:spTree>
       <p:nvGrpSpPr>
-        <p:cNvPr id="102" name="Shape 102"/>
+        <p:cNvPr id="1" name="Shape 102"/>
         <p:cNvGrpSpPr/>
         <p:nvPr/>
       </p:nvGrpSpPr>
@@ -1525,9 +1580,11 @@
       <p:sp>
         <p:nvSpPr>
           <p:cNvPr id="103" name="Google Shape;103;g22c9c1e655f_0_6:notes"/>
-          <p:cNvSpPr/>
+          <p:cNvSpPr>
+            <a:spLocks noGrp="1" noRot="1" noChangeAspect="1"/>
+          </p:cNvSpPr>
           <p:nvPr>
-            <p:ph idx="2" type="sldImg"/>
+            <p:ph type="sldImg" idx="2"/>
           </p:nvPr>
         </p:nvSpPr>
         <p:spPr>
@@ -1536,9 +1593,13 @@
             <a:ext cx="6096300" cy="3429000"/>
           </a:xfrm>
           <a:custGeom>
-            <a:rect b="b" l="l" r="r" t="t"/>
+            <a:avLst/>
+            <a:gdLst/>
+            <a:ahLst/>
+            <a:cxnLst/>
+            <a:rect l="l" t="t" r="r" b="b"/>
             <a:pathLst>
-              <a:path extrusionOk="0" h="120000" w="120000">
+              <a:path w="120000" h="120000" extrusionOk="0">
                 <a:moveTo>
                   <a:pt x="0" y="0"/>
                 </a:moveTo>
@@ -1560,9 +1621,11 @@
       <p:sp>
         <p:nvSpPr>
           <p:cNvPr id="104" name="Google Shape;104;g22c9c1e655f_0_6:notes"/>
-          <p:cNvSpPr txBox="1"/>
+          <p:cNvSpPr txBox="1">
+            <a:spLocks noGrp="1"/>
+          </p:cNvSpPr>
           <p:nvPr>
-            <p:ph idx="1" type="body"/>
+            <p:ph type="body" idx="1"/>
           </p:nvPr>
         </p:nvSpPr>
         <p:spPr>
@@ -1575,12 +1638,12 @@
           </a:prstGeom>
         </p:spPr>
         <p:txBody>
-          <a:bodyPr anchorCtr="0" anchor="t" bIns="91425" lIns="91425" spcFirstLastPara="1" rIns="91425" wrap="square" tIns="91425">
+          <a:bodyPr spcFirstLastPara="1" wrap="square" lIns="91425" tIns="91425" rIns="91425" bIns="91425" anchor="t" anchorCtr="0">
             <a:noAutofit/>
           </a:bodyPr>
           <a:lstStyle/>
           <a:p>
-            <a:pPr indent="0" lvl="0" marL="0" rtl="0" algn="l">
+            <a:pPr marL="0" lvl="0" indent="0" algn="l" rtl="0">
               <a:spcBef>
                 <a:spcPts val="0"/>
               </a:spcBef>
@@ -1589,9 +1652,6 @@
               </a:spcAft>
               <a:buNone/>
             </a:pPr>
-            <a:r>
-              <a:t/>
-            </a:r>
             <a:endParaRPr/>
           </a:p>
         </p:txBody>
@@ -1605,11 +1665,11 @@
 </file>
 
 <file path=ppt/notesSlides/notesSlide7.xml><?xml version="1.0" encoding="utf-8"?>
-<p:notes xmlns:a="http://schemas.openxmlformats.org/drawingml/2006/main" xmlns:r="http://schemas.openxmlformats.org/officeDocument/2006/relationships" xmlns:mc="http://schemas.openxmlformats.org/markup-compatibility/2006" xmlns:mv="urn:schemas-microsoft-com:mac:vml" xmlns:p="http://schemas.openxmlformats.org/presentationml/2006/main" xmlns:c="http://schemas.openxmlformats.org/drawingml/2006/chart" xmlns:dgm="http://schemas.openxmlformats.org/drawingml/2006/diagram" xmlns:o="urn:schemas-microsoft-com:office:office" xmlns:v="urn:schemas-microsoft-com:vml" xmlns:pvml="urn:schemas-microsoft-com:office:powerpoint" xmlns:com="http://schemas.openxmlformats.org/drawingml/2006/compatibility" xmlns:p14="http://schemas.microsoft.com/office/powerpoint/2010/main" xmlns:p15="http://schemas.microsoft.com/office/powerpoint/2012/main" xmlns:ahyp="http://schemas.microsoft.com/office/drawing/2018/hyperlinkcolor" showMasterPhAnim="0" showMasterSp="0">
+<p:notes xmlns:a="http://schemas.openxmlformats.org/drawingml/2006/main" xmlns:r="http://schemas.openxmlformats.org/officeDocument/2006/relationships" xmlns:p="http://schemas.openxmlformats.org/presentationml/2006/main" showMasterSp="0" showMasterPhAnim="0">
   <p:cSld>
     <p:spTree>
       <p:nvGrpSpPr>
-        <p:cNvPr id="109" name="Shape 109"/>
+        <p:cNvPr id="1" name="Shape 109"/>
         <p:cNvGrpSpPr/>
         <p:nvPr/>
       </p:nvGrpSpPr>
@@ -1624,9 +1684,11 @@
       <p:sp>
         <p:nvSpPr>
           <p:cNvPr id="110" name="Google Shape;110;g22c9c1e655f_0_19:notes"/>
-          <p:cNvSpPr/>
+          <p:cNvSpPr>
+            <a:spLocks noGrp="1" noRot="1" noChangeAspect="1"/>
+          </p:cNvSpPr>
           <p:nvPr>
-            <p:ph idx="2" type="sldImg"/>
+            <p:ph type="sldImg" idx="2"/>
           </p:nvPr>
         </p:nvSpPr>
         <p:spPr>
@@ -1635,9 +1697,13 @@
             <a:ext cx="6096300" cy="3429000"/>
           </a:xfrm>
           <a:custGeom>
-            <a:rect b="b" l="l" r="r" t="t"/>
+            <a:avLst/>
+            <a:gdLst/>
+            <a:ahLst/>
+            <a:cxnLst/>
+            <a:rect l="l" t="t" r="r" b="b"/>
             <a:pathLst>
-              <a:path extrusionOk="0" h="120000" w="120000">
+              <a:path w="120000" h="120000" extrusionOk="0">
                 <a:moveTo>
                   <a:pt x="0" y="0"/>
                 </a:moveTo>
@@ -1659,9 +1725,11 @@
       <p:sp>
         <p:nvSpPr>
           <p:cNvPr id="111" name="Google Shape;111;g22c9c1e655f_0_19:notes"/>
-          <p:cNvSpPr txBox="1"/>
+          <p:cNvSpPr txBox="1">
+            <a:spLocks noGrp="1"/>
+          </p:cNvSpPr>
           <p:nvPr>
-            <p:ph idx="1" type="body"/>
+            <p:ph type="body" idx="1"/>
           </p:nvPr>
         </p:nvSpPr>
         <p:spPr>
@@ -1674,12 +1742,12 @@
           </a:prstGeom>
         </p:spPr>
         <p:txBody>
-          <a:bodyPr anchorCtr="0" anchor="t" bIns="91425" lIns="91425" spcFirstLastPara="1" rIns="91425" wrap="square" tIns="91425">
+          <a:bodyPr spcFirstLastPara="1" wrap="square" lIns="91425" tIns="91425" rIns="91425" bIns="91425" anchor="t" anchorCtr="0">
             <a:noAutofit/>
           </a:bodyPr>
           <a:lstStyle/>
           <a:p>
-            <a:pPr indent="0" lvl="0" marL="0" rtl="0" algn="l">
+            <a:pPr marL="0" lvl="0" indent="0" algn="l" rtl="0">
               <a:spcBef>
                 <a:spcPts val="0"/>
               </a:spcBef>
@@ -1688,9 +1756,6 @@
               </a:spcAft>
               <a:buNone/>
             </a:pPr>
-            <a:r>
-              <a:t/>
-            </a:r>
             <a:endParaRPr/>
           </a:p>
         </p:txBody>
@@ -1704,11 +1769,11 @@
 </file>
 
 <file path=ppt/notesSlides/notesSlide8.xml><?xml version="1.0" encoding="utf-8"?>
-<p:notes xmlns:a="http://schemas.openxmlformats.org/drawingml/2006/main" xmlns:r="http://schemas.openxmlformats.org/officeDocument/2006/relationships" xmlns:mc="http://schemas.openxmlformats.org/markup-compatibility/2006" xmlns:mv="urn:schemas-microsoft-com:mac:vml" xmlns:p="http://schemas.openxmlformats.org/presentationml/2006/main" xmlns:c="http://schemas.openxmlformats.org/drawingml/2006/chart" xmlns:dgm="http://schemas.openxmlformats.org/drawingml/2006/diagram" xmlns:o="urn:schemas-microsoft-com:office:office" xmlns:v="urn:schemas-microsoft-com:vml" xmlns:pvml="urn:schemas-microsoft-com:office:powerpoint" xmlns:com="http://schemas.openxmlformats.org/drawingml/2006/compatibility" xmlns:p14="http://schemas.microsoft.com/office/powerpoint/2010/main" xmlns:p15="http://schemas.microsoft.com/office/powerpoint/2012/main" xmlns:ahyp="http://schemas.microsoft.com/office/drawing/2018/hyperlinkcolor" showMasterPhAnim="0" showMasterSp="0">
+<p:notes xmlns:a="http://schemas.openxmlformats.org/drawingml/2006/main" xmlns:r="http://schemas.openxmlformats.org/officeDocument/2006/relationships" xmlns:p="http://schemas.openxmlformats.org/presentationml/2006/main" showMasterSp="0" showMasterPhAnim="0">
   <p:cSld>
     <p:spTree>
       <p:nvGrpSpPr>
-        <p:cNvPr id="116" name="Shape 116"/>
+        <p:cNvPr id="1" name="Shape 116"/>
         <p:cNvGrpSpPr/>
         <p:nvPr/>
       </p:nvGrpSpPr>
@@ -1723,9 +1788,11 @@
       <p:sp>
         <p:nvSpPr>
           <p:cNvPr id="117" name="Google Shape;117;g22c9c1e655f_0_25:notes"/>
-          <p:cNvSpPr/>
+          <p:cNvSpPr>
+            <a:spLocks noGrp="1" noRot="1" noChangeAspect="1"/>
+          </p:cNvSpPr>
           <p:nvPr>
-            <p:ph idx="2" type="sldImg"/>
+            <p:ph type="sldImg" idx="2"/>
           </p:nvPr>
         </p:nvSpPr>
         <p:spPr>
@@ -1734,9 +1801,13 @@
             <a:ext cx="6096300" cy="3429000"/>
           </a:xfrm>
           <a:custGeom>
-            <a:rect b="b" l="l" r="r" t="t"/>
+            <a:avLst/>
+            <a:gdLst/>
+            <a:ahLst/>
+            <a:cxnLst/>
+            <a:rect l="l" t="t" r="r" b="b"/>
             <a:pathLst>
-              <a:path extrusionOk="0" h="120000" w="120000">
+              <a:path w="120000" h="120000" extrusionOk="0">
                 <a:moveTo>
                   <a:pt x="0" y="0"/>
                 </a:moveTo>
@@ -1758,9 +1829,11 @@
       <p:sp>
         <p:nvSpPr>
           <p:cNvPr id="118" name="Google Shape;118;g22c9c1e655f_0_25:notes"/>
-          <p:cNvSpPr txBox="1"/>
+          <p:cNvSpPr txBox="1">
+            <a:spLocks noGrp="1"/>
+          </p:cNvSpPr>
           <p:nvPr>
-            <p:ph idx="1" type="body"/>
+            <p:ph type="body" idx="1"/>
           </p:nvPr>
         </p:nvSpPr>
         <p:spPr>
@@ -1773,12 +1846,12 @@
           </a:prstGeom>
         </p:spPr>
         <p:txBody>
-          <a:bodyPr anchorCtr="0" anchor="t" bIns="91425" lIns="91425" spcFirstLastPara="1" rIns="91425" wrap="square" tIns="91425">
+          <a:bodyPr spcFirstLastPara="1" wrap="square" lIns="91425" tIns="91425" rIns="91425" bIns="91425" anchor="t" anchorCtr="0">
             <a:noAutofit/>
           </a:bodyPr>
           <a:lstStyle/>
           <a:p>
-            <a:pPr indent="0" lvl="0" marL="0" rtl="0" algn="l">
+            <a:pPr marL="0" lvl="0" indent="0" algn="l" rtl="0">
               <a:spcBef>
                 <a:spcPts val="0"/>
               </a:spcBef>
@@ -1787,9 +1860,6 @@
               </a:spcAft>
               <a:buNone/>
             </a:pPr>
-            <a:r>
-              <a:t/>
-            </a:r>
             <a:endParaRPr/>
           </a:p>
         </p:txBody>
@@ -1803,11 +1873,11 @@
 </file>
 
 <file path=ppt/notesSlides/notesSlide9.xml><?xml version="1.0" encoding="utf-8"?>
-<p:notes xmlns:a="http://schemas.openxmlformats.org/drawingml/2006/main" xmlns:r="http://schemas.openxmlformats.org/officeDocument/2006/relationships" xmlns:mc="http://schemas.openxmlformats.org/markup-compatibility/2006" xmlns:mv="urn:schemas-microsoft-com:mac:vml" xmlns:p="http://schemas.openxmlformats.org/presentationml/2006/main" xmlns:c="http://schemas.openxmlformats.org/drawingml/2006/chart" xmlns:dgm="http://schemas.openxmlformats.org/drawingml/2006/diagram" xmlns:o="urn:schemas-microsoft-com:office:office" xmlns:v="urn:schemas-microsoft-com:vml" xmlns:pvml="urn:schemas-microsoft-com:office:powerpoint" xmlns:com="http://schemas.openxmlformats.org/drawingml/2006/compatibility" xmlns:p14="http://schemas.microsoft.com/office/powerpoint/2010/main" xmlns:p15="http://schemas.microsoft.com/office/powerpoint/2012/main" xmlns:ahyp="http://schemas.microsoft.com/office/drawing/2018/hyperlinkcolor" showMasterPhAnim="0" showMasterSp="0">
+<p:notes xmlns:a="http://schemas.openxmlformats.org/drawingml/2006/main" xmlns:r="http://schemas.openxmlformats.org/officeDocument/2006/relationships" xmlns:p="http://schemas.openxmlformats.org/presentationml/2006/main" showMasterSp="0" showMasterPhAnim="0">
   <p:cSld>
     <p:spTree>
       <p:nvGrpSpPr>
-        <p:cNvPr id="123" name="Shape 123"/>
+        <p:cNvPr id="1" name="Shape 123"/>
         <p:cNvGrpSpPr/>
         <p:nvPr/>
       </p:nvGrpSpPr>
@@ -1822,9 +1892,11 @@
       <p:sp>
         <p:nvSpPr>
           <p:cNvPr id="124" name="Google Shape;124;g22c9c1e655f_0_46:notes"/>
-          <p:cNvSpPr/>
+          <p:cNvSpPr>
+            <a:spLocks noGrp="1" noRot="1" noChangeAspect="1"/>
+          </p:cNvSpPr>
           <p:nvPr>
-            <p:ph idx="2" type="sldImg"/>
+            <p:ph type="sldImg" idx="2"/>
           </p:nvPr>
         </p:nvSpPr>
         <p:spPr>
@@ -1833,9 +1905,13 @@
             <a:ext cx="6096300" cy="3429000"/>
           </a:xfrm>
           <a:custGeom>
-            <a:rect b="b" l="l" r="r" t="t"/>
+            <a:avLst/>
+            <a:gdLst/>
+            <a:ahLst/>
+            <a:cxnLst/>
+            <a:rect l="l" t="t" r="r" b="b"/>
             <a:pathLst>
-              <a:path extrusionOk="0" h="120000" w="120000">
+              <a:path w="120000" h="120000" extrusionOk="0">
                 <a:moveTo>
                   <a:pt x="0" y="0"/>
                 </a:moveTo>
@@ -1857,9 +1933,11 @@
       <p:sp>
         <p:nvSpPr>
           <p:cNvPr id="125" name="Google Shape;125;g22c9c1e655f_0_46:notes"/>
-          <p:cNvSpPr txBox="1"/>
+          <p:cNvSpPr txBox="1">
+            <a:spLocks noGrp="1"/>
+          </p:cNvSpPr>
           <p:nvPr>
-            <p:ph idx="1" type="body"/>
+            <p:ph type="body" idx="1"/>
           </p:nvPr>
         </p:nvSpPr>
         <p:spPr>
@@ -1872,12 +1950,12 @@
           </a:prstGeom>
         </p:spPr>
         <p:txBody>
-          <a:bodyPr anchorCtr="0" anchor="t" bIns="91425" lIns="91425" spcFirstLastPara="1" rIns="91425" wrap="square" tIns="91425">
+          <a:bodyPr spcFirstLastPara="1" wrap="square" lIns="91425" tIns="91425" rIns="91425" bIns="91425" anchor="t" anchorCtr="0">
             <a:noAutofit/>
           </a:bodyPr>
           <a:lstStyle/>
           <a:p>
-            <a:pPr indent="0" lvl="0" marL="0" rtl="0" algn="l">
+            <a:pPr marL="0" lvl="0" indent="0" algn="l" rtl="0">
               <a:spcBef>
                 <a:spcPts val="0"/>
               </a:spcBef>
@@ -1886,9 +1964,6 @@
               </a:spcAft>
               <a:buNone/>
             </a:pPr>
-            <a:r>
-              <a:t/>
-            </a:r>
             <a:endParaRPr/>
           </a:p>
         </p:txBody>
@@ -1902,18 +1977,19 @@
 </file>
 
 <file path=ppt/slideLayouts/slideLayout1.xml><?xml version="1.0" encoding="utf-8"?>
-<p:sldLayout xmlns:a="http://schemas.openxmlformats.org/drawingml/2006/main" xmlns:r="http://schemas.openxmlformats.org/officeDocument/2006/relationships" xmlns:mc="http://schemas.openxmlformats.org/markup-compatibility/2006" xmlns:mv="urn:schemas-microsoft-com:mac:vml" xmlns:p="http://schemas.openxmlformats.org/presentationml/2006/main" xmlns:c="http://schemas.openxmlformats.org/drawingml/2006/chart" xmlns:dgm="http://schemas.openxmlformats.org/drawingml/2006/diagram" xmlns:o="urn:schemas-microsoft-com:office:office" xmlns:v="urn:schemas-microsoft-com:vml" xmlns:pvml="urn:schemas-microsoft-com:office:powerpoint" xmlns:com="http://schemas.openxmlformats.org/drawingml/2006/compatibility" xmlns:p14="http://schemas.microsoft.com/office/powerpoint/2010/main" xmlns:p15="http://schemas.microsoft.com/office/powerpoint/2012/main" xmlns:ahyp="http://schemas.microsoft.com/office/drawing/2018/hyperlinkcolor" matchingName="Title slide" type="title">
+<p:sldLayout xmlns:a="http://schemas.openxmlformats.org/drawingml/2006/main" xmlns:r="http://schemas.openxmlformats.org/officeDocument/2006/relationships" xmlns:p="http://schemas.openxmlformats.org/presentationml/2006/main" matchingName="Title slide" type="title">
   <p:cSld name="TITLE">
     <p:bg>
       <p:bgPr>
         <a:solidFill>
           <a:schemeClr val="dk1"/>
         </a:solidFill>
+        <a:effectLst/>
       </p:bgPr>
     </p:bg>
     <p:spTree>
       <p:nvGrpSpPr>
-        <p:cNvPr id="9" name="Shape 9"/>
+        <p:cNvPr id="1" name="Shape 9"/>
         <p:cNvGrpSpPr/>
         <p:nvPr/>
       </p:nvGrpSpPr>
@@ -1940,14 +2016,14 @@
             <a:avLst/>
           </a:prstGeom>
           <a:noFill/>
-          <a:ln cap="flat" cmpd="sng" w="38100">
+          <a:ln w="38100" cap="flat" cmpd="sng">
             <a:solidFill>
               <a:schemeClr val="lt1"/>
             </a:solidFill>
             <a:prstDash val="solid"/>
             <a:round/>
-            <a:headEnd len="sm" w="sm" type="none"/>
-            <a:tailEnd len="sm" w="sm" type="none"/>
+            <a:headEnd type="none" w="sm" len="sm"/>
+            <a:tailEnd type="none" w="sm" len="sm"/>
           </a:ln>
         </p:spPr>
       </p:cxnSp>
@@ -1966,14 +2042,14 @@
             <a:avLst/>
           </a:prstGeom>
           <a:noFill/>
-          <a:ln cap="flat" cmpd="sng" w="19050">
+          <a:ln w="19050" cap="flat" cmpd="sng">
             <a:solidFill>
               <a:schemeClr val="lt1"/>
             </a:solidFill>
             <a:prstDash val="solid"/>
             <a:round/>
-            <a:headEnd len="sm" w="sm" type="none"/>
-            <a:tailEnd len="sm" w="sm" type="none"/>
+            <a:headEnd type="none" w="sm" len="sm"/>
+            <a:tailEnd type="none" w="sm" len="sm"/>
           </a:ln>
         </p:spPr>
       </p:cxnSp>
@@ -1992,21 +2068,23 @@
             <a:avLst/>
           </a:prstGeom>
           <a:noFill/>
-          <a:ln cap="flat" cmpd="sng" w="19050">
+          <a:ln w="19050" cap="flat" cmpd="sng">
             <a:solidFill>
               <a:schemeClr val="lt1"/>
             </a:solidFill>
             <a:prstDash val="solid"/>
             <a:round/>
-            <a:headEnd len="sm" w="sm" type="none"/>
-            <a:tailEnd len="sm" w="sm" type="none"/>
+            <a:headEnd type="none" w="sm" len="sm"/>
+            <a:tailEnd type="none" w="sm" len="sm"/>
           </a:ln>
         </p:spPr>
       </p:cxnSp>
       <p:sp>
         <p:nvSpPr>
           <p:cNvPr id="13" name="Google Shape;13;p2"/>
-          <p:cNvSpPr txBox="1"/>
+          <p:cNvSpPr txBox="1">
+            <a:spLocks noGrp="1"/>
+          </p:cNvSpPr>
           <p:nvPr>
             <p:ph type="ctrTitle"/>
           </p:nvPr>
@@ -2021,7 +2099,7 @@
           </a:prstGeom>
         </p:spPr>
         <p:txBody>
-          <a:bodyPr anchorCtr="0" anchor="t" bIns="91425" lIns="91425" spcFirstLastPara="1" rIns="91425" wrap="square" tIns="91425">
+          <a:bodyPr spcFirstLastPara="1" wrap="square" lIns="91425" tIns="91425" rIns="91425" bIns="91425" anchor="t" anchorCtr="0">
             <a:noAutofit/>
           </a:bodyPr>
           <a:lstStyle>
@@ -2188,15 +2266,19 @@
               </a:defRPr>
             </a:lvl9pPr>
           </a:lstStyle>
-          <a:p/>
+          <a:p>
+            <a:endParaRPr/>
+          </a:p>
         </p:txBody>
       </p:sp>
       <p:sp>
         <p:nvSpPr>
           <p:cNvPr id="14" name="Google Shape;14;p2"/>
-          <p:cNvSpPr txBox="1"/>
+          <p:cNvSpPr txBox="1">
+            <a:spLocks noGrp="1"/>
+          </p:cNvSpPr>
           <p:nvPr>
-            <p:ph idx="1" type="subTitle"/>
+            <p:ph type="subTitle" idx="1"/>
           </p:nvPr>
         </p:nvSpPr>
         <p:spPr>
@@ -2209,7 +2291,7 @@
           </a:prstGeom>
         </p:spPr>
         <p:txBody>
-          <a:bodyPr anchorCtr="0" anchor="b" bIns="91425" lIns="91425" spcFirstLastPara="1" rIns="91425" wrap="square" tIns="91425">
+          <a:bodyPr spcFirstLastPara="1" wrap="square" lIns="91425" tIns="91425" rIns="91425" bIns="91425" anchor="b" anchorCtr="0">
             <a:noAutofit/>
           </a:bodyPr>
           <a:lstStyle>
@@ -2403,15 +2485,19 @@
               </a:defRPr>
             </a:lvl9pPr>
           </a:lstStyle>
-          <a:p/>
+          <a:p>
+            <a:endParaRPr/>
+          </a:p>
         </p:txBody>
       </p:sp>
       <p:sp>
         <p:nvSpPr>
           <p:cNvPr id="15" name="Google Shape;15;p2"/>
-          <p:cNvSpPr txBox="1"/>
+          <p:cNvSpPr txBox="1">
+            <a:spLocks noGrp="1"/>
+          </p:cNvSpPr>
           <p:nvPr>
-            <p:ph idx="12" type="sldNum"/>
+            <p:ph type="sldNum" idx="12"/>
           </p:nvPr>
         </p:nvSpPr>
         <p:spPr>
@@ -2424,7 +2510,7 @@
           </a:prstGeom>
         </p:spPr>
         <p:txBody>
-          <a:bodyPr anchorCtr="0" anchor="ctr" bIns="91425" lIns="91425" spcFirstLastPara="1" rIns="91425" wrap="square" tIns="91425">
+          <a:bodyPr spcFirstLastPara="1" wrap="square" lIns="91425" tIns="91425" rIns="91425" bIns="91425" anchor="ctr" anchorCtr="0">
             <a:noAutofit/>
           </a:bodyPr>
           <a:lstStyle>
@@ -2502,7 +2588,7 @@
             </a:lvl9pPr>
           </a:lstStyle>
           <a:p>
-            <a:pPr indent="0" lvl="0" marL="0" rtl="0" algn="r">
+            <a:pPr marL="0" lvl="0" indent="0" algn="r" rtl="0">
               <a:spcBef>
                 <a:spcPts val="0"/>
               </a:spcBef>
@@ -2528,11 +2614,11 @@
 </file>
 
 <file path=ppt/slideLayouts/slideLayout10.xml><?xml version="1.0" encoding="utf-8"?>
-<p:sldLayout xmlns:a="http://schemas.openxmlformats.org/drawingml/2006/main" xmlns:r="http://schemas.openxmlformats.org/officeDocument/2006/relationships" xmlns:mc="http://schemas.openxmlformats.org/markup-compatibility/2006" xmlns:mv="urn:schemas-microsoft-com:mac:vml" xmlns:p="http://schemas.openxmlformats.org/presentationml/2006/main" xmlns:c="http://schemas.openxmlformats.org/drawingml/2006/chart" xmlns:dgm="http://schemas.openxmlformats.org/drawingml/2006/diagram" xmlns:o="urn:schemas-microsoft-com:office:office" xmlns:v="urn:schemas-microsoft-com:vml" xmlns:pvml="urn:schemas-microsoft-com:office:powerpoint" xmlns:com="http://schemas.openxmlformats.org/drawingml/2006/compatibility" xmlns:p14="http://schemas.microsoft.com/office/powerpoint/2010/main" xmlns:p15="http://schemas.microsoft.com/office/powerpoint/2012/main" xmlns:ahyp="http://schemas.microsoft.com/office/drawing/2018/hyperlinkcolor" matchingName="Big number">
+<p:sldLayout xmlns:a="http://schemas.openxmlformats.org/drawingml/2006/main" xmlns:r="http://schemas.openxmlformats.org/officeDocument/2006/relationships" xmlns:p="http://schemas.openxmlformats.org/presentationml/2006/main" matchingName="Big number">
   <p:cSld name="BIG_NUMBER">
     <p:spTree>
       <p:nvGrpSpPr>
-        <p:cNvPr id="60" name="Shape 60"/>
+        <p:cNvPr id="1" name="Shape 60"/>
         <p:cNvGrpSpPr/>
         <p:nvPr/>
       </p:nvGrpSpPr>
@@ -2559,14 +2645,14 @@
             <a:avLst/>
           </a:prstGeom>
           <a:noFill/>
-          <a:ln cap="flat" cmpd="sng" w="19050">
+          <a:ln w="19050" cap="flat" cmpd="sng">
             <a:solidFill>
               <a:schemeClr val="dk2"/>
             </a:solidFill>
             <a:prstDash val="solid"/>
             <a:round/>
-            <a:headEnd len="sm" w="sm" type="none"/>
-            <a:tailEnd len="sm" w="sm" type="none"/>
+            <a:headEnd type="none" w="sm" len="sm"/>
+            <a:tailEnd type="none" w="sm" len="sm"/>
           </a:ln>
         </p:spPr>
       </p:cxnSp>
@@ -2585,23 +2671,25 @@
             <a:avLst/>
           </a:prstGeom>
           <a:noFill/>
-          <a:ln cap="flat" cmpd="sng" w="38100">
+          <a:ln w="38100" cap="flat" cmpd="sng">
             <a:solidFill>
               <a:schemeClr val="dk2"/>
             </a:solidFill>
             <a:prstDash val="solid"/>
             <a:round/>
-            <a:headEnd len="sm" w="sm" type="none"/>
-            <a:tailEnd len="sm" w="sm" type="none"/>
+            <a:headEnd type="none" w="sm" len="sm"/>
+            <a:tailEnd type="none" w="sm" len="sm"/>
           </a:ln>
         </p:spPr>
       </p:cxnSp>
       <p:sp>
         <p:nvSpPr>
           <p:cNvPr id="63" name="Google Shape;63;p11"/>
-          <p:cNvSpPr txBox="1"/>
+          <p:cNvSpPr txBox="1">
+            <a:spLocks noGrp="1"/>
+          </p:cNvSpPr>
           <p:nvPr>
-            <p:ph hasCustomPrompt="1" type="title"/>
+            <p:ph type="title" hasCustomPrompt="1"/>
           </p:nvPr>
         </p:nvSpPr>
         <p:spPr>
@@ -2614,11 +2702,11 @@
           </a:prstGeom>
         </p:spPr>
         <p:txBody>
-          <a:bodyPr anchorCtr="0" anchor="ctr" bIns="91425" lIns="91425" spcFirstLastPara="1" rIns="91425" wrap="square" tIns="91425">
+          <a:bodyPr spcFirstLastPara="1" wrap="square" lIns="91425" tIns="91425" rIns="91425" bIns="91425" anchor="ctr" anchorCtr="0">
             <a:noAutofit/>
           </a:bodyPr>
           <a:lstStyle>
-            <a:lvl1pPr lvl="0" rtl="0" algn="ctr">
+            <a:lvl1pPr lvl="0" algn="ctr" rtl="0">
               <a:spcBef>
                 <a:spcPts val="0"/>
               </a:spcBef>
@@ -2641,7 +2729,7 @@
                 <a:sym typeface="Lato"/>
               </a:defRPr>
             </a:lvl1pPr>
-            <a:lvl2pPr lvl="1" rtl="0" algn="ctr">
+            <a:lvl2pPr lvl="1" algn="ctr" rtl="0">
               <a:spcBef>
                 <a:spcPts val="0"/>
               </a:spcBef>
@@ -2664,7 +2752,7 @@
                 <a:sym typeface="Lato"/>
               </a:defRPr>
             </a:lvl2pPr>
-            <a:lvl3pPr lvl="2" rtl="0" algn="ctr">
+            <a:lvl3pPr lvl="2" algn="ctr" rtl="0">
               <a:spcBef>
                 <a:spcPts val="0"/>
               </a:spcBef>
@@ -2687,7 +2775,7 @@
                 <a:sym typeface="Lato"/>
               </a:defRPr>
             </a:lvl3pPr>
-            <a:lvl4pPr lvl="3" rtl="0" algn="ctr">
+            <a:lvl4pPr lvl="3" algn="ctr" rtl="0">
               <a:spcBef>
                 <a:spcPts val="0"/>
               </a:spcBef>
@@ -2710,7 +2798,7 @@
                 <a:sym typeface="Lato"/>
               </a:defRPr>
             </a:lvl4pPr>
-            <a:lvl5pPr lvl="4" rtl="0" algn="ctr">
+            <a:lvl5pPr lvl="4" algn="ctr" rtl="0">
               <a:spcBef>
                 <a:spcPts val="0"/>
               </a:spcBef>
@@ -2733,7 +2821,7 @@
                 <a:sym typeface="Lato"/>
               </a:defRPr>
             </a:lvl5pPr>
-            <a:lvl6pPr lvl="5" rtl="0" algn="ctr">
+            <a:lvl6pPr lvl="5" algn="ctr" rtl="0">
               <a:spcBef>
                 <a:spcPts val="0"/>
               </a:spcBef>
@@ -2756,7 +2844,7 @@
                 <a:sym typeface="Lato"/>
               </a:defRPr>
             </a:lvl6pPr>
-            <a:lvl7pPr lvl="6" rtl="0" algn="ctr">
+            <a:lvl7pPr lvl="6" algn="ctr" rtl="0">
               <a:spcBef>
                 <a:spcPts val="0"/>
               </a:spcBef>
@@ -2779,7 +2867,7 @@
                 <a:sym typeface="Lato"/>
               </a:defRPr>
             </a:lvl7pPr>
-            <a:lvl8pPr lvl="7" rtl="0" algn="ctr">
+            <a:lvl8pPr lvl="7" algn="ctr" rtl="0">
               <a:spcBef>
                 <a:spcPts val="0"/>
               </a:spcBef>
@@ -2802,7 +2890,7 @@
                 <a:sym typeface="Lato"/>
               </a:defRPr>
             </a:lvl8pPr>
-            <a:lvl9pPr lvl="8" rtl="0" algn="ctr">
+            <a:lvl9pPr lvl="8" algn="ctr" rtl="0">
               <a:spcBef>
                 <a:spcPts val="0"/>
               </a:spcBef>
@@ -2836,9 +2924,11 @@
       <p:sp>
         <p:nvSpPr>
           <p:cNvPr id="64" name="Google Shape;64;p11"/>
-          <p:cNvSpPr txBox="1"/>
+          <p:cNvSpPr txBox="1">
+            <a:spLocks noGrp="1"/>
+          </p:cNvSpPr>
           <p:nvPr>
-            <p:ph idx="1" type="body"/>
+            <p:ph type="body" idx="1"/>
           </p:nvPr>
         </p:nvSpPr>
         <p:spPr>
@@ -2851,11 +2941,11 @@
           </a:prstGeom>
         </p:spPr>
         <p:txBody>
-          <a:bodyPr anchorCtr="0" anchor="t" bIns="91425" lIns="91425" spcFirstLastPara="1" rIns="91425" wrap="square" tIns="91425">
+          <a:bodyPr spcFirstLastPara="1" wrap="square" lIns="91425" tIns="91425" rIns="91425" bIns="91425" anchor="t" anchorCtr="0">
             <a:noAutofit/>
           </a:bodyPr>
           <a:lstStyle>
-            <a:lvl1pPr indent="-342900" lvl="0" marL="457200" rtl="0" algn="ctr">
+            <a:lvl1pPr marL="457200" lvl="0" indent="-342900" algn="ctr" rtl="0">
               <a:spcBef>
                 <a:spcPts val="0"/>
               </a:spcBef>
@@ -2866,7 +2956,7 @@
               <a:buChar char="●"/>
               <a:defRPr/>
             </a:lvl1pPr>
-            <a:lvl2pPr indent="-317500" lvl="1" marL="914400" rtl="0" algn="ctr">
+            <a:lvl2pPr marL="914400" lvl="1" indent="-317500" algn="ctr" rtl="0">
               <a:spcBef>
                 <a:spcPts val="1600"/>
               </a:spcBef>
@@ -2877,7 +2967,7 @@
               <a:buChar char="○"/>
               <a:defRPr/>
             </a:lvl2pPr>
-            <a:lvl3pPr indent="-317500" lvl="2" marL="1371600" rtl="0" algn="ctr">
+            <a:lvl3pPr marL="1371600" lvl="2" indent="-317500" algn="ctr" rtl="0">
               <a:spcBef>
                 <a:spcPts val="1600"/>
               </a:spcBef>
@@ -2888,7 +2978,7 @@
               <a:buChar char="■"/>
               <a:defRPr/>
             </a:lvl3pPr>
-            <a:lvl4pPr indent="-317500" lvl="3" marL="1828800" rtl="0" algn="ctr">
+            <a:lvl4pPr marL="1828800" lvl="3" indent="-317500" algn="ctr" rtl="0">
               <a:spcBef>
                 <a:spcPts val="1600"/>
               </a:spcBef>
@@ -2899,7 +2989,7 @@
               <a:buChar char="●"/>
               <a:defRPr/>
             </a:lvl4pPr>
-            <a:lvl5pPr indent="-317500" lvl="4" marL="2286000" rtl="0" algn="ctr">
+            <a:lvl5pPr marL="2286000" lvl="4" indent="-317500" algn="ctr" rtl="0">
               <a:spcBef>
                 <a:spcPts val="1600"/>
               </a:spcBef>
@@ -2910,7 +3000,7 @@
               <a:buChar char="○"/>
               <a:defRPr/>
             </a:lvl5pPr>
-            <a:lvl6pPr indent="-317500" lvl="5" marL="2743200" rtl="0" algn="ctr">
+            <a:lvl6pPr marL="2743200" lvl="5" indent="-317500" algn="ctr" rtl="0">
               <a:spcBef>
                 <a:spcPts val="1600"/>
               </a:spcBef>
@@ -2921,7 +3011,7 @@
               <a:buChar char="■"/>
               <a:defRPr/>
             </a:lvl6pPr>
-            <a:lvl7pPr indent="-317500" lvl="6" marL="3200400" rtl="0" algn="ctr">
+            <a:lvl7pPr marL="3200400" lvl="6" indent="-317500" algn="ctr" rtl="0">
               <a:spcBef>
                 <a:spcPts val="1600"/>
               </a:spcBef>
@@ -2932,7 +3022,7 @@
               <a:buChar char="●"/>
               <a:defRPr/>
             </a:lvl7pPr>
-            <a:lvl8pPr indent="-317500" lvl="7" marL="3657600" rtl="0" algn="ctr">
+            <a:lvl8pPr marL="3657600" lvl="7" indent="-317500" algn="ctr" rtl="0">
               <a:spcBef>
                 <a:spcPts val="1600"/>
               </a:spcBef>
@@ -2943,7 +3033,7 @@
               <a:buChar char="○"/>
               <a:defRPr/>
             </a:lvl8pPr>
-            <a:lvl9pPr indent="-317500" lvl="8" marL="4114800" rtl="0" algn="ctr">
+            <a:lvl9pPr marL="4114800" lvl="8" indent="-317500" algn="ctr" rtl="0">
               <a:spcBef>
                 <a:spcPts val="1600"/>
               </a:spcBef>
@@ -2955,15 +3045,19 @@
               <a:defRPr/>
             </a:lvl9pPr>
           </a:lstStyle>
-          <a:p/>
+          <a:p>
+            <a:endParaRPr/>
+          </a:p>
         </p:txBody>
       </p:sp>
       <p:sp>
         <p:nvSpPr>
           <p:cNvPr id="65" name="Google Shape;65;p11"/>
-          <p:cNvSpPr txBox="1"/>
+          <p:cNvSpPr txBox="1">
+            <a:spLocks noGrp="1"/>
+          </p:cNvSpPr>
           <p:nvPr>
-            <p:ph idx="12" type="sldNum"/>
+            <p:ph type="sldNum" idx="12"/>
           </p:nvPr>
         </p:nvSpPr>
         <p:spPr>
@@ -2976,7 +3070,7 @@
           </a:prstGeom>
         </p:spPr>
         <p:txBody>
-          <a:bodyPr anchorCtr="0" anchor="ctr" bIns="91425" lIns="91425" spcFirstLastPara="1" rIns="91425" wrap="square" tIns="91425">
+          <a:bodyPr spcFirstLastPara="1" wrap="square" lIns="91425" tIns="91425" rIns="91425" bIns="91425" anchor="ctr" anchorCtr="0">
             <a:noAutofit/>
           </a:bodyPr>
           <a:lstStyle>
@@ -3018,7 +3112,7 @@
             </a:lvl9pPr>
           </a:lstStyle>
           <a:p>
-            <a:pPr indent="0" lvl="0" marL="0" rtl="0" algn="r">
+            <a:pPr marL="0" lvl="0" indent="0" algn="r" rtl="0">
               <a:spcBef>
                 <a:spcPts val="0"/>
               </a:spcBef>
@@ -3044,11 +3138,11 @@
 </file>
 
 <file path=ppt/slideLayouts/slideLayout11.xml><?xml version="1.0" encoding="utf-8"?>
-<p:sldLayout xmlns:a="http://schemas.openxmlformats.org/drawingml/2006/main" xmlns:r="http://schemas.openxmlformats.org/officeDocument/2006/relationships" xmlns:mc="http://schemas.openxmlformats.org/markup-compatibility/2006" xmlns:mv="urn:schemas-microsoft-com:mac:vml" xmlns:p="http://schemas.openxmlformats.org/presentationml/2006/main" xmlns:c="http://schemas.openxmlformats.org/drawingml/2006/chart" xmlns:dgm="http://schemas.openxmlformats.org/drawingml/2006/diagram" xmlns:o="urn:schemas-microsoft-com:office:office" xmlns:v="urn:schemas-microsoft-com:vml" xmlns:pvml="urn:schemas-microsoft-com:office:powerpoint" xmlns:com="http://schemas.openxmlformats.org/drawingml/2006/compatibility" xmlns:p14="http://schemas.microsoft.com/office/powerpoint/2010/main" xmlns:p15="http://schemas.microsoft.com/office/powerpoint/2012/main" xmlns:ahyp="http://schemas.microsoft.com/office/drawing/2018/hyperlinkcolor" matchingName="Blank" type="blank">
+<p:sldLayout xmlns:a="http://schemas.openxmlformats.org/drawingml/2006/main" xmlns:r="http://schemas.openxmlformats.org/officeDocument/2006/relationships" xmlns:p="http://schemas.openxmlformats.org/presentationml/2006/main" matchingName="Blank" type="blank">
   <p:cSld name="BLANK">
     <p:spTree>
       <p:nvGrpSpPr>
-        <p:cNvPr id="66" name="Shape 66"/>
+        <p:cNvPr id="1" name="Shape 66"/>
         <p:cNvGrpSpPr/>
         <p:nvPr/>
       </p:nvGrpSpPr>
@@ -3063,9 +3157,11 @@
       <p:sp>
         <p:nvSpPr>
           <p:cNvPr id="67" name="Google Shape;67;p12"/>
-          <p:cNvSpPr txBox="1"/>
+          <p:cNvSpPr txBox="1">
+            <a:spLocks noGrp="1"/>
+          </p:cNvSpPr>
           <p:nvPr>
-            <p:ph idx="12" type="sldNum"/>
+            <p:ph type="sldNum" idx="12"/>
           </p:nvPr>
         </p:nvSpPr>
         <p:spPr>
@@ -3078,7 +3174,7 @@
           </a:prstGeom>
         </p:spPr>
         <p:txBody>
-          <a:bodyPr anchorCtr="0" anchor="ctr" bIns="91425" lIns="91425" spcFirstLastPara="1" rIns="91425" wrap="square" tIns="91425">
+          <a:bodyPr spcFirstLastPara="1" wrap="square" lIns="91425" tIns="91425" rIns="91425" bIns="91425" anchor="ctr" anchorCtr="0">
             <a:noAutofit/>
           </a:bodyPr>
           <a:lstStyle>
@@ -3120,7 +3216,7 @@
             </a:lvl9pPr>
           </a:lstStyle>
           <a:p>
-            <a:pPr indent="0" lvl="0" marL="0" rtl="0" algn="r">
+            <a:pPr marL="0" lvl="0" indent="0" algn="r" rtl="0">
               <a:spcBef>
                 <a:spcPts val="0"/>
               </a:spcBef>
@@ -3146,18 +3242,19 @@
 </file>
 
 <file path=ppt/slideLayouts/slideLayout2.xml><?xml version="1.0" encoding="utf-8"?>
-<p:sldLayout xmlns:a="http://schemas.openxmlformats.org/drawingml/2006/main" xmlns:r="http://schemas.openxmlformats.org/officeDocument/2006/relationships" xmlns:mc="http://schemas.openxmlformats.org/markup-compatibility/2006" xmlns:mv="urn:schemas-microsoft-com:mac:vml" xmlns:p="http://schemas.openxmlformats.org/presentationml/2006/main" xmlns:c="http://schemas.openxmlformats.org/drawingml/2006/chart" xmlns:dgm="http://schemas.openxmlformats.org/drawingml/2006/diagram" xmlns:o="urn:schemas-microsoft-com:office:office" xmlns:v="urn:schemas-microsoft-com:vml" xmlns:pvml="urn:schemas-microsoft-com:office:powerpoint" xmlns:com="http://schemas.openxmlformats.org/drawingml/2006/compatibility" xmlns:p14="http://schemas.microsoft.com/office/powerpoint/2010/main" xmlns:p15="http://schemas.microsoft.com/office/powerpoint/2012/main" xmlns:ahyp="http://schemas.microsoft.com/office/drawing/2018/hyperlinkcolor" matchingName="Section header" type="secHead">
+<p:sldLayout xmlns:a="http://schemas.openxmlformats.org/drawingml/2006/main" xmlns:r="http://schemas.openxmlformats.org/officeDocument/2006/relationships" xmlns:p="http://schemas.openxmlformats.org/presentationml/2006/main" matchingName="Section header" type="secHead">
   <p:cSld name="SECTION_HEADER">
     <p:bg>
       <p:bgPr>
         <a:solidFill>
           <a:schemeClr val="dk1"/>
         </a:solidFill>
+        <a:effectLst/>
       </p:bgPr>
     </p:bg>
     <p:spTree>
       <p:nvGrpSpPr>
-        <p:cNvPr id="16" name="Shape 16"/>
+        <p:cNvPr id="1" name="Shape 16"/>
         <p:cNvGrpSpPr/>
         <p:nvPr/>
       </p:nvGrpSpPr>
@@ -3184,14 +3281,14 @@
             <a:avLst/>
           </a:prstGeom>
           <a:noFill/>
-          <a:ln cap="flat" cmpd="sng" w="38100">
+          <a:ln w="38100" cap="flat" cmpd="sng">
             <a:solidFill>
               <a:schemeClr val="lt1"/>
             </a:solidFill>
             <a:prstDash val="solid"/>
             <a:round/>
-            <a:headEnd len="sm" w="sm" type="none"/>
-            <a:tailEnd len="sm" w="sm" type="none"/>
+            <a:headEnd type="none" w="sm" len="sm"/>
+            <a:tailEnd type="none" w="sm" len="sm"/>
           </a:ln>
         </p:spPr>
       </p:cxnSp>
@@ -3210,21 +3307,23 @@
             <a:avLst/>
           </a:prstGeom>
           <a:noFill/>
-          <a:ln cap="flat" cmpd="sng" w="19050">
+          <a:ln w="19050" cap="flat" cmpd="sng">
             <a:solidFill>
               <a:schemeClr val="lt1"/>
             </a:solidFill>
             <a:prstDash val="solid"/>
             <a:round/>
-            <a:headEnd len="sm" w="sm" type="none"/>
-            <a:tailEnd len="sm" w="sm" type="none"/>
+            <a:headEnd type="none" w="sm" len="sm"/>
+            <a:tailEnd type="none" w="sm" len="sm"/>
           </a:ln>
         </p:spPr>
       </p:cxnSp>
       <p:sp>
         <p:nvSpPr>
           <p:cNvPr id="19" name="Google Shape;19;p3"/>
-          <p:cNvSpPr txBox="1"/>
+          <p:cNvSpPr txBox="1">
+            <a:spLocks noGrp="1"/>
+          </p:cNvSpPr>
           <p:nvPr>
             <p:ph type="title"/>
           </p:nvPr>
@@ -3239,11 +3338,11 @@
           </a:prstGeom>
         </p:spPr>
         <p:txBody>
-          <a:bodyPr anchorCtr="0" anchor="ctr" bIns="91425" lIns="91425" spcFirstLastPara="1" rIns="91425" wrap="square" tIns="91425">
+          <a:bodyPr spcFirstLastPara="1" wrap="square" lIns="91425" tIns="91425" rIns="91425" bIns="91425" anchor="ctr" anchorCtr="0">
             <a:noAutofit/>
           </a:bodyPr>
           <a:lstStyle>
-            <a:lvl1pPr lvl="0" rtl="0" algn="ctr">
+            <a:lvl1pPr lvl="0" algn="ctr" rtl="0">
               <a:spcBef>
                 <a:spcPts val="0"/>
               </a:spcBef>
@@ -3261,7 +3360,7 @@
                 </a:solidFill>
               </a:defRPr>
             </a:lvl1pPr>
-            <a:lvl2pPr lvl="1" rtl="0" algn="ctr">
+            <a:lvl2pPr lvl="1" algn="ctr" rtl="0">
               <a:spcBef>
                 <a:spcPts val="0"/>
               </a:spcBef>
@@ -3279,7 +3378,7 @@
                 </a:solidFill>
               </a:defRPr>
             </a:lvl2pPr>
-            <a:lvl3pPr lvl="2" rtl="0" algn="ctr">
+            <a:lvl3pPr lvl="2" algn="ctr" rtl="0">
               <a:spcBef>
                 <a:spcPts val="0"/>
               </a:spcBef>
@@ -3297,7 +3396,7 @@
                 </a:solidFill>
               </a:defRPr>
             </a:lvl3pPr>
-            <a:lvl4pPr lvl="3" rtl="0" algn="ctr">
+            <a:lvl4pPr lvl="3" algn="ctr" rtl="0">
               <a:spcBef>
                 <a:spcPts val="0"/>
               </a:spcBef>
@@ -3315,7 +3414,7 @@
                 </a:solidFill>
               </a:defRPr>
             </a:lvl4pPr>
-            <a:lvl5pPr lvl="4" rtl="0" algn="ctr">
+            <a:lvl5pPr lvl="4" algn="ctr" rtl="0">
               <a:spcBef>
                 <a:spcPts val="0"/>
               </a:spcBef>
@@ -3333,7 +3432,7 @@
                 </a:solidFill>
               </a:defRPr>
             </a:lvl5pPr>
-            <a:lvl6pPr lvl="5" rtl="0" algn="ctr">
+            <a:lvl6pPr lvl="5" algn="ctr" rtl="0">
               <a:spcBef>
                 <a:spcPts val="0"/>
               </a:spcBef>
@@ -3351,7 +3450,7 @@
                 </a:solidFill>
               </a:defRPr>
             </a:lvl6pPr>
-            <a:lvl7pPr lvl="6" rtl="0" algn="ctr">
+            <a:lvl7pPr lvl="6" algn="ctr" rtl="0">
               <a:spcBef>
                 <a:spcPts val="0"/>
               </a:spcBef>
@@ -3369,7 +3468,7 @@
                 </a:solidFill>
               </a:defRPr>
             </a:lvl7pPr>
-            <a:lvl8pPr lvl="7" rtl="0" algn="ctr">
+            <a:lvl8pPr lvl="7" algn="ctr" rtl="0">
               <a:spcBef>
                 <a:spcPts val="0"/>
               </a:spcBef>
@@ -3387,7 +3486,7 @@
                 </a:solidFill>
               </a:defRPr>
             </a:lvl8pPr>
-            <a:lvl9pPr lvl="8" rtl="0" algn="ctr">
+            <a:lvl9pPr lvl="8" algn="ctr" rtl="0">
               <a:spcBef>
                 <a:spcPts val="0"/>
               </a:spcBef>
@@ -3406,15 +3505,19 @@
               </a:defRPr>
             </a:lvl9pPr>
           </a:lstStyle>
-          <a:p/>
+          <a:p>
+            <a:endParaRPr/>
+          </a:p>
         </p:txBody>
       </p:sp>
       <p:sp>
         <p:nvSpPr>
           <p:cNvPr id="20" name="Google Shape;20;p3"/>
-          <p:cNvSpPr txBox="1"/>
+          <p:cNvSpPr txBox="1">
+            <a:spLocks noGrp="1"/>
+          </p:cNvSpPr>
           <p:nvPr>
-            <p:ph idx="12" type="sldNum"/>
+            <p:ph type="sldNum" idx="12"/>
           </p:nvPr>
         </p:nvSpPr>
         <p:spPr>
@@ -3427,7 +3530,7 @@
           </a:prstGeom>
         </p:spPr>
         <p:txBody>
-          <a:bodyPr anchorCtr="0" anchor="ctr" bIns="91425" lIns="91425" spcFirstLastPara="1" rIns="91425" wrap="square" tIns="91425">
+          <a:bodyPr spcFirstLastPara="1" wrap="square" lIns="91425" tIns="91425" rIns="91425" bIns="91425" anchor="ctr" anchorCtr="0">
             <a:noAutofit/>
           </a:bodyPr>
           <a:lstStyle>
@@ -3505,7 +3608,7 @@
             </a:lvl9pPr>
           </a:lstStyle>
           <a:p>
-            <a:pPr indent="0" lvl="0" marL="0" rtl="0" algn="r">
+            <a:pPr marL="0" lvl="0" indent="0" algn="r" rtl="0">
               <a:spcBef>
                 <a:spcPts val="0"/>
               </a:spcBef>
@@ -3531,11 +3634,11 @@
 </file>
 
 <file path=ppt/slideLayouts/slideLayout3.xml><?xml version="1.0" encoding="utf-8"?>
-<p:sldLayout xmlns:a="http://schemas.openxmlformats.org/drawingml/2006/main" xmlns:r="http://schemas.openxmlformats.org/officeDocument/2006/relationships" xmlns:mc="http://schemas.openxmlformats.org/markup-compatibility/2006" xmlns:mv="urn:schemas-microsoft-com:mac:vml" xmlns:p="http://schemas.openxmlformats.org/presentationml/2006/main" xmlns:c="http://schemas.openxmlformats.org/drawingml/2006/chart" xmlns:dgm="http://schemas.openxmlformats.org/drawingml/2006/diagram" xmlns:o="urn:schemas-microsoft-com:office:office" xmlns:v="urn:schemas-microsoft-com:vml" xmlns:pvml="urn:schemas-microsoft-com:office:powerpoint" xmlns:com="http://schemas.openxmlformats.org/drawingml/2006/compatibility" xmlns:p14="http://schemas.microsoft.com/office/powerpoint/2010/main" xmlns:p15="http://schemas.microsoft.com/office/powerpoint/2012/main" xmlns:ahyp="http://schemas.microsoft.com/office/drawing/2018/hyperlinkcolor" matchingName="Title and body" type="tx">
+<p:sldLayout xmlns:a="http://schemas.openxmlformats.org/drawingml/2006/main" xmlns:r="http://schemas.openxmlformats.org/officeDocument/2006/relationships" xmlns:p="http://schemas.openxmlformats.org/presentationml/2006/main" matchingName="Title and body" type="tx">
   <p:cSld name="TITLE_AND_BODY">
     <p:spTree>
       <p:nvGrpSpPr>
-        <p:cNvPr id="21" name="Shape 21"/>
+        <p:cNvPr id="1" name="Shape 21"/>
         <p:cNvGrpSpPr/>
         <p:nvPr/>
       </p:nvGrpSpPr>
@@ -3562,14 +3665,14 @@
             <a:avLst/>
           </a:prstGeom>
           <a:noFill/>
-          <a:ln cap="flat" cmpd="sng" w="38100">
+          <a:ln w="38100" cap="flat" cmpd="sng">
             <a:solidFill>
               <a:schemeClr val="dk2"/>
             </a:solidFill>
             <a:prstDash val="solid"/>
             <a:round/>
-            <a:headEnd len="sm" w="sm" type="none"/>
-            <a:tailEnd len="sm" w="sm" type="none"/>
+            <a:headEnd type="none" w="sm" len="sm"/>
+            <a:tailEnd type="none" w="sm" len="sm"/>
           </a:ln>
         </p:spPr>
       </p:cxnSp>
@@ -3588,14 +3691,14 @@
             <a:avLst/>
           </a:prstGeom>
           <a:noFill/>
-          <a:ln cap="flat" cmpd="sng" w="19050">
+          <a:ln w="19050" cap="flat" cmpd="sng">
             <a:solidFill>
               <a:schemeClr val="dk2"/>
             </a:solidFill>
             <a:prstDash val="solid"/>
             <a:round/>
-            <a:headEnd len="sm" w="sm" type="none"/>
-            <a:tailEnd len="sm" w="sm" type="none"/>
+            <a:headEnd type="none" w="sm" len="sm"/>
+            <a:tailEnd type="none" w="sm" len="sm"/>
           </a:ln>
         </p:spPr>
       </p:cxnSp>
@@ -3614,21 +3717,23 @@
             <a:avLst/>
           </a:prstGeom>
           <a:noFill/>
-          <a:ln cap="flat" cmpd="sng" w="19050">
+          <a:ln w="19050" cap="flat" cmpd="sng">
             <a:solidFill>
               <a:schemeClr val="dk2"/>
             </a:solidFill>
             <a:prstDash val="solid"/>
             <a:round/>
-            <a:headEnd len="sm" w="sm" type="none"/>
-            <a:tailEnd len="sm" w="sm" type="none"/>
+            <a:headEnd type="none" w="sm" len="sm"/>
+            <a:tailEnd type="none" w="sm" len="sm"/>
           </a:ln>
         </p:spPr>
       </p:cxnSp>
       <p:sp>
         <p:nvSpPr>
           <p:cNvPr id="25" name="Google Shape;25;p4"/>
-          <p:cNvSpPr txBox="1"/>
+          <p:cNvSpPr txBox="1">
+            <a:spLocks noGrp="1"/>
+          </p:cNvSpPr>
           <p:nvPr>
             <p:ph type="title"/>
           </p:nvPr>
@@ -3643,7 +3748,7 @@
           </a:prstGeom>
         </p:spPr>
         <p:txBody>
-          <a:bodyPr anchorCtr="0" anchor="t" bIns="91425" lIns="91425" spcFirstLastPara="1" rIns="91425" wrap="square" tIns="91425">
+          <a:bodyPr spcFirstLastPara="1" wrap="square" lIns="91425" tIns="91425" rIns="91425" bIns="91425" anchor="t" anchorCtr="0">
             <a:noAutofit/>
           </a:bodyPr>
           <a:lstStyle>
@@ -3747,15 +3852,19 @@
               <a:defRPr/>
             </a:lvl9pPr>
           </a:lstStyle>
-          <a:p/>
+          <a:p>
+            <a:endParaRPr/>
+          </a:p>
         </p:txBody>
       </p:sp>
       <p:sp>
         <p:nvSpPr>
           <p:cNvPr id="26" name="Google Shape;26;p4"/>
-          <p:cNvSpPr txBox="1"/>
+          <p:cNvSpPr txBox="1">
+            <a:spLocks noGrp="1"/>
+          </p:cNvSpPr>
           <p:nvPr>
-            <p:ph idx="1" type="body"/>
+            <p:ph type="body" idx="1"/>
           </p:nvPr>
         </p:nvSpPr>
         <p:spPr>
@@ -3768,11 +3877,11 @@
           </a:prstGeom>
         </p:spPr>
         <p:txBody>
-          <a:bodyPr anchorCtr="0" anchor="t" bIns="91425" lIns="91425" spcFirstLastPara="1" rIns="91425" wrap="square" tIns="91425">
+          <a:bodyPr spcFirstLastPara="1" wrap="square" lIns="91425" tIns="91425" rIns="91425" bIns="91425" anchor="t" anchorCtr="0">
             <a:noAutofit/>
           </a:bodyPr>
           <a:lstStyle>
-            <a:lvl1pPr indent="-342900" lvl="0" marL="457200" rtl="0">
+            <a:lvl1pPr marL="457200" lvl="0" indent="-342900" rtl="0">
               <a:spcBef>
                 <a:spcPts val="0"/>
               </a:spcBef>
@@ -3783,7 +3892,7 @@
               <a:buChar char="●"/>
               <a:defRPr/>
             </a:lvl1pPr>
-            <a:lvl2pPr indent="-317500" lvl="1" marL="914400" rtl="0">
+            <a:lvl2pPr marL="914400" lvl="1" indent="-317500" rtl="0">
               <a:spcBef>
                 <a:spcPts val="1600"/>
               </a:spcBef>
@@ -3794,7 +3903,7 @@
               <a:buChar char="○"/>
               <a:defRPr/>
             </a:lvl2pPr>
-            <a:lvl3pPr indent="-317500" lvl="2" marL="1371600" rtl="0">
+            <a:lvl3pPr marL="1371600" lvl="2" indent="-317500" rtl="0">
               <a:spcBef>
                 <a:spcPts val="1600"/>
               </a:spcBef>
@@ -3805,7 +3914,7 @@
               <a:buChar char="■"/>
               <a:defRPr/>
             </a:lvl3pPr>
-            <a:lvl4pPr indent="-317500" lvl="3" marL="1828800" rtl="0">
+            <a:lvl4pPr marL="1828800" lvl="3" indent="-317500" rtl="0">
               <a:spcBef>
                 <a:spcPts val="1600"/>
               </a:spcBef>
@@ -3816,7 +3925,7 @@
               <a:buChar char="●"/>
               <a:defRPr/>
             </a:lvl4pPr>
-            <a:lvl5pPr indent="-317500" lvl="4" marL="2286000" rtl="0">
+            <a:lvl5pPr marL="2286000" lvl="4" indent="-317500" rtl="0">
               <a:spcBef>
                 <a:spcPts val="1600"/>
               </a:spcBef>
@@ -3827,7 +3936,7 @@
               <a:buChar char="○"/>
               <a:defRPr/>
             </a:lvl5pPr>
-            <a:lvl6pPr indent="-317500" lvl="5" marL="2743200" rtl="0">
+            <a:lvl6pPr marL="2743200" lvl="5" indent="-317500" rtl="0">
               <a:spcBef>
                 <a:spcPts val="1600"/>
               </a:spcBef>
@@ -3838,7 +3947,7 @@
               <a:buChar char="■"/>
               <a:defRPr/>
             </a:lvl6pPr>
-            <a:lvl7pPr indent="-317500" lvl="6" marL="3200400" rtl="0">
+            <a:lvl7pPr marL="3200400" lvl="6" indent="-317500" rtl="0">
               <a:spcBef>
                 <a:spcPts val="1600"/>
               </a:spcBef>
@@ -3849,7 +3958,7 @@
               <a:buChar char="●"/>
               <a:defRPr/>
             </a:lvl7pPr>
-            <a:lvl8pPr indent="-317500" lvl="7" marL="3657600" rtl="0">
+            <a:lvl8pPr marL="3657600" lvl="7" indent="-317500" rtl="0">
               <a:spcBef>
                 <a:spcPts val="1600"/>
               </a:spcBef>
@@ -3860,7 +3969,7 @@
               <a:buChar char="○"/>
               <a:defRPr/>
             </a:lvl8pPr>
-            <a:lvl9pPr indent="-317500" lvl="8" marL="4114800" rtl="0">
+            <a:lvl9pPr marL="4114800" lvl="8" indent="-317500" rtl="0">
               <a:spcBef>
                 <a:spcPts val="1600"/>
               </a:spcBef>
@@ -3872,15 +3981,19 @@
               <a:defRPr/>
             </a:lvl9pPr>
           </a:lstStyle>
-          <a:p/>
+          <a:p>
+            <a:endParaRPr/>
+          </a:p>
         </p:txBody>
       </p:sp>
       <p:sp>
         <p:nvSpPr>
           <p:cNvPr id="27" name="Google Shape;27;p4"/>
-          <p:cNvSpPr txBox="1"/>
+          <p:cNvSpPr txBox="1">
+            <a:spLocks noGrp="1"/>
+          </p:cNvSpPr>
           <p:nvPr>
-            <p:ph idx="12" type="sldNum"/>
+            <p:ph type="sldNum" idx="12"/>
           </p:nvPr>
         </p:nvSpPr>
         <p:spPr>
@@ -3893,7 +4006,7 @@
           </a:prstGeom>
         </p:spPr>
         <p:txBody>
-          <a:bodyPr anchorCtr="0" anchor="ctr" bIns="91425" lIns="91425" spcFirstLastPara="1" rIns="91425" wrap="square" tIns="91425">
+          <a:bodyPr spcFirstLastPara="1" wrap="square" lIns="91425" tIns="91425" rIns="91425" bIns="91425" anchor="ctr" anchorCtr="0">
             <a:noAutofit/>
           </a:bodyPr>
           <a:lstStyle>
@@ -3935,7 +4048,7 @@
             </a:lvl9pPr>
           </a:lstStyle>
           <a:p>
-            <a:pPr indent="0" lvl="0" marL="0" rtl="0" algn="r">
+            <a:pPr marL="0" lvl="0" indent="0" algn="r" rtl="0">
               <a:spcBef>
                 <a:spcPts val="0"/>
               </a:spcBef>
@@ -3961,11 +4074,11 @@
 </file>
 
 <file path=ppt/slideLayouts/slideLayout4.xml><?xml version="1.0" encoding="utf-8"?>
-<p:sldLayout xmlns:a="http://schemas.openxmlformats.org/drawingml/2006/main" xmlns:r="http://schemas.openxmlformats.org/officeDocument/2006/relationships" xmlns:mc="http://schemas.openxmlformats.org/markup-compatibility/2006" xmlns:mv="urn:schemas-microsoft-com:mac:vml" xmlns:p="http://schemas.openxmlformats.org/presentationml/2006/main" xmlns:c="http://schemas.openxmlformats.org/drawingml/2006/chart" xmlns:dgm="http://schemas.openxmlformats.org/drawingml/2006/diagram" xmlns:o="urn:schemas-microsoft-com:office:office" xmlns:v="urn:schemas-microsoft-com:vml" xmlns:pvml="urn:schemas-microsoft-com:office:powerpoint" xmlns:com="http://schemas.openxmlformats.org/drawingml/2006/compatibility" xmlns:p14="http://schemas.microsoft.com/office/powerpoint/2010/main" xmlns:p15="http://schemas.microsoft.com/office/powerpoint/2012/main" xmlns:ahyp="http://schemas.microsoft.com/office/drawing/2018/hyperlinkcolor" matchingName="Title and two columns" type="twoColTx">
+<p:sldLayout xmlns:a="http://schemas.openxmlformats.org/drawingml/2006/main" xmlns:r="http://schemas.openxmlformats.org/officeDocument/2006/relationships" xmlns:p="http://schemas.openxmlformats.org/presentationml/2006/main" matchingName="Title and two columns" type="twoColTx">
   <p:cSld name="TITLE_AND_TWO_COLUMNS">
     <p:spTree>
       <p:nvGrpSpPr>
-        <p:cNvPr id="28" name="Shape 28"/>
+        <p:cNvPr id="1" name="Shape 28"/>
         <p:cNvGrpSpPr/>
         <p:nvPr/>
       </p:nvGrpSpPr>
@@ -3992,14 +4105,14 @@
             <a:avLst/>
           </a:prstGeom>
           <a:noFill/>
-          <a:ln cap="flat" cmpd="sng" w="38100">
+          <a:ln w="38100" cap="flat" cmpd="sng">
             <a:solidFill>
               <a:schemeClr val="dk2"/>
             </a:solidFill>
             <a:prstDash val="solid"/>
             <a:round/>
-            <a:headEnd len="sm" w="sm" type="none"/>
-            <a:tailEnd len="sm" w="sm" type="none"/>
+            <a:headEnd type="none" w="sm" len="sm"/>
+            <a:tailEnd type="none" w="sm" len="sm"/>
           </a:ln>
         </p:spPr>
       </p:cxnSp>
@@ -4018,14 +4131,14 @@
             <a:avLst/>
           </a:prstGeom>
           <a:noFill/>
-          <a:ln cap="flat" cmpd="sng" w="19050">
+          <a:ln w="19050" cap="flat" cmpd="sng">
             <a:solidFill>
               <a:schemeClr val="dk2"/>
             </a:solidFill>
             <a:prstDash val="solid"/>
             <a:round/>
-            <a:headEnd len="sm" w="sm" type="none"/>
-            <a:tailEnd len="sm" w="sm" type="none"/>
+            <a:headEnd type="none" w="sm" len="sm"/>
+            <a:tailEnd type="none" w="sm" len="sm"/>
           </a:ln>
         </p:spPr>
       </p:cxnSp>
@@ -4044,21 +4157,23 @@
             <a:avLst/>
           </a:prstGeom>
           <a:noFill/>
-          <a:ln cap="flat" cmpd="sng" w="19050">
+          <a:ln w="19050" cap="flat" cmpd="sng">
             <a:solidFill>
               <a:schemeClr val="dk2"/>
             </a:solidFill>
             <a:prstDash val="solid"/>
             <a:round/>
-            <a:headEnd len="sm" w="sm" type="none"/>
-            <a:tailEnd len="sm" w="sm" type="none"/>
+            <a:headEnd type="none" w="sm" len="sm"/>
+            <a:tailEnd type="none" w="sm" len="sm"/>
           </a:ln>
         </p:spPr>
       </p:cxnSp>
       <p:sp>
         <p:nvSpPr>
           <p:cNvPr id="32" name="Google Shape;32;p5"/>
-          <p:cNvSpPr txBox="1"/>
+          <p:cNvSpPr txBox="1">
+            <a:spLocks noGrp="1"/>
+          </p:cNvSpPr>
           <p:nvPr>
             <p:ph type="title"/>
           </p:nvPr>
@@ -4073,7 +4188,7 @@
           </a:prstGeom>
         </p:spPr>
         <p:txBody>
-          <a:bodyPr anchorCtr="0" anchor="t" bIns="91425" lIns="91425" spcFirstLastPara="1" rIns="91425" wrap="square" tIns="91425">
+          <a:bodyPr spcFirstLastPara="1" wrap="square" lIns="91425" tIns="91425" rIns="91425" bIns="91425" anchor="t" anchorCtr="0">
             <a:noAutofit/>
           </a:bodyPr>
           <a:lstStyle>
@@ -4177,15 +4292,19 @@
               <a:defRPr/>
             </a:lvl9pPr>
           </a:lstStyle>
-          <a:p/>
+          <a:p>
+            <a:endParaRPr/>
+          </a:p>
         </p:txBody>
       </p:sp>
       <p:sp>
         <p:nvSpPr>
           <p:cNvPr id="33" name="Google Shape;33;p5"/>
-          <p:cNvSpPr txBox="1"/>
+          <p:cNvSpPr txBox="1">
+            <a:spLocks noGrp="1"/>
+          </p:cNvSpPr>
           <p:nvPr>
-            <p:ph idx="1" type="body"/>
+            <p:ph type="body" idx="1"/>
           </p:nvPr>
         </p:nvSpPr>
         <p:spPr>
@@ -4198,11 +4317,11 @@
           </a:prstGeom>
         </p:spPr>
         <p:txBody>
-          <a:bodyPr anchorCtr="0" anchor="t" bIns="91425" lIns="91425" spcFirstLastPara="1" rIns="91425" wrap="square" tIns="91425">
+          <a:bodyPr spcFirstLastPara="1" wrap="square" lIns="91425" tIns="91425" rIns="91425" bIns="91425" anchor="t" anchorCtr="0">
             <a:noAutofit/>
           </a:bodyPr>
           <a:lstStyle>
-            <a:lvl1pPr indent="-317500" lvl="0" marL="457200" rtl="0">
+            <a:lvl1pPr marL="457200" lvl="0" indent="-317500" rtl="0">
               <a:spcBef>
                 <a:spcPts val="0"/>
               </a:spcBef>
@@ -4213,7 +4332,7 @@
               <a:buChar char="●"/>
               <a:defRPr sz="1400"/>
             </a:lvl1pPr>
-            <a:lvl2pPr indent="-304800" lvl="1" marL="914400" rtl="0">
+            <a:lvl2pPr marL="914400" lvl="1" indent="-304800" rtl="0">
               <a:spcBef>
                 <a:spcPts val="1600"/>
               </a:spcBef>
@@ -4224,7 +4343,7 @@
               <a:buChar char="○"/>
               <a:defRPr sz="1200"/>
             </a:lvl2pPr>
-            <a:lvl3pPr indent="-304800" lvl="2" marL="1371600" rtl="0">
+            <a:lvl3pPr marL="1371600" lvl="2" indent="-304800" rtl="0">
               <a:spcBef>
                 <a:spcPts val="1600"/>
               </a:spcBef>
@@ -4235,7 +4354,7 @@
               <a:buChar char="■"/>
               <a:defRPr sz="1200"/>
             </a:lvl3pPr>
-            <a:lvl4pPr indent="-304800" lvl="3" marL="1828800" rtl="0">
+            <a:lvl4pPr marL="1828800" lvl="3" indent="-304800" rtl="0">
               <a:spcBef>
                 <a:spcPts val="1600"/>
               </a:spcBef>
@@ -4246,7 +4365,7 @@
               <a:buChar char="●"/>
               <a:defRPr sz="1200"/>
             </a:lvl4pPr>
-            <a:lvl5pPr indent="-304800" lvl="4" marL="2286000" rtl="0">
+            <a:lvl5pPr marL="2286000" lvl="4" indent="-304800" rtl="0">
               <a:spcBef>
                 <a:spcPts val="1600"/>
               </a:spcBef>
@@ -4257,7 +4376,7 @@
               <a:buChar char="○"/>
               <a:defRPr sz="1200"/>
             </a:lvl5pPr>
-            <a:lvl6pPr indent="-304800" lvl="5" marL="2743200" rtl="0">
+            <a:lvl6pPr marL="2743200" lvl="5" indent="-304800" rtl="0">
               <a:spcBef>
                 <a:spcPts val="1600"/>
               </a:spcBef>
@@ -4268,7 +4387,7 @@
               <a:buChar char="■"/>
               <a:defRPr sz="1200"/>
             </a:lvl6pPr>
-            <a:lvl7pPr indent="-304800" lvl="6" marL="3200400" rtl="0">
+            <a:lvl7pPr marL="3200400" lvl="6" indent="-304800" rtl="0">
               <a:spcBef>
                 <a:spcPts val="1600"/>
               </a:spcBef>
@@ -4279,7 +4398,7 @@
               <a:buChar char="●"/>
               <a:defRPr sz="1200"/>
             </a:lvl7pPr>
-            <a:lvl8pPr indent="-304800" lvl="7" marL="3657600" rtl="0">
+            <a:lvl8pPr marL="3657600" lvl="7" indent="-304800" rtl="0">
               <a:spcBef>
                 <a:spcPts val="1600"/>
               </a:spcBef>
@@ -4290,7 +4409,7 @@
               <a:buChar char="○"/>
               <a:defRPr sz="1200"/>
             </a:lvl8pPr>
-            <a:lvl9pPr indent="-304800" lvl="8" marL="4114800" rtl="0">
+            <a:lvl9pPr marL="4114800" lvl="8" indent="-304800" rtl="0">
               <a:spcBef>
                 <a:spcPts val="1600"/>
               </a:spcBef>
@@ -4302,15 +4421,19 @@
               <a:defRPr sz="1200"/>
             </a:lvl9pPr>
           </a:lstStyle>
-          <a:p/>
+          <a:p>
+            <a:endParaRPr/>
+          </a:p>
         </p:txBody>
       </p:sp>
       <p:sp>
         <p:nvSpPr>
           <p:cNvPr id="34" name="Google Shape;34;p5"/>
-          <p:cNvSpPr txBox="1"/>
+          <p:cNvSpPr txBox="1">
+            <a:spLocks noGrp="1"/>
+          </p:cNvSpPr>
           <p:nvPr>
-            <p:ph idx="2" type="body"/>
+            <p:ph type="body" idx="2"/>
           </p:nvPr>
         </p:nvSpPr>
         <p:spPr>
@@ -4323,11 +4446,11 @@
           </a:prstGeom>
         </p:spPr>
         <p:txBody>
-          <a:bodyPr anchorCtr="0" anchor="t" bIns="91425" lIns="91425" spcFirstLastPara="1" rIns="91425" wrap="square" tIns="91425">
+          <a:bodyPr spcFirstLastPara="1" wrap="square" lIns="91425" tIns="91425" rIns="91425" bIns="91425" anchor="t" anchorCtr="0">
             <a:noAutofit/>
           </a:bodyPr>
           <a:lstStyle>
-            <a:lvl1pPr indent="-317500" lvl="0" marL="457200" rtl="0">
+            <a:lvl1pPr marL="457200" lvl="0" indent="-317500" rtl="0">
               <a:spcBef>
                 <a:spcPts val="0"/>
               </a:spcBef>
@@ -4338,7 +4461,7 @@
               <a:buChar char="●"/>
               <a:defRPr sz="1400"/>
             </a:lvl1pPr>
-            <a:lvl2pPr indent="-304800" lvl="1" marL="914400" rtl="0">
+            <a:lvl2pPr marL="914400" lvl="1" indent="-304800" rtl="0">
               <a:spcBef>
                 <a:spcPts val="1600"/>
               </a:spcBef>
@@ -4349,7 +4472,7 @@
               <a:buChar char="○"/>
               <a:defRPr sz="1200"/>
             </a:lvl2pPr>
-            <a:lvl3pPr indent="-304800" lvl="2" marL="1371600" rtl="0">
+            <a:lvl3pPr marL="1371600" lvl="2" indent="-304800" rtl="0">
               <a:spcBef>
                 <a:spcPts val="1600"/>
               </a:spcBef>
@@ -4360,7 +4483,7 @@
               <a:buChar char="■"/>
               <a:defRPr sz="1200"/>
             </a:lvl3pPr>
-            <a:lvl4pPr indent="-304800" lvl="3" marL="1828800" rtl="0">
+            <a:lvl4pPr marL="1828800" lvl="3" indent="-304800" rtl="0">
               <a:spcBef>
                 <a:spcPts val="1600"/>
               </a:spcBef>
@@ -4371,7 +4494,7 @@
               <a:buChar char="●"/>
               <a:defRPr sz="1200"/>
             </a:lvl4pPr>
-            <a:lvl5pPr indent="-304800" lvl="4" marL="2286000" rtl="0">
+            <a:lvl5pPr marL="2286000" lvl="4" indent="-304800" rtl="0">
               <a:spcBef>
                 <a:spcPts val="1600"/>
               </a:spcBef>
@@ -4382,7 +4505,7 @@
               <a:buChar char="○"/>
               <a:defRPr sz="1200"/>
             </a:lvl5pPr>
-            <a:lvl6pPr indent="-304800" lvl="5" marL="2743200" rtl="0">
+            <a:lvl6pPr marL="2743200" lvl="5" indent="-304800" rtl="0">
               <a:spcBef>
                 <a:spcPts val="1600"/>
               </a:spcBef>
@@ -4393,7 +4516,7 @@
               <a:buChar char="■"/>
               <a:defRPr sz="1200"/>
             </a:lvl6pPr>
-            <a:lvl7pPr indent="-304800" lvl="6" marL="3200400" rtl="0">
+            <a:lvl7pPr marL="3200400" lvl="6" indent="-304800" rtl="0">
               <a:spcBef>
                 <a:spcPts val="1600"/>
               </a:spcBef>
@@ -4404,7 +4527,7 @@
               <a:buChar char="●"/>
               <a:defRPr sz="1200"/>
             </a:lvl7pPr>
-            <a:lvl8pPr indent="-304800" lvl="7" marL="3657600" rtl="0">
+            <a:lvl8pPr marL="3657600" lvl="7" indent="-304800" rtl="0">
               <a:spcBef>
                 <a:spcPts val="1600"/>
               </a:spcBef>
@@ -4415,7 +4538,7 @@
               <a:buChar char="○"/>
               <a:defRPr sz="1200"/>
             </a:lvl8pPr>
-            <a:lvl9pPr indent="-304800" lvl="8" marL="4114800" rtl="0">
+            <a:lvl9pPr marL="4114800" lvl="8" indent="-304800" rtl="0">
               <a:spcBef>
                 <a:spcPts val="1600"/>
               </a:spcBef>
@@ -4427,15 +4550,19 @@
               <a:defRPr sz="1200"/>
             </a:lvl9pPr>
           </a:lstStyle>
-          <a:p/>
+          <a:p>
+            <a:endParaRPr/>
+          </a:p>
         </p:txBody>
       </p:sp>
       <p:sp>
         <p:nvSpPr>
           <p:cNvPr id="35" name="Google Shape;35;p5"/>
-          <p:cNvSpPr txBox="1"/>
+          <p:cNvSpPr txBox="1">
+            <a:spLocks noGrp="1"/>
+          </p:cNvSpPr>
           <p:nvPr>
-            <p:ph idx="12" type="sldNum"/>
+            <p:ph type="sldNum" idx="12"/>
           </p:nvPr>
         </p:nvSpPr>
         <p:spPr>
@@ -4448,7 +4575,7 @@
           </a:prstGeom>
         </p:spPr>
         <p:txBody>
-          <a:bodyPr anchorCtr="0" anchor="ctr" bIns="91425" lIns="91425" spcFirstLastPara="1" rIns="91425" wrap="square" tIns="91425">
+          <a:bodyPr spcFirstLastPara="1" wrap="square" lIns="91425" tIns="91425" rIns="91425" bIns="91425" anchor="ctr" anchorCtr="0">
             <a:noAutofit/>
           </a:bodyPr>
           <a:lstStyle>
@@ -4490,7 +4617,7 @@
             </a:lvl9pPr>
           </a:lstStyle>
           <a:p>
-            <a:pPr indent="0" lvl="0" marL="0" rtl="0" algn="r">
+            <a:pPr marL="0" lvl="0" indent="0" algn="r" rtl="0">
               <a:spcBef>
                 <a:spcPts val="0"/>
               </a:spcBef>
@@ -4516,11 +4643,11 @@
 </file>
 
 <file path=ppt/slideLayouts/slideLayout5.xml><?xml version="1.0" encoding="utf-8"?>
-<p:sldLayout xmlns:a="http://schemas.openxmlformats.org/drawingml/2006/main" xmlns:r="http://schemas.openxmlformats.org/officeDocument/2006/relationships" xmlns:mc="http://schemas.openxmlformats.org/markup-compatibility/2006" xmlns:mv="urn:schemas-microsoft-com:mac:vml" xmlns:p="http://schemas.openxmlformats.org/presentationml/2006/main" xmlns:c="http://schemas.openxmlformats.org/drawingml/2006/chart" xmlns:dgm="http://schemas.openxmlformats.org/drawingml/2006/diagram" xmlns:o="urn:schemas-microsoft-com:office:office" xmlns:v="urn:schemas-microsoft-com:vml" xmlns:pvml="urn:schemas-microsoft-com:office:powerpoint" xmlns:com="http://schemas.openxmlformats.org/drawingml/2006/compatibility" xmlns:p14="http://schemas.microsoft.com/office/powerpoint/2010/main" xmlns:p15="http://schemas.microsoft.com/office/powerpoint/2012/main" xmlns:ahyp="http://schemas.microsoft.com/office/drawing/2018/hyperlinkcolor" matchingName="Title only" type="titleOnly">
+<p:sldLayout xmlns:a="http://schemas.openxmlformats.org/drawingml/2006/main" xmlns:r="http://schemas.openxmlformats.org/officeDocument/2006/relationships" xmlns:p="http://schemas.openxmlformats.org/presentationml/2006/main" matchingName="Title only" type="titleOnly">
   <p:cSld name="TITLE_ONLY">
     <p:spTree>
       <p:nvGrpSpPr>
-        <p:cNvPr id="36" name="Shape 36"/>
+        <p:cNvPr id="1" name="Shape 36"/>
         <p:cNvGrpSpPr/>
         <p:nvPr/>
       </p:nvGrpSpPr>
@@ -4535,7 +4662,9 @@
       <p:sp>
         <p:nvSpPr>
           <p:cNvPr id="37" name="Google Shape;37;p6"/>
-          <p:cNvSpPr txBox="1"/>
+          <p:cNvSpPr txBox="1">
+            <a:spLocks noGrp="1"/>
+          </p:cNvSpPr>
           <p:nvPr>
             <p:ph type="title"/>
           </p:nvPr>
@@ -4550,7 +4679,7 @@
           </a:prstGeom>
         </p:spPr>
         <p:txBody>
-          <a:bodyPr anchorCtr="0" anchor="t" bIns="91425" lIns="91425" spcFirstLastPara="1" rIns="91425" wrap="square" tIns="91425">
+          <a:bodyPr spcFirstLastPara="1" wrap="square" lIns="91425" tIns="91425" rIns="91425" bIns="91425" anchor="t" anchorCtr="0">
             <a:noAutofit/>
           </a:bodyPr>
           <a:lstStyle>
@@ -4654,15 +4783,19 @@
               <a:defRPr/>
             </a:lvl9pPr>
           </a:lstStyle>
-          <a:p/>
+          <a:p>
+            <a:endParaRPr/>
+          </a:p>
         </p:txBody>
       </p:sp>
       <p:sp>
         <p:nvSpPr>
           <p:cNvPr id="38" name="Google Shape;38;p6"/>
-          <p:cNvSpPr txBox="1"/>
+          <p:cNvSpPr txBox="1">
+            <a:spLocks noGrp="1"/>
+          </p:cNvSpPr>
           <p:nvPr>
-            <p:ph idx="12" type="sldNum"/>
+            <p:ph type="sldNum" idx="12"/>
           </p:nvPr>
         </p:nvSpPr>
         <p:spPr>
@@ -4675,7 +4808,7 @@
           </a:prstGeom>
         </p:spPr>
         <p:txBody>
-          <a:bodyPr anchorCtr="0" anchor="ctr" bIns="91425" lIns="91425" spcFirstLastPara="1" rIns="91425" wrap="square" tIns="91425">
+          <a:bodyPr spcFirstLastPara="1" wrap="square" lIns="91425" tIns="91425" rIns="91425" bIns="91425" anchor="ctr" anchorCtr="0">
             <a:noAutofit/>
           </a:bodyPr>
           <a:lstStyle>
@@ -4717,7 +4850,7 @@
             </a:lvl9pPr>
           </a:lstStyle>
           <a:p>
-            <a:pPr indent="0" lvl="0" marL="0" rtl="0" algn="r">
+            <a:pPr marL="0" lvl="0" indent="0" algn="r" rtl="0">
               <a:spcBef>
                 <a:spcPts val="0"/>
               </a:spcBef>
@@ -4743,11 +4876,11 @@
 </file>
 
 <file path=ppt/slideLayouts/slideLayout6.xml><?xml version="1.0" encoding="utf-8"?>
-<p:sldLayout xmlns:a="http://schemas.openxmlformats.org/drawingml/2006/main" xmlns:r="http://schemas.openxmlformats.org/officeDocument/2006/relationships" xmlns:mc="http://schemas.openxmlformats.org/markup-compatibility/2006" xmlns:mv="urn:schemas-microsoft-com:mac:vml" xmlns:p="http://schemas.openxmlformats.org/presentationml/2006/main" xmlns:c="http://schemas.openxmlformats.org/drawingml/2006/chart" xmlns:dgm="http://schemas.openxmlformats.org/drawingml/2006/diagram" xmlns:o="urn:schemas-microsoft-com:office:office" xmlns:v="urn:schemas-microsoft-com:vml" xmlns:pvml="urn:schemas-microsoft-com:office:powerpoint" xmlns:com="http://schemas.openxmlformats.org/drawingml/2006/compatibility" xmlns:p14="http://schemas.microsoft.com/office/powerpoint/2010/main" xmlns:p15="http://schemas.microsoft.com/office/powerpoint/2012/main" xmlns:ahyp="http://schemas.microsoft.com/office/drawing/2018/hyperlinkcolor" matchingName="One column text">
+<p:sldLayout xmlns:a="http://schemas.openxmlformats.org/drawingml/2006/main" xmlns:r="http://schemas.openxmlformats.org/officeDocument/2006/relationships" xmlns:p="http://schemas.openxmlformats.org/presentationml/2006/main" matchingName="One column text">
   <p:cSld name="ONE_COLUMN_TEXT">
     <p:spTree>
       <p:nvGrpSpPr>
-        <p:cNvPr id="39" name="Shape 39"/>
+        <p:cNvPr id="1" name="Shape 39"/>
         <p:cNvGrpSpPr/>
         <p:nvPr/>
       </p:nvGrpSpPr>
@@ -4774,21 +4907,23 @@
             <a:avLst/>
           </a:prstGeom>
           <a:noFill/>
-          <a:ln cap="flat" cmpd="sng" w="19050">
+          <a:ln w="19050" cap="flat" cmpd="sng">
             <a:solidFill>
               <a:schemeClr val="dk2"/>
             </a:solidFill>
             <a:prstDash val="solid"/>
             <a:round/>
-            <a:headEnd len="sm" w="sm" type="none"/>
-            <a:tailEnd len="sm" w="sm" type="none"/>
+            <a:headEnd type="none" w="sm" len="sm"/>
+            <a:tailEnd type="none" w="sm" len="sm"/>
           </a:ln>
         </p:spPr>
       </p:cxnSp>
       <p:sp>
         <p:nvSpPr>
           <p:cNvPr id="41" name="Google Shape;41;p7"/>
-          <p:cNvSpPr txBox="1"/>
+          <p:cNvSpPr txBox="1">
+            <a:spLocks noGrp="1"/>
+          </p:cNvSpPr>
           <p:nvPr>
             <p:ph type="title"/>
           </p:nvPr>
@@ -4803,7 +4938,7 @@
           </a:prstGeom>
         </p:spPr>
         <p:txBody>
-          <a:bodyPr anchorCtr="0" anchor="b" bIns="91425" lIns="91425" spcFirstLastPara="1" rIns="91425" wrap="square" tIns="91425">
+          <a:bodyPr spcFirstLastPara="1" wrap="square" lIns="91425" tIns="91425" rIns="91425" bIns="91425" anchor="b" anchorCtr="0">
             <a:noAutofit/>
           </a:bodyPr>
           <a:lstStyle>
@@ -4907,15 +5042,19 @@
               <a:defRPr sz="2400"/>
             </a:lvl9pPr>
           </a:lstStyle>
-          <a:p/>
+          <a:p>
+            <a:endParaRPr/>
+          </a:p>
         </p:txBody>
       </p:sp>
       <p:sp>
         <p:nvSpPr>
           <p:cNvPr id="42" name="Google Shape;42;p7"/>
-          <p:cNvSpPr txBox="1"/>
+          <p:cNvSpPr txBox="1">
+            <a:spLocks noGrp="1"/>
+          </p:cNvSpPr>
           <p:nvPr>
-            <p:ph idx="1" type="body"/>
+            <p:ph type="body" idx="1"/>
           </p:nvPr>
         </p:nvSpPr>
         <p:spPr>
@@ -4928,11 +5067,11 @@
           </a:prstGeom>
         </p:spPr>
         <p:txBody>
-          <a:bodyPr anchorCtr="0" anchor="t" bIns="91425" lIns="91425" spcFirstLastPara="1" rIns="91425" wrap="square" tIns="91425">
+          <a:bodyPr spcFirstLastPara="1" wrap="square" lIns="91425" tIns="91425" rIns="91425" bIns="91425" anchor="t" anchorCtr="0">
             <a:noAutofit/>
           </a:bodyPr>
           <a:lstStyle>
-            <a:lvl1pPr indent="-304800" lvl="0" marL="457200" rtl="0">
+            <a:lvl1pPr marL="457200" lvl="0" indent="-304800" rtl="0">
               <a:spcBef>
                 <a:spcPts val="0"/>
               </a:spcBef>
@@ -4943,7 +5082,7 @@
               <a:buChar char="●"/>
               <a:defRPr sz="1200"/>
             </a:lvl1pPr>
-            <a:lvl2pPr indent="-304800" lvl="1" marL="914400" rtl="0">
+            <a:lvl2pPr marL="914400" lvl="1" indent="-304800" rtl="0">
               <a:spcBef>
                 <a:spcPts val="1600"/>
               </a:spcBef>
@@ -4954,7 +5093,7 @@
               <a:buChar char="○"/>
               <a:defRPr sz="1200"/>
             </a:lvl2pPr>
-            <a:lvl3pPr indent="-304800" lvl="2" marL="1371600" rtl="0">
+            <a:lvl3pPr marL="1371600" lvl="2" indent="-304800" rtl="0">
               <a:spcBef>
                 <a:spcPts val="1600"/>
               </a:spcBef>
@@ -4965,7 +5104,7 @@
               <a:buChar char="■"/>
               <a:defRPr sz="1200"/>
             </a:lvl3pPr>
-            <a:lvl4pPr indent="-304800" lvl="3" marL="1828800" rtl="0">
+            <a:lvl4pPr marL="1828800" lvl="3" indent="-304800" rtl="0">
               <a:spcBef>
                 <a:spcPts val="1600"/>
               </a:spcBef>
@@ -4976,7 +5115,7 @@
               <a:buChar char="●"/>
               <a:defRPr sz="1200"/>
             </a:lvl4pPr>
-            <a:lvl5pPr indent="-304800" lvl="4" marL="2286000" rtl="0">
+            <a:lvl5pPr marL="2286000" lvl="4" indent="-304800" rtl="0">
               <a:spcBef>
                 <a:spcPts val="1600"/>
               </a:spcBef>
@@ -4987,7 +5126,7 @@
               <a:buChar char="○"/>
               <a:defRPr sz="1200"/>
             </a:lvl5pPr>
-            <a:lvl6pPr indent="-304800" lvl="5" marL="2743200" rtl="0">
+            <a:lvl6pPr marL="2743200" lvl="5" indent="-304800" rtl="0">
               <a:spcBef>
                 <a:spcPts val="1600"/>
               </a:spcBef>
@@ -4998,7 +5137,7 @@
               <a:buChar char="■"/>
               <a:defRPr sz="1200"/>
             </a:lvl6pPr>
-            <a:lvl7pPr indent="-304800" lvl="6" marL="3200400" rtl="0">
+            <a:lvl7pPr marL="3200400" lvl="6" indent="-304800" rtl="0">
               <a:spcBef>
                 <a:spcPts val="1600"/>
               </a:spcBef>
@@ -5009,7 +5148,7 @@
               <a:buChar char="●"/>
               <a:defRPr sz="1200"/>
             </a:lvl7pPr>
-            <a:lvl8pPr indent="-304800" lvl="7" marL="3657600" rtl="0">
+            <a:lvl8pPr marL="3657600" lvl="7" indent="-304800" rtl="0">
               <a:spcBef>
                 <a:spcPts val="1600"/>
               </a:spcBef>
@@ -5020,7 +5159,7 @@
               <a:buChar char="○"/>
               <a:defRPr sz="1200"/>
             </a:lvl8pPr>
-            <a:lvl9pPr indent="-304800" lvl="8" marL="4114800" rtl="0">
+            <a:lvl9pPr marL="4114800" lvl="8" indent="-304800" rtl="0">
               <a:spcBef>
                 <a:spcPts val="1600"/>
               </a:spcBef>
@@ -5032,15 +5171,19 @@
               <a:defRPr sz="1200"/>
             </a:lvl9pPr>
           </a:lstStyle>
-          <a:p/>
+          <a:p>
+            <a:endParaRPr/>
+          </a:p>
         </p:txBody>
       </p:sp>
       <p:sp>
         <p:nvSpPr>
           <p:cNvPr id="43" name="Google Shape;43;p7"/>
-          <p:cNvSpPr txBox="1"/>
+          <p:cNvSpPr txBox="1">
+            <a:spLocks noGrp="1"/>
+          </p:cNvSpPr>
           <p:nvPr>
-            <p:ph idx="12" type="sldNum"/>
+            <p:ph type="sldNum" idx="12"/>
           </p:nvPr>
         </p:nvSpPr>
         <p:spPr>
@@ -5053,7 +5196,7 @@
           </a:prstGeom>
         </p:spPr>
         <p:txBody>
-          <a:bodyPr anchorCtr="0" anchor="ctr" bIns="91425" lIns="91425" spcFirstLastPara="1" rIns="91425" wrap="square" tIns="91425">
+          <a:bodyPr spcFirstLastPara="1" wrap="square" lIns="91425" tIns="91425" rIns="91425" bIns="91425" anchor="ctr" anchorCtr="0">
             <a:noAutofit/>
           </a:bodyPr>
           <a:lstStyle>
@@ -5095,7 +5238,7 @@
             </a:lvl9pPr>
           </a:lstStyle>
           <a:p>
-            <a:pPr indent="0" lvl="0" marL="0" rtl="0" algn="r">
+            <a:pPr marL="0" lvl="0" indent="0" algn="r" rtl="0">
               <a:spcBef>
                 <a:spcPts val="0"/>
               </a:spcBef>
@@ -5121,18 +5264,19 @@
 </file>
 
 <file path=ppt/slideLayouts/slideLayout7.xml><?xml version="1.0" encoding="utf-8"?>
-<p:sldLayout xmlns:a="http://schemas.openxmlformats.org/drawingml/2006/main" xmlns:r="http://schemas.openxmlformats.org/officeDocument/2006/relationships" xmlns:mc="http://schemas.openxmlformats.org/markup-compatibility/2006" xmlns:mv="urn:schemas-microsoft-com:mac:vml" xmlns:p="http://schemas.openxmlformats.org/presentationml/2006/main" xmlns:c="http://schemas.openxmlformats.org/drawingml/2006/chart" xmlns:dgm="http://schemas.openxmlformats.org/drawingml/2006/diagram" xmlns:o="urn:schemas-microsoft-com:office:office" xmlns:v="urn:schemas-microsoft-com:vml" xmlns:pvml="urn:schemas-microsoft-com:office:powerpoint" xmlns:com="http://schemas.openxmlformats.org/drawingml/2006/compatibility" xmlns:p14="http://schemas.microsoft.com/office/powerpoint/2010/main" xmlns:p15="http://schemas.microsoft.com/office/powerpoint/2012/main" xmlns:ahyp="http://schemas.microsoft.com/office/drawing/2018/hyperlinkcolor" matchingName="Main point">
+<p:sldLayout xmlns:a="http://schemas.openxmlformats.org/drawingml/2006/main" xmlns:r="http://schemas.openxmlformats.org/officeDocument/2006/relationships" xmlns:p="http://schemas.openxmlformats.org/presentationml/2006/main" matchingName="Main point">
   <p:cSld name="MAIN_POINT">
     <p:bg>
       <p:bgPr>
         <a:solidFill>
           <a:schemeClr val="lt2"/>
         </a:solidFill>
+        <a:effectLst/>
       </p:bgPr>
     </p:bg>
     <p:spTree>
       <p:nvGrpSpPr>
-        <p:cNvPr id="44" name="Shape 44"/>
+        <p:cNvPr id="1" name="Shape 44"/>
         <p:cNvGrpSpPr/>
         <p:nvPr/>
       </p:nvGrpSpPr>
@@ -5159,21 +5303,23 @@
             <a:avLst/>
           </a:prstGeom>
           <a:noFill/>
-          <a:ln cap="flat" cmpd="sng" w="19050">
+          <a:ln w="19050" cap="flat" cmpd="sng">
             <a:solidFill>
               <a:schemeClr val="lt1"/>
             </a:solidFill>
             <a:prstDash val="solid"/>
             <a:round/>
-            <a:headEnd len="sm" w="sm" type="none"/>
-            <a:tailEnd len="sm" w="sm" type="none"/>
+            <a:headEnd type="none" w="sm" len="sm"/>
+            <a:tailEnd type="none" w="sm" len="sm"/>
           </a:ln>
         </p:spPr>
       </p:cxnSp>
       <p:sp>
         <p:nvSpPr>
           <p:cNvPr id="46" name="Google Shape;46;p8"/>
-          <p:cNvSpPr txBox="1"/>
+          <p:cNvSpPr txBox="1">
+            <a:spLocks noGrp="1"/>
+          </p:cNvSpPr>
           <p:nvPr>
             <p:ph type="title"/>
           </p:nvPr>
@@ -5188,7 +5334,7 @@
           </a:prstGeom>
         </p:spPr>
         <p:txBody>
-          <a:bodyPr anchorCtr="0" anchor="ctr" bIns="91425" lIns="91425" spcFirstLastPara="1" rIns="91425" wrap="square" tIns="91425">
+          <a:bodyPr spcFirstLastPara="1" wrap="square" lIns="91425" tIns="91425" rIns="91425" bIns="91425" anchor="ctr" anchorCtr="0">
             <a:noAutofit/>
           </a:bodyPr>
           <a:lstStyle>
@@ -5355,15 +5501,19 @@
               </a:defRPr>
             </a:lvl9pPr>
           </a:lstStyle>
-          <a:p/>
+          <a:p>
+            <a:endParaRPr/>
+          </a:p>
         </p:txBody>
       </p:sp>
       <p:sp>
         <p:nvSpPr>
           <p:cNvPr id="47" name="Google Shape;47;p8"/>
-          <p:cNvSpPr txBox="1"/>
+          <p:cNvSpPr txBox="1">
+            <a:spLocks noGrp="1"/>
+          </p:cNvSpPr>
           <p:nvPr>
-            <p:ph idx="12" type="sldNum"/>
+            <p:ph type="sldNum" idx="12"/>
           </p:nvPr>
         </p:nvSpPr>
         <p:spPr>
@@ -5376,7 +5526,7 @@
           </a:prstGeom>
         </p:spPr>
         <p:txBody>
-          <a:bodyPr anchorCtr="0" anchor="ctr" bIns="91425" lIns="91425" spcFirstLastPara="1" rIns="91425" wrap="square" tIns="91425">
+          <a:bodyPr spcFirstLastPara="1" wrap="square" lIns="91425" tIns="91425" rIns="91425" bIns="91425" anchor="ctr" anchorCtr="0">
             <a:noAutofit/>
           </a:bodyPr>
           <a:lstStyle>
@@ -5454,7 +5604,7 @@
             </a:lvl9pPr>
           </a:lstStyle>
           <a:p>
-            <a:pPr indent="0" lvl="0" marL="0" rtl="0" algn="r">
+            <a:pPr marL="0" lvl="0" indent="0" algn="r" rtl="0">
               <a:spcBef>
                 <a:spcPts val="0"/>
               </a:spcBef>
@@ -5480,11 +5630,11 @@
 </file>
 
 <file path=ppt/slideLayouts/slideLayout8.xml><?xml version="1.0" encoding="utf-8"?>
-<p:sldLayout xmlns:a="http://schemas.openxmlformats.org/drawingml/2006/main" xmlns:r="http://schemas.openxmlformats.org/officeDocument/2006/relationships" xmlns:mc="http://schemas.openxmlformats.org/markup-compatibility/2006" xmlns:mv="urn:schemas-microsoft-com:mac:vml" xmlns:p="http://schemas.openxmlformats.org/presentationml/2006/main" xmlns:c="http://schemas.openxmlformats.org/drawingml/2006/chart" xmlns:dgm="http://schemas.openxmlformats.org/drawingml/2006/diagram" xmlns:o="urn:schemas-microsoft-com:office:office" xmlns:v="urn:schemas-microsoft-com:vml" xmlns:pvml="urn:schemas-microsoft-com:office:powerpoint" xmlns:com="http://schemas.openxmlformats.org/drawingml/2006/compatibility" xmlns:p14="http://schemas.microsoft.com/office/powerpoint/2010/main" xmlns:p15="http://schemas.microsoft.com/office/powerpoint/2012/main" xmlns:ahyp="http://schemas.microsoft.com/office/drawing/2018/hyperlinkcolor" matchingName="Section title and description">
+<p:sldLayout xmlns:a="http://schemas.openxmlformats.org/drawingml/2006/main" xmlns:r="http://schemas.openxmlformats.org/officeDocument/2006/relationships" xmlns:p="http://schemas.openxmlformats.org/presentationml/2006/main" matchingName="Section title and description">
   <p:cSld name="SECTION_TITLE_AND_DESCRIPTION">
     <p:spTree>
       <p:nvGrpSpPr>
-        <p:cNvPr id="48" name="Shape 48"/>
+        <p:cNvPr id="1" name="Shape 48"/>
         <p:cNvGrpSpPr/>
         <p:nvPr/>
       </p:nvGrpSpPr>
@@ -5518,12 +5668,12 @@
           </a:ln>
         </p:spPr>
         <p:txBody>
-          <a:bodyPr anchorCtr="0" anchor="ctr" bIns="91425" lIns="91425" spcFirstLastPara="1" rIns="91425" wrap="square" tIns="91425">
+          <a:bodyPr spcFirstLastPara="1" wrap="square" lIns="91425" tIns="91425" rIns="91425" bIns="91425" anchor="ctr" anchorCtr="0">
             <a:noAutofit/>
           </a:bodyPr>
           <a:lstStyle/>
           <a:p>
-            <a:pPr indent="0" lvl="0" marL="0" rtl="0" algn="l">
+            <a:pPr marL="0" lvl="0" indent="0" algn="l" rtl="0">
               <a:spcBef>
                 <a:spcPts val="0"/>
               </a:spcBef>
@@ -5532,9 +5682,6 @@
               </a:spcAft>
               <a:buNone/>
             </a:pPr>
-            <a:r>
-              <a:t/>
-            </a:r>
             <a:endParaRPr/>
           </a:p>
         </p:txBody>
@@ -5554,21 +5701,23 @@
             <a:avLst/>
           </a:prstGeom>
           <a:noFill/>
-          <a:ln cap="flat" cmpd="sng" w="19050">
+          <a:ln w="19050" cap="flat" cmpd="sng">
             <a:solidFill>
               <a:schemeClr val="lt1"/>
             </a:solidFill>
             <a:prstDash val="solid"/>
             <a:round/>
-            <a:headEnd len="sm" w="sm" type="none"/>
-            <a:tailEnd len="sm" w="sm" type="none"/>
+            <a:headEnd type="none" w="sm" len="sm"/>
+            <a:tailEnd type="none" w="sm" len="sm"/>
           </a:ln>
         </p:spPr>
       </p:cxnSp>
       <p:sp>
         <p:nvSpPr>
           <p:cNvPr id="51" name="Google Shape;51;p9"/>
-          <p:cNvSpPr txBox="1"/>
+          <p:cNvSpPr txBox="1">
+            <a:spLocks noGrp="1"/>
+          </p:cNvSpPr>
           <p:nvPr>
             <p:ph type="title"/>
           </p:nvPr>
@@ -5583,11 +5732,11 @@
           </a:prstGeom>
         </p:spPr>
         <p:txBody>
-          <a:bodyPr anchorCtr="0" anchor="b" bIns="91425" lIns="91425" spcFirstLastPara="1" rIns="91425" wrap="square" tIns="91425">
+          <a:bodyPr spcFirstLastPara="1" wrap="square" lIns="91425" tIns="91425" rIns="91425" bIns="91425" anchor="b" anchorCtr="0">
             <a:noAutofit/>
           </a:bodyPr>
           <a:lstStyle>
-            <a:lvl1pPr lvl="0" rtl="0" algn="ctr">
+            <a:lvl1pPr lvl="0" algn="ctr" rtl="0">
               <a:spcBef>
                 <a:spcPts val="0"/>
               </a:spcBef>
@@ -5605,7 +5754,7 @@
                 </a:solidFill>
               </a:defRPr>
             </a:lvl1pPr>
-            <a:lvl2pPr lvl="1" rtl="0" algn="ctr">
+            <a:lvl2pPr lvl="1" algn="ctr" rtl="0">
               <a:spcBef>
                 <a:spcPts val="0"/>
               </a:spcBef>
@@ -5623,7 +5772,7 @@
                 </a:solidFill>
               </a:defRPr>
             </a:lvl2pPr>
-            <a:lvl3pPr lvl="2" rtl="0" algn="ctr">
+            <a:lvl3pPr lvl="2" algn="ctr" rtl="0">
               <a:spcBef>
                 <a:spcPts val="0"/>
               </a:spcBef>
@@ -5641,7 +5790,7 @@
                 </a:solidFill>
               </a:defRPr>
             </a:lvl3pPr>
-            <a:lvl4pPr lvl="3" rtl="0" algn="ctr">
+            <a:lvl4pPr lvl="3" algn="ctr" rtl="0">
               <a:spcBef>
                 <a:spcPts val="0"/>
               </a:spcBef>
@@ -5659,7 +5808,7 @@
                 </a:solidFill>
               </a:defRPr>
             </a:lvl4pPr>
-            <a:lvl5pPr lvl="4" rtl="0" algn="ctr">
+            <a:lvl5pPr lvl="4" algn="ctr" rtl="0">
               <a:spcBef>
                 <a:spcPts val="0"/>
               </a:spcBef>
@@ -5677,7 +5826,7 @@
                 </a:solidFill>
               </a:defRPr>
             </a:lvl5pPr>
-            <a:lvl6pPr lvl="5" rtl="0" algn="ctr">
+            <a:lvl6pPr lvl="5" algn="ctr" rtl="0">
               <a:spcBef>
                 <a:spcPts val="0"/>
               </a:spcBef>
@@ -5695,7 +5844,7 @@
                 </a:solidFill>
               </a:defRPr>
             </a:lvl6pPr>
-            <a:lvl7pPr lvl="6" rtl="0" algn="ctr">
+            <a:lvl7pPr lvl="6" algn="ctr" rtl="0">
               <a:spcBef>
                 <a:spcPts val="0"/>
               </a:spcBef>
@@ -5713,7 +5862,7 @@
                 </a:solidFill>
               </a:defRPr>
             </a:lvl7pPr>
-            <a:lvl8pPr lvl="7" rtl="0" algn="ctr">
+            <a:lvl8pPr lvl="7" algn="ctr" rtl="0">
               <a:spcBef>
                 <a:spcPts val="0"/>
               </a:spcBef>
@@ -5731,7 +5880,7 @@
                 </a:solidFill>
               </a:defRPr>
             </a:lvl8pPr>
-            <a:lvl9pPr lvl="8" rtl="0" algn="ctr">
+            <a:lvl9pPr lvl="8" algn="ctr" rtl="0">
               <a:spcBef>
                 <a:spcPts val="0"/>
               </a:spcBef>
@@ -5750,15 +5899,19 @@
               </a:defRPr>
             </a:lvl9pPr>
           </a:lstStyle>
-          <a:p/>
+          <a:p>
+            <a:endParaRPr/>
+          </a:p>
         </p:txBody>
       </p:sp>
       <p:sp>
         <p:nvSpPr>
           <p:cNvPr id="52" name="Google Shape;52;p9"/>
-          <p:cNvSpPr txBox="1"/>
+          <p:cNvSpPr txBox="1">
+            <a:spLocks noGrp="1"/>
+          </p:cNvSpPr>
           <p:nvPr>
-            <p:ph idx="1" type="subTitle"/>
+            <p:ph type="subTitle" idx="1"/>
           </p:nvPr>
         </p:nvSpPr>
         <p:spPr>
@@ -5771,11 +5924,11 @@
           </a:prstGeom>
         </p:spPr>
         <p:txBody>
-          <a:bodyPr anchorCtr="0" anchor="t" bIns="91425" lIns="91425" spcFirstLastPara="1" rIns="91425" wrap="square" tIns="91425">
+          <a:bodyPr spcFirstLastPara="1" wrap="square" lIns="91425" tIns="91425" rIns="91425" bIns="91425" anchor="t" anchorCtr="0">
             <a:noAutofit/>
           </a:bodyPr>
           <a:lstStyle>
-            <a:lvl1pPr lvl="0" rtl="0" algn="ctr">
+            <a:lvl1pPr lvl="0" algn="ctr" rtl="0">
               <a:lnSpc>
                 <a:spcPct val="100000"/>
               </a:lnSpc>
@@ -5789,7 +5942,7 @@
               <a:buNone/>
               <a:defRPr sz="2100"/>
             </a:lvl1pPr>
-            <a:lvl2pPr lvl="1" rtl="0" algn="ctr">
+            <a:lvl2pPr lvl="1" algn="ctr" rtl="0">
               <a:lnSpc>
                 <a:spcPct val="100000"/>
               </a:lnSpc>
@@ -5803,7 +5956,7 @@
               <a:buNone/>
               <a:defRPr sz="2100"/>
             </a:lvl2pPr>
-            <a:lvl3pPr lvl="2" rtl="0" algn="ctr">
+            <a:lvl3pPr lvl="2" algn="ctr" rtl="0">
               <a:lnSpc>
                 <a:spcPct val="100000"/>
               </a:lnSpc>
@@ -5817,7 +5970,7 @@
               <a:buNone/>
               <a:defRPr sz="2100"/>
             </a:lvl3pPr>
-            <a:lvl4pPr lvl="3" rtl="0" algn="ctr">
+            <a:lvl4pPr lvl="3" algn="ctr" rtl="0">
               <a:lnSpc>
                 <a:spcPct val="100000"/>
               </a:lnSpc>
@@ -5831,7 +5984,7 @@
               <a:buNone/>
               <a:defRPr sz="2100"/>
             </a:lvl4pPr>
-            <a:lvl5pPr lvl="4" rtl="0" algn="ctr">
+            <a:lvl5pPr lvl="4" algn="ctr" rtl="0">
               <a:lnSpc>
                 <a:spcPct val="100000"/>
               </a:lnSpc>
@@ -5845,7 +5998,7 @@
               <a:buNone/>
               <a:defRPr sz="2100"/>
             </a:lvl5pPr>
-            <a:lvl6pPr lvl="5" rtl="0" algn="ctr">
+            <a:lvl6pPr lvl="5" algn="ctr" rtl="0">
               <a:lnSpc>
                 <a:spcPct val="100000"/>
               </a:lnSpc>
@@ -5859,7 +6012,7 @@
               <a:buNone/>
               <a:defRPr sz="2100"/>
             </a:lvl6pPr>
-            <a:lvl7pPr lvl="6" rtl="0" algn="ctr">
+            <a:lvl7pPr lvl="6" algn="ctr" rtl="0">
               <a:lnSpc>
                 <a:spcPct val="100000"/>
               </a:lnSpc>
@@ -5873,7 +6026,7 @@
               <a:buNone/>
               <a:defRPr sz="2100"/>
             </a:lvl7pPr>
-            <a:lvl8pPr lvl="7" rtl="0" algn="ctr">
+            <a:lvl8pPr lvl="7" algn="ctr" rtl="0">
               <a:lnSpc>
                 <a:spcPct val="100000"/>
               </a:lnSpc>
@@ -5887,7 +6040,7 @@
               <a:buNone/>
               <a:defRPr sz="2100"/>
             </a:lvl8pPr>
-            <a:lvl9pPr lvl="8" rtl="0" algn="ctr">
+            <a:lvl9pPr lvl="8" algn="ctr" rtl="0">
               <a:lnSpc>
                 <a:spcPct val="100000"/>
               </a:lnSpc>
@@ -5902,15 +6055,19 @@
               <a:defRPr sz="2100"/>
             </a:lvl9pPr>
           </a:lstStyle>
-          <a:p/>
+          <a:p>
+            <a:endParaRPr/>
+          </a:p>
         </p:txBody>
       </p:sp>
       <p:sp>
         <p:nvSpPr>
           <p:cNvPr id="53" name="Google Shape;53;p9"/>
-          <p:cNvSpPr txBox="1"/>
+          <p:cNvSpPr txBox="1">
+            <a:spLocks noGrp="1"/>
+          </p:cNvSpPr>
           <p:nvPr>
-            <p:ph idx="2" type="body"/>
+            <p:ph type="body" idx="2"/>
           </p:nvPr>
         </p:nvSpPr>
         <p:spPr>
@@ -5923,11 +6080,11 @@
           </a:prstGeom>
         </p:spPr>
         <p:txBody>
-          <a:bodyPr anchorCtr="0" anchor="ctr" bIns="91425" lIns="91425" spcFirstLastPara="1" rIns="91425" wrap="square" tIns="91425">
+          <a:bodyPr spcFirstLastPara="1" wrap="square" lIns="91425" tIns="91425" rIns="91425" bIns="91425" anchor="ctr" anchorCtr="0">
             <a:noAutofit/>
           </a:bodyPr>
           <a:lstStyle>
-            <a:lvl1pPr indent="-342900" lvl="0" marL="457200" rtl="0">
+            <a:lvl1pPr marL="457200" lvl="0" indent="-342900" rtl="0">
               <a:spcBef>
                 <a:spcPts val="0"/>
               </a:spcBef>
@@ -5945,7 +6102,7 @@
                 </a:solidFill>
               </a:defRPr>
             </a:lvl1pPr>
-            <a:lvl2pPr indent="-317500" lvl="1" marL="914400" rtl="0">
+            <a:lvl2pPr marL="914400" lvl="1" indent="-317500" rtl="0">
               <a:spcBef>
                 <a:spcPts val="1600"/>
               </a:spcBef>
@@ -5963,7 +6120,7 @@
                 </a:solidFill>
               </a:defRPr>
             </a:lvl2pPr>
-            <a:lvl3pPr indent="-317500" lvl="2" marL="1371600" rtl="0">
+            <a:lvl3pPr marL="1371600" lvl="2" indent="-317500" rtl="0">
               <a:spcBef>
                 <a:spcPts val="1600"/>
               </a:spcBef>
@@ -5981,7 +6138,7 @@
                 </a:solidFill>
               </a:defRPr>
             </a:lvl3pPr>
-            <a:lvl4pPr indent="-317500" lvl="3" marL="1828800" rtl="0">
+            <a:lvl4pPr marL="1828800" lvl="3" indent="-317500" rtl="0">
               <a:spcBef>
                 <a:spcPts val="1600"/>
               </a:spcBef>
@@ -5999,7 +6156,7 @@
                 </a:solidFill>
               </a:defRPr>
             </a:lvl4pPr>
-            <a:lvl5pPr indent="-317500" lvl="4" marL="2286000" rtl="0">
+            <a:lvl5pPr marL="2286000" lvl="4" indent="-317500" rtl="0">
               <a:spcBef>
                 <a:spcPts val="1600"/>
               </a:spcBef>
@@ -6017,7 +6174,7 @@
                 </a:solidFill>
               </a:defRPr>
             </a:lvl5pPr>
-            <a:lvl6pPr indent="-317500" lvl="5" marL="2743200" rtl="0">
+            <a:lvl6pPr marL="2743200" lvl="5" indent="-317500" rtl="0">
               <a:spcBef>
                 <a:spcPts val="1600"/>
               </a:spcBef>
@@ -6035,7 +6192,7 @@
                 </a:solidFill>
               </a:defRPr>
             </a:lvl6pPr>
-            <a:lvl7pPr indent="-317500" lvl="6" marL="3200400" rtl="0">
+            <a:lvl7pPr marL="3200400" lvl="6" indent="-317500" rtl="0">
               <a:spcBef>
                 <a:spcPts val="1600"/>
               </a:spcBef>
@@ -6053,7 +6210,7 @@
                 </a:solidFill>
               </a:defRPr>
             </a:lvl7pPr>
-            <a:lvl8pPr indent="-317500" lvl="7" marL="3657600" rtl="0">
+            <a:lvl8pPr marL="3657600" lvl="7" indent="-317500" rtl="0">
               <a:spcBef>
                 <a:spcPts val="1600"/>
               </a:spcBef>
@@ -6071,7 +6228,7 @@
                 </a:solidFill>
               </a:defRPr>
             </a:lvl8pPr>
-            <a:lvl9pPr indent="-317500" lvl="8" marL="4114800" rtl="0">
+            <a:lvl9pPr marL="4114800" lvl="8" indent="-317500" rtl="0">
               <a:spcBef>
                 <a:spcPts val="1600"/>
               </a:spcBef>
@@ -6090,15 +6247,19 @@
               </a:defRPr>
             </a:lvl9pPr>
           </a:lstStyle>
-          <a:p/>
+          <a:p>
+            <a:endParaRPr/>
+          </a:p>
         </p:txBody>
       </p:sp>
       <p:sp>
         <p:nvSpPr>
           <p:cNvPr id="54" name="Google Shape;54;p9"/>
-          <p:cNvSpPr txBox="1"/>
+          <p:cNvSpPr txBox="1">
+            <a:spLocks noGrp="1"/>
+          </p:cNvSpPr>
           <p:nvPr>
-            <p:ph idx="12" type="sldNum"/>
+            <p:ph type="sldNum" idx="12"/>
           </p:nvPr>
         </p:nvSpPr>
         <p:spPr>
@@ -6111,7 +6272,7 @@
           </a:prstGeom>
         </p:spPr>
         <p:txBody>
-          <a:bodyPr anchorCtr="0" anchor="ctr" bIns="91425" lIns="91425" spcFirstLastPara="1" rIns="91425" wrap="square" tIns="91425">
+          <a:bodyPr spcFirstLastPara="1" wrap="square" lIns="91425" tIns="91425" rIns="91425" bIns="91425" anchor="ctr" anchorCtr="0">
             <a:noAutofit/>
           </a:bodyPr>
           <a:lstStyle>
@@ -6189,7 +6350,7 @@
             </a:lvl9pPr>
           </a:lstStyle>
           <a:p>
-            <a:pPr indent="0" lvl="0" marL="0" rtl="0" algn="r">
+            <a:pPr marL="0" lvl="0" indent="0" algn="r" rtl="0">
               <a:spcBef>
                 <a:spcPts val="0"/>
               </a:spcBef>
@@ -6215,11 +6376,11 @@
 </file>
 
 <file path=ppt/slideLayouts/slideLayout9.xml><?xml version="1.0" encoding="utf-8"?>
-<p:sldLayout xmlns:a="http://schemas.openxmlformats.org/drawingml/2006/main" xmlns:r="http://schemas.openxmlformats.org/officeDocument/2006/relationships" xmlns:mc="http://schemas.openxmlformats.org/markup-compatibility/2006" xmlns:mv="urn:schemas-microsoft-com:mac:vml" xmlns:p="http://schemas.openxmlformats.org/presentationml/2006/main" xmlns:c="http://schemas.openxmlformats.org/drawingml/2006/chart" xmlns:dgm="http://schemas.openxmlformats.org/drawingml/2006/diagram" xmlns:o="urn:schemas-microsoft-com:office:office" xmlns:v="urn:schemas-microsoft-com:vml" xmlns:pvml="urn:schemas-microsoft-com:office:powerpoint" xmlns:com="http://schemas.openxmlformats.org/drawingml/2006/compatibility" xmlns:p14="http://schemas.microsoft.com/office/powerpoint/2010/main" xmlns:p15="http://schemas.microsoft.com/office/powerpoint/2012/main" xmlns:ahyp="http://schemas.microsoft.com/office/drawing/2018/hyperlinkcolor" matchingName="Caption">
+<p:sldLayout xmlns:a="http://schemas.openxmlformats.org/drawingml/2006/main" xmlns:r="http://schemas.openxmlformats.org/officeDocument/2006/relationships" xmlns:p="http://schemas.openxmlformats.org/presentationml/2006/main" matchingName="Caption">
   <p:cSld name="CAPTION_ONLY">
     <p:spTree>
       <p:nvGrpSpPr>
-        <p:cNvPr id="55" name="Shape 55"/>
+        <p:cNvPr id="1" name="Shape 55"/>
         <p:cNvGrpSpPr/>
         <p:nvPr/>
       </p:nvGrpSpPr>
@@ -6246,14 +6407,14 @@
             <a:avLst/>
           </a:prstGeom>
           <a:noFill/>
-          <a:ln cap="flat" cmpd="sng" w="19050">
+          <a:ln w="19050" cap="flat" cmpd="sng">
             <a:solidFill>
               <a:schemeClr val="dk2"/>
             </a:solidFill>
             <a:prstDash val="solid"/>
             <a:round/>
-            <a:headEnd len="sm" w="sm" type="none"/>
-            <a:tailEnd len="sm" w="sm" type="none"/>
+            <a:headEnd type="none" w="sm" len="sm"/>
+            <a:tailEnd type="none" w="sm" len="sm"/>
           </a:ln>
         </p:spPr>
       </p:cxnSp>
@@ -6272,23 +6433,25 @@
             <a:avLst/>
           </a:prstGeom>
           <a:noFill/>
-          <a:ln cap="flat" cmpd="sng" w="19050">
+          <a:ln w="19050" cap="flat" cmpd="sng">
             <a:solidFill>
               <a:schemeClr val="dk2"/>
             </a:solidFill>
             <a:prstDash val="solid"/>
             <a:round/>
-            <a:headEnd len="sm" w="sm" type="none"/>
-            <a:tailEnd len="sm" w="sm" type="none"/>
+            <a:headEnd type="none" w="sm" len="sm"/>
+            <a:tailEnd type="none" w="sm" len="sm"/>
           </a:ln>
         </p:spPr>
       </p:cxnSp>
       <p:sp>
         <p:nvSpPr>
           <p:cNvPr id="58" name="Google Shape;58;p10"/>
-          <p:cNvSpPr txBox="1"/>
+          <p:cNvSpPr txBox="1">
+            <a:spLocks noGrp="1"/>
+          </p:cNvSpPr>
           <p:nvPr>
-            <p:ph idx="1" type="body"/>
+            <p:ph type="body" idx="1"/>
           </p:nvPr>
         </p:nvSpPr>
         <p:spPr>
@@ -6301,11 +6464,11 @@
           </a:prstGeom>
         </p:spPr>
         <p:txBody>
-          <a:bodyPr anchorCtr="0" anchor="ctr" bIns="91425" lIns="91425" spcFirstLastPara="1" rIns="91425" wrap="square" tIns="91425">
+          <a:bodyPr spcFirstLastPara="1" wrap="square" lIns="91425" tIns="91425" rIns="91425" bIns="91425" anchor="ctr" anchorCtr="0">
             <a:noAutofit/>
           </a:bodyPr>
           <a:lstStyle>
-            <a:lvl1pPr indent="-228600" lvl="0" marL="457200" rtl="0">
+            <a:lvl1pPr marL="457200" lvl="0" indent="-228600" rtl="0">
               <a:lnSpc>
                 <a:spcPct val="100000"/>
               </a:lnSpc>
@@ -6320,15 +6483,19 @@
               <a:defRPr/>
             </a:lvl1pPr>
           </a:lstStyle>
-          <a:p/>
+          <a:p>
+            <a:endParaRPr/>
+          </a:p>
         </p:txBody>
       </p:sp>
       <p:sp>
         <p:nvSpPr>
           <p:cNvPr id="59" name="Google Shape;59;p10"/>
-          <p:cNvSpPr txBox="1"/>
+          <p:cNvSpPr txBox="1">
+            <a:spLocks noGrp="1"/>
+          </p:cNvSpPr>
           <p:nvPr>
-            <p:ph idx="12" type="sldNum"/>
+            <p:ph type="sldNum" idx="12"/>
           </p:nvPr>
         </p:nvSpPr>
         <p:spPr>
@@ -6341,7 +6508,7 @@
           </a:prstGeom>
         </p:spPr>
         <p:txBody>
-          <a:bodyPr anchorCtr="0" anchor="ctr" bIns="91425" lIns="91425" spcFirstLastPara="1" rIns="91425" wrap="square" tIns="91425">
+          <a:bodyPr spcFirstLastPara="1" wrap="square" lIns="91425" tIns="91425" rIns="91425" bIns="91425" anchor="ctr" anchorCtr="0">
             <a:noAutofit/>
           </a:bodyPr>
           <a:lstStyle>
@@ -6383,7 +6550,7 @@
             </a:lvl9pPr>
           </a:lstStyle>
           <a:p>
-            <a:pPr indent="0" lvl="0" marL="0" rtl="0" algn="r">
+            <a:pPr marL="0" lvl="0" indent="0" algn="r" rtl="0">
               <a:spcBef>
                 <a:spcPts val="0"/>
               </a:spcBef>
@@ -6409,18 +6576,19 @@
 </file>
 
 <file path=ppt/slideMasters/slideMaster1.xml><?xml version="1.0" encoding="utf-8"?>
-<p:sldMaster xmlns:a="http://schemas.openxmlformats.org/drawingml/2006/main" xmlns:r="http://schemas.openxmlformats.org/officeDocument/2006/relationships" xmlns:mc="http://schemas.openxmlformats.org/markup-compatibility/2006" xmlns:mv="urn:schemas-microsoft-com:mac:vml" xmlns:p="http://schemas.openxmlformats.org/presentationml/2006/main" xmlns:c="http://schemas.openxmlformats.org/drawingml/2006/chart" xmlns:dgm="http://schemas.openxmlformats.org/drawingml/2006/diagram" xmlns:o="urn:schemas-microsoft-com:office:office" xmlns:v="urn:schemas-microsoft-com:vml" xmlns:pvml="urn:schemas-microsoft-com:office:powerpoint" xmlns:com="http://schemas.openxmlformats.org/drawingml/2006/compatibility" xmlns:p14="http://schemas.microsoft.com/office/powerpoint/2010/main" xmlns:p15="http://schemas.microsoft.com/office/powerpoint/2012/main" xmlns:ahyp="http://schemas.microsoft.com/office/drawing/2018/hyperlinkcolor">
+<p:sldMaster xmlns:a="http://schemas.openxmlformats.org/drawingml/2006/main" xmlns:r="http://schemas.openxmlformats.org/officeDocument/2006/relationships" xmlns:p="http://schemas.openxmlformats.org/presentationml/2006/main">
   <p:cSld name="swiss-2">
     <p:bg>
       <p:bgPr>
         <a:solidFill>
           <a:schemeClr val="lt1"/>
         </a:solidFill>
+        <a:effectLst/>
       </p:bgPr>
     </p:bg>
     <p:spTree>
       <p:nvGrpSpPr>
-        <p:cNvPr id="5" name="Shape 5"/>
+        <p:cNvPr id="1" name="Shape 5"/>
         <p:cNvGrpSpPr/>
         <p:nvPr/>
       </p:nvGrpSpPr>
@@ -6435,7 +6603,9 @@
       <p:sp>
         <p:nvSpPr>
           <p:cNvPr id="6" name="Google Shape;6;p1"/>
-          <p:cNvSpPr txBox="1"/>
+          <p:cNvSpPr txBox="1">
+            <a:spLocks noGrp="1"/>
+          </p:cNvSpPr>
           <p:nvPr>
             <p:ph type="title"/>
           </p:nvPr>
@@ -6454,7 +6624,7 @@
           </a:ln>
         </p:spPr>
         <p:txBody>
-          <a:bodyPr anchorCtr="0" anchor="t" bIns="91425" lIns="91425" spcFirstLastPara="1" rIns="91425" wrap="square" tIns="91425">
+          <a:bodyPr spcFirstLastPara="1" wrap="square" lIns="91425" tIns="91425" rIns="91425" bIns="91425" anchor="t" anchorCtr="0">
             <a:noAutofit/>
           </a:bodyPr>
           <a:lstStyle>
@@ -6471,7 +6641,7 @@
               <a:buSzPts val="3000"/>
               <a:buFont typeface="Raleway"/>
               <a:buNone/>
-              <a:defRPr b="1" sz="3000">
+              <a:defRPr sz="3000" b="1">
                 <a:solidFill>
                   <a:schemeClr val="dk2"/>
                 </a:solidFill>
@@ -6494,7 +6664,7 @@
               <a:buSzPts val="3000"/>
               <a:buFont typeface="Raleway"/>
               <a:buNone/>
-              <a:defRPr b="1" sz="3000">
+              <a:defRPr sz="3000" b="1">
                 <a:solidFill>
                   <a:schemeClr val="dk2"/>
                 </a:solidFill>
@@ -6517,7 +6687,7 @@
               <a:buSzPts val="3000"/>
               <a:buFont typeface="Raleway"/>
               <a:buNone/>
-              <a:defRPr b="1" sz="3000">
+              <a:defRPr sz="3000" b="1">
                 <a:solidFill>
                   <a:schemeClr val="dk2"/>
                 </a:solidFill>
@@ -6540,7 +6710,7 @@
               <a:buSzPts val="3000"/>
               <a:buFont typeface="Raleway"/>
               <a:buNone/>
-              <a:defRPr b="1" sz="3000">
+              <a:defRPr sz="3000" b="1">
                 <a:solidFill>
                   <a:schemeClr val="dk2"/>
                 </a:solidFill>
@@ -6563,7 +6733,7 @@
               <a:buSzPts val="3000"/>
               <a:buFont typeface="Raleway"/>
               <a:buNone/>
-              <a:defRPr b="1" sz="3000">
+              <a:defRPr sz="3000" b="1">
                 <a:solidFill>
                   <a:schemeClr val="dk2"/>
                 </a:solidFill>
@@ -6586,7 +6756,7 @@
               <a:buSzPts val="3000"/>
               <a:buFont typeface="Raleway"/>
               <a:buNone/>
-              <a:defRPr b="1" sz="3000">
+              <a:defRPr sz="3000" b="1">
                 <a:solidFill>
                   <a:schemeClr val="dk2"/>
                 </a:solidFill>
@@ -6609,7 +6779,7 @@
               <a:buSzPts val="3000"/>
               <a:buFont typeface="Raleway"/>
               <a:buNone/>
-              <a:defRPr b="1" sz="3000">
+              <a:defRPr sz="3000" b="1">
                 <a:solidFill>
                   <a:schemeClr val="dk2"/>
                 </a:solidFill>
@@ -6632,7 +6802,7 @@
               <a:buSzPts val="3000"/>
               <a:buFont typeface="Raleway"/>
               <a:buNone/>
-              <a:defRPr b="1" sz="3000">
+              <a:defRPr sz="3000" b="1">
                 <a:solidFill>
                   <a:schemeClr val="dk2"/>
                 </a:solidFill>
@@ -6655,7 +6825,7 @@
               <a:buSzPts val="3000"/>
               <a:buFont typeface="Raleway"/>
               <a:buNone/>
-              <a:defRPr b="1" sz="3000">
+              <a:defRPr sz="3000" b="1">
                 <a:solidFill>
                   <a:schemeClr val="dk2"/>
                 </a:solidFill>
@@ -6666,15 +6836,19 @@
               </a:defRPr>
             </a:lvl9pPr>
           </a:lstStyle>
-          <a:p/>
+          <a:p>
+            <a:endParaRPr/>
+          </a:p>
         </p:txBody>
       </p:sp>
       <p:sp>
         <p:nvSpPr>
           <p:cNvPr id="7" name="Google Shape;7;p1"/>
-          <p:cNvSpPr txBox="1"/>
+          <p:cNvSpPr txBox="1">
+            <a:spLocks noGrp="1"/>
+          </p:cNvSpPr>
           <p:nvPr>
-            <p:ph idx="1" type="body"/>
+            <p:ph type="body" idx="1"/>
           </p:nvPr>
         </p:nvSpPr>
         <p:spPr>
@@ -6691,11 +6865,11 @@
           </a:ln>
         </p:spPr>
         <p:txBody>
-          <a:bodyPr anchorCtr="0" anchor="t" bIns="91425" lIns="91425" spcFirstLastPara="1" rIns="91425" wrap="square" tIns="91425">
+          <a:bodyPr spcFirstLastPara="1" wrap="square" lIns="91425" tIns="91425" rIns="91425" bIns="91425" anchor="t" anchorCtr="0">
             <a:noAutofit/>
           </a:bodyPr>
           <a:lstStyle>
-            <a:lvl1pPr indent="-342900" lvl="0" marL="457200" rtl="0">
+            <a:lvl1pPr marL="457200" lvl="0" indent="-342900" rtl="0">
               <a:lnSpc>
                 <a:spcPct val="115000"/>
               </a:lnSpc>
@@ -6721,7 +6895,7 @@
                 <a:sym typeface="Lato"/>
               </a:defRPr>
             </a:lvl1pPr>
-            <a:lvl2pPr indent="-317500" lvl="1" marL="914400" rtl="0">
+            <a:lvl2pPr marL="914400" lvl="1" indent="-317500" rtl="0">
               <a:lnSpc>
                 <a:spcPct val="115000"/>
               </a:lnSpc>
@@ -6747,7 +6921,7 @@
                 <a:sym typeface="Lato"/>
               </a:defRPr>
             </a:lvl2pPr>
-            <a:lvl3pPr indent="-317500" lvl="2" marL="1371600" rtl="0">
+            <a:lvl3pPr marL="1371600" lvl="2" indent="-317500" rtl="0">
               <a:lnSpc>
                 <a:spcPct val="115000"/>
               </a:lnSpc>
@@ -6773,7 +6947,7 @@
                 <a:sym typeface="Lato"/>
               </a:defRPr>
             </a:lvl3pPr>
-            <a:lvl4pPr indent="-317500" lvl="3" marL="1828800" rtl="0">
+            <a:lvl4pPr marL="1828800" lvl="3" indent="-317500" rtl="0">
               <a:lnSpc>
                 <a:spcPct val="115000"/>
               </a:lnSpc>
@@ -6799,7 +6973,7 @@
                 <a:sym typeface="Lato"/>
               </a:defRPr>
             </a:lvl4pPr>
-            <a:lvl5pPr indent="-317500" lvl="4" marL="2286000" rtl="0">
+            <a:lvl5pPr marL="2286000" lvl="4" indent="-317500" rtl="0">
               <a:lnSpc>
                 <a:spcPct val="115000"/>
               </a:lnSpc>
@@ -6825,7 +6999,7 @@
                 <a:sym typeface="Lato"/>
               </a:defRPr>
             </a:lvl5pPr>
-            <a:lvl6pPr indent="-317500" lvl="5" marL="2743200" rtl="0">
+            <a:lvl6pPr marL="2743200" lvl="5" indent="-317500" rtl="0">
               <a:lnSpc>
                 <a:spcPct val="115000"/>
               </a:lnSpc>
@@ -6851,7 +7025,7 @@
                 <a:sym typeface="Lato"/>
               </a:defRPr>
             </a:lvl6pPr>
-            <a:lvl7pPr indent="-317500" lvl="6" marL="3200400" rtl="0">
+            <a:lvl7pPr marL="3200400" lvl="6" indent="-317500" rtl="0">
               <a:lnSpc>
                 <a:spcPct val="115000"/>
               </a:lnSpc>
@@ -6877,7 +7051,7 @@
                 <a:sym typeface="Lato"/>
               </a:defRPr>
             </a:lvl7pPr>
-            <a:lvl8pPr indent="-317500" lvl="7" marL="3657600" rtl="0">
+            <a:lvl8pPr marL="3657600" lvl="7" indent="-317500" rtl="0">
               <a:lnSpc>
                 <a:spcPct val="115000"/>
               </a:lnSpc>
@@ -6903,7 +7077,7 @@
                 <a:sym typeface="Lato"/>
               </a:defRPr>
             </a:lvl8pPr>
-            <a:lvl9pPr indent="-317500" lvl="8" marL="4114800" rtl="0">
+            <a:lvl9pPr marL="4114800" lvl="8" indent="-317500" rtl="0">
               <a:lnSpc>
                 <a:spcPct val="115000"/>
               </a:lnSpc>
@@ -6930,15 +7104,19 @@
               </a:defRPr>
             </a:lvl9pPr>
           </a:lstStyle>
-          <a:p/>
+          <a:p>
+            <a:endParaRPr/>
+          </a:p>
         </p:txBody>
       </p:sp>
       <p:sp>
         <p:nvSpPr>
           <p:cNvPr id="8" name="Google Shape;8;p1"/>
-          <p:cNvSpPr txBox="1"/>
+          <p:cNvSpPr txBox="1">
+            <a:spLocks noGrp="1"/>
+          </p:cNvSpPr>
           <p:nvPr>
-            <p:ph idx="12" type="sldNum"/>
+            <p:ph type="sldNum" idx="12"/>
           </p:nvPr>
         </p:nvSpPr>
         <p:spPr>
@@ -6955,11 +7133,11 @@
           </a:ln>
         </p:spPr>
         <p:txBody>
-          <a:bodyPr anchorCtr="0" anchor="ctr" bIns="91425" lIns="91425" spcFirstLastPara="1" rIns="91425" wrap="square" tIns="91425">
+          <a:bodyPr spcFirstLastPara="1" wrap="square" lIns="91425" tIns="91425" rIns="91425" bIns="91425" anchor="ctr" anchorCtr="0">
             <a:noAutofit/>
           </a:bodyPr>
           <a:lstStyle>
-            <a:lvl1pPr lvl="0" rtl="0" algn="r">
+            <a:lvl1pPr lvl="0" algn="r" rtl="0">
               <a:buNone/>
               <a:defRPr sz="1000">
                 <a:solidFill>
@@ -6971,7 +7149,7 @@
                 <a:sym typeface="Lato"/>
               </a:defRPr>
             </a:lvl1pPr>
-            <a:lvl2pPr lvl="1" rtl="0" algn="r">
+            <a:lvl2pPr lvl="1" algn="r" rtl="0">
               <a:buNone/>
               <a:defRPr sz="1000">
                 <a:solidFill>
@@ -6983,7 +7161,7 @@
                 <a:sym typeface="Lato"/>
               </a:defRPr>
             </a:lvl2pPr>
-            <a:lvl3pPr lvl="2" rtl="0" algn="r">
+            <a:lvl3pPr lvl="2" algn="r" rtl="0">
               <a:buNone/>
               <a:defRPr sz="1000">
                 <a:solidFill>
@@ -6995,7 +7173,7 @@
                 <a:sym typeface="Lato"/>
               </a:defRPr>
             </a:lvl3pPr>
-            <a:lvl4pPr lvl="3" rtl="0" algn="r">
+            <a:lvl4pPr lvl="3" algn="r" rtl="0">
               <a:buNone/>
               <a:defRPr sz="1000">
                 <a:solidFill>
@@ -7007,7 +7185,7 @@
                 <a:sym typeface="Lato"/>
               </a:defRPr>
             </a:lvl4pPr>
-            <a:lvl5pPr lvl="4" rtl="0" algn="r">
+            <a:lvl5pPr lvl="4" algn="r" rtl="0">
               <a:buNone/>
               <a:defRPr sz="1000">
                 <a:solidFill>
@@ -7019,7 +7197,7 @@
                 <a:sym typeface="Lato"/>
               </a:defRPr>
             </a:lvl5pPr>
-            <a:lvl6pPr lvl="5" rtl="0" algn="r">
+            <a:lvl6pPr lvl="5" algn="r" rtl="0">
               <a:buNone/>
               <a:defRPr sz="1000">
                 <a:solidFill>
@@ -7031,7 +7209,7 @@
                 <a:sym typeface="Lato"/>
               </a:defRPr>
             </a:lvl6pPr>
-            <a:lvl7pPr lvl="6" rtl="0" algn="r">
+            <a:lvl7pPr lvl="6" algn="r" rtl="0">
               <a:buNone/>
               <a:defRPr sz="1000">
                 <a:solidFill>
@@ -7043,7 +7221,7 @@
                 <a:sym typeface="Lato"/>
               </a:defRPr>
             </a:lvl7pPr>
-            <a:lvl8pPr lvl="7" rtl="0" algn="r">
+            <a:lvl8pPr lvl="7" algn="r" rtl="0">
               <a:buNone/>
               <a:defRPr sz="1000">
                 <a:solidFill>
@@ -7055,7 +7233,7 @@
                 <a:sym typeface="Lato"/>
               </a:defRPr>
             </a:lvl8pPr>
-            <a:lvl9pPr lvl="8" rtl="0" algn="r">
+            <a:lvl9pPr lvl="8" algn="r" rtl="0">
               <a:buNone/>
               <a:defRPr sz="1000">
                 <a:solidFill>
@@ -7069,7 +7247,7 @@
             </a:lvl9pPr>
           </a:lstStyle>
           <a:p>
-            <a:pPr indent="0" lvl="0" marL="0" rtl="0" algn="r">
+            <a:pPr marL="0" lvl="0" indent="0" algn="r" rtl="0">
               <a:spcBef>
                 <a:spcPts val="0"/>
               </a:spcBef>
@@ -7088,7 +7266,7 @@
       </p:sp>
     </p:spTree>
   </p:cSld>
-  <p:clrMap accent1="accent1" accent2="accent2" accent3="accent3" accent4="accent4" accent5="accent5" accent6="accent6" bg1="lt1" bg2="dk2" tx1="dk1" tx2="lt2" folHlink="folHlink" hlink="hlink"/>
+  <p:clrMap bg1="lt1" tx1="dk1" bg2="dk2" tx2="lt2" accent1="accent1" accent2="accent2" accent3="accent3" accent4="accent4" accent5="accent5" accent6="accent6" hlink="hlink" folHlink="folHlink"/>
   <p:sldLayoutIdLst>
     <p:sldLayoutId id="2147483648" r:id="rId1"/>
     <p:sldLayoutId id="2147483649" r:id="rId2"/>
@@ -7102,10 +7280,10 @@
     <p:sldLayoutId id="2147483657" r:id="rId10"/>
     <p:sldLayoutId id="2147483658" r:id="rId11"/>
   </p:sldLayoutIdLst>
-  <p:hf dt="0" ftr="0" hdr="0" sldNum="0"/>
+  <p:hf sldNum="0" hdr="0" ftr="0" dt="0"/>
   <p:txStyles>
     <p:titleStyle>
-      <a:defPPr lvl="0" marR="0" rtl="0" algn="l">
+      <a:defPPr marR="0" lvl="0" algn="l" rtl="0">
         <a:lnSpc>
           <a:spcPct val="100000"/>
         </a:lnSpc>
@@ -7116,7 +7294,7 @@
           <a:spcPts val="0"/>
         </a:spcAft>
       </a:defPPr>
-      <a:lvl1pPr lvl="0" marR="0" rtl="0" algn="l">
+      <a:lvl1pPr marR="0" lvl="0" algn="l" rtl="0">
         <a:lnSpc>
           <a:spcPct val="100000"/>
         </a:lnSpc>
@@ -7130,7 +7308,7 @@
           <a:srgbClr val="000000"/>
         </a:buClr>
         <a:buFont typeface="Arial"/>
-        <a:defRPr b="0" i="0" sz="1400" u="none" cap="none" strike="noStrike">
+        <a:defRPr sz="1400" b="0" i="0" u="none" strike="noStrike" cap="none">
           <a:solidFill>
             <a:srgbClr val="000000"/>
           </a:solidFill>
@@ -7140,7 +7318,7 @@
           <a:sym typeface="Arial"/>
         </a:defRPr>
       </a:lvl1pPr>
-      <a:lvl2pPr lvl="1" marR="0" rtl="0" algn="l">
+      <a:lvl2pPr marR="0" lvl="1" algn="l" rtl="0">
         <a:lnSpc>
           <a:spcPct val="100000"/>
         </a:lnSpc>
@@ -7154,7 +7332,7 @@
           <a:srgbClr val="000000"/>
         </a:buClr>
         <a:buFont typeface="Arial"/>
-        <a:defRPr b="0" i="0" sz="1400" u="none" cap="none" strike="noStrike">
+        <a:defRPr sz="1400" b="0" i="0" u="none" strike="noStrike" cap="none">
           <a:solidFill>
             <a:srgbClr val="000000"/>
           </a:solidFill>
@@ -7164,7 +7342,7 @@
           <a:sym typeface="Arial"/>
         </a:defRPr>
       </a:lvl2pPr>
-      <a:lvl3pPr lvl="2" marR="0" rtl="0" algn="l">
+      <a:lvl3pPr marR="0" lvl="2" algn="l" rtl="0">
         <a:lnSpc>
           <a:spcPct val="100000"/>
         </a:lnSpc>
@@ -7178,7 +7356,7 @@
           <a:srgbClr val="000000"/>
         </a:buClr>
         <a:buFont typeface="Arial"/>
-        <a:defRPr b="0" i="0" sz="1400" u="none" cap="none" strike="noStrike">
+        <a:defRPr sz="1400" b="0" i="0" u="none" strike="noStrike" cap="none">
           <a:solidFill>
             <a:srgbClr val="000000"/>
           </a:solidFill>
@@ -7188,7 +7366,7 @@
           <a:sym typeface="Arial"/>
         </a:defRPr>
       </a:lvl3pPr>
-      <a:lvl4pPr lvl="3" marR="0" rtl="0" algn="l">
+      <a:lvl4pPr marR="0" lvl="3" algn="l" rtl="0">
         <a:lnSpc>
           <a:spcPct val="100000"/>
         </a:lnSpc>
@@ -7202,7 +7380,7 @@
           <a:srgbClr val="000000"/>
         </a:buClr>
         <a:buFont typeface="Arial"/>
-        <a:defRPr b="0" i="0" sz="1400" u="none" cap="none" strike="noStrike">
+        <a:defRPr sz="1400" b="0" i="0" u="none" strike="noStrike" cap="none">
           <a:solidFill>
             <a:srgbClr val="000000"/>
           </a:solidFill>
@@ -7212,7 +7390,7 @@
           <a:sym typeface="Arial"/>
         </a:defRPr>
       </a:lvl4pPr>
-      <a:lvl5pPr lvl="4" marR="0" rtl="0" algn="l">
+      <a:lvl5pPr marR="0" lvl="4" algn="l" rtl="0">
         <a:lnSpc>
           <a:spcPct val="100000"/>
         </a:lnSpc>
@@ -7226,7 +7404,7 @@
           <a:srgbClr val="000000"/>
         </a:buClr>
         <a:buFont typeface="Arial"/>
-        <a:defRPr b="0" i="0" sz="1400" u="none" cap="none" strike="noStrike">
+        <a:defRPr sz="1400" b="0" i="0" u="none" strike="noStrike" cap="none">
           <a:solidFill>
             <a:srgbClr val="000000"/>
           </a:solidFill>
@@ -7236,7 +7414,7 @@
           <a:sym typeface="Arial"/>
         </a:defRPr>
       </a:lvl5pPr>
-      <a:lvl6pPr lvl="5" marR="0" rtl="0" algn="l">
+      <a:lvl6pPr marR="0" lvl="5" algn="l" rtl="0">
         <a:lnSpc>
           <a:spcPct val="100000"/>
         </a:lnSpc>
@@ -7250,7 +7428,7 @@
           <a:srgbClr val="000000"/>
         </a:buClr>
         <a:buFont typeface="Arial"/>
-        <a:defRPr b="0" i="0" sz="1400" u="none" cap="none" strike="noStrike">
+        <a:defRPr sz="1400" b="0" i="0" u="none" strike="noStrike" cap="none">
           <a:solidFill>
             <a:srgbClr val="000000"/>
           </a:solidFill>
@@ -7260,7 +7438,7 @@
           <a:sym typeface="Arial"/>
         </a:defRPr>
       </a:lvl6pPr>
-      <a:lvl7pPr lvl="6" marR="0" rtl="0" algn="l">
+      <a:lvl7pPr marR="0" lvl="6" algn="l" rtl="0">
         <a:lnSpc>
           <a:spcPct val="100000"/>
         </a:lnSpc>
@@ -7274,7 +7452,7 @@
           <a:srgbClr val="000000"/>
         </a:buClr>
         <a:buFont typeface="Arial"/>
-        <a:defRPr b="0" i="0" sz="1400" u="none" cap="none" strike="noStrike">
+        <a:defRPr sz="1400" b="0" i="0" u="none" strike="noStrike" cap="none">
           <a:solidFill>
             <a:srgbClr val="000000"/>
           </a:solidFill>
@@ -7284,7 +7462,7 @@
           <a:sym typeface="Arial"/>
         </a:defRPr>
       </a:lvl7pPr>
-      <a:lvl8pPr lvl="7" marR="0" rtl="0" algn="l">
+      <a:lvl8pPr marR="0" lvl="7" algn="l" rtl="0">
         <a:lnSpc>
           <a:spcPct val="100000"/>
         </a:lnSpc>
@@ -7298,7 +7476,7 @@
           <a:srgbClr val="000000"/>
         </a:buClr>
         <a:buFont typeface="Arial"/>
-        <a:defRPr b="0" i="0" sz="1400" u="none" cap="none" strike="noStrike">
+        <a:defRPr sz="1400" b="0" i="0" u="none" strike="noStrike" cap="none">
           <a:solidFill>
             <a:srgbClr val="000000"/>
           </a:solidFill>
@@ -7308,7 +7486,7 @@
           <a:sym typeface="Arial"/>
         </a:defRPr>
       </a:lvl8pPr>
-      <a:lvl9pPr lvl="8" marR="0" rtl="0" algn="l">
+      <a:lvl9pPr marR="0" lvl="8" algn="l" rtl="0">
         <a:lnSpc>
           <a:spcPct val="100000"/>
         </a:lnSpc>
@@ -7322,7 +7500,7 @@
           <a:srgbClr val="000000"/>
         </a:buClr>
         <a:buFont typeface="Arial"/>
-        <a:defRPr b="0" i="0" sz="1400" u="none" cap="none" strike="noStrike">
+        <a:defRPr sz="1400" b="0" i="0" u="none" strike="noStrike" cap="none">
           <a:solidFill>
             <a:srgbClr val="000000"/>
           </a:solidFill>
@@ -7334,7 +7512,7 @@
       </a:lvl9pPr>
     </p:titleStyle>
     <p:bodyStyle>
-      <a:defPPr lvl="0" marR="0" rtl="0" algn="l">
+      <a:defPPr marR="0" lvl="0" algn="l" rtl="0">
         <a:lnSpc>
           <a:spcPct val="100000"/>
         </a:lnSpc>
@@ -7345,7 +7523,7 @@
           <a:spcPts val="0"/>
         </a:spcAft>
       </a:defPPr>
-      <a:lvl1pPr lvl="0" marR="0" rtl="0" algn="l">
+      <a:lvl1pPr marR="0" lvl="0" algn="l" rtl="0">
         <a:lnSpc>
           <a:spcPct val="100000"/>
         </a:lnSpc>
@@ -7359,7 +7537,7 @@
           <a:srgbClr val="000000"/>
         </a:buClr>
         <a:buFont typeface="Arial"/>
-        <a:defRPr b="0" i="0" sz="1400" u="none" cap="none" strike="noStrike">
+        <a:defRPr sz="1400" b="0" i="0" u="none" strike="noStrike" cap="none">
           <a:solidFill>
             <a:srgbClr val="000000"/>
           </a:solidFill>
@@ -7369,7 +7547,7 @@
           <a:sym typeface="Arial"/>
         </a:defRPr>
       </a:lvl1pPr>
-      <a:lvl2pPr lvl="1" marR="0" rtl="0" algn="l">
+      <a:lvl2pPr marR="0" lvl="1" algn="l" rtl="0">
         <a:lnSpc>
           <a:spcPct val="100000"/>
         </a:lnSpc>
@@ -7383,7 +7561,7 @@
           <a:srgbClr val="000000"/>
         </a:buClr>
         <a:buFont typeface="Arial"/>
-        <a:defRPr b="0" i="0" sz="1400" u="none" cap="none" strike="noStrike">
+        <a:defRPr sz="1400" b="0" i="0" u="none" strike="noStrike" cap="none">
           <a:solidFill>
             <a:srgbClr val="000000"/>
           </a:solidFill>
@@ -7393,7 +7571,7 @@
           <a:sym typeface="Arial"/>
         </a:defRPr>
       </a:lvl2pPr>
-      <a:lvl3pPr lvl="2" marR="0" rtl="0" algn="l">
+      <a:lvl3pPr marR="0" lvl="2" algn="l" rtl="0">
         <a:lnSpc>
           <a:spcPct val="100000"/>
         </a:lnSpc>
@@ -7407,7 +7585,7 @@
           <a:srgbClr val="000000"/>
         </a:buClr>
         <a:buFont typeface="Arial"/>
-        <a:defRPr b="0" i="0" sz="1400" u="none" cap="none" strike="noStrike">
+        <a:defRPr sz="1400" b="0" i="0" u="none" strike="noStrike" cap="none">
           <a:solidFill>
             <a:srgbClr val="000000"/>
           </a:solidFill>
@@ -7417,7 +7595,7 @@
           <a:sym typeface="Arial"/>
         </a:defRPr>
       </a:lvl3pPr>
-      <a:lvl4pPr lvl="3" marR="0" rtl="0" algn="l">
+      <a:lvl4pPr marR="0" lvl="3" algn="l" rtl="0">
         <a:lnSpc>
           <a:spcPct val="100000"/>
         </a:lnSpc>
@@ -7431,7 +7609,7 @@
           <a:srgbClr val="000000"/>
         </a:buClr>
         <a:buFont typeface="Arial"/>
-        <a:defRPr b="0" i="0" sz="1400" u="none" cap="none" strike="noStrike">
+        <a:defRPr sz="1400" b="0" i="0" u="none" strike="noStrike" cap="none">
           <a:solidFill>
             <a:srgbClr val="000000"/>
           </a:solidFill>
@@ -7441,7 +7619,7 @@
           <a:sym typeface="Arial"/>
         </a:defRPr>
       </a:lvl4pPr>
-      <a:lvl5pPr lvl="4" marR="0" rtl="0" algn="l">
+      <a:lvl5pPr marR="0" lvl="4" algn="l" rtl="0">
         <a:lnSpc>
           <a:spcPct val="100000"/>
         </a:lnSpc>
@@ -7455,7 +7633,7 @@
           <a:srgbClr val="000000"/>
         </a:buClr>
         <a:buFont typeface="Arial"/>
-        <a:defRPr b="0" i="0" sz="1400" u="none" cap="none" strike="noStrike">
+        <a:defRPr sz="1400" b="0" i="0" u="none" strike="noStrike" cap="none">
           <a:solidFill>
             <a:srgbClr val="000000"/>
           </a:solidFill>
@@ -7465,7 +7643,7 @@
           <a:sym typeface="Arial"/>
         </a:defRPr>
       </a:lvl5pPr>
-      <a:lvl6pPr lvl="5" marR="0" rtl="0" algn="l">
+      <a:lvl6pPr marR="0" lvl="5" algn="l" rtl="0">
         <a:lnSpc>
           <a:spcPct val="100000"/>
         </a:lnSpc>
@@ -7479,7 +7657,7 @@
           <a:srgbClr val="000000"/>
         </a:buClr>
         <a:buFont typeface="Arial"/>
-        <a:defRPr b="0" i="0" sz="1400" u="none" cap="none" strike="noStrike">
+        <a:defRPr sz="1400" b="0" i="0" u="none" strike="noStrike" cap="none">
           <a:solidFill>
             <a:srgbClr val="000000"/>
           </a:solidFill>
@@ -7489,7 +7667,7 @@
           <a:sym typeface="Arial"/>
         </a:defRPr>
       </a:lvl6pPr>
-      <a:lvl7pPr lvl="6" marR="0" rtl="0" algn="l">
+      <a:lvl7pPr marR="0" lvl="6" algn="l" rtl="0">
         <a:lnSpc>
           <a:spcPct val="100000"/>
         </a:lnSpc>
@@ -7503,7 +7681,7 @@
           <a:srgbClr val="000000"/>
         </a:buClr>
         <a:buFont typeface="Arial"/>
-        <a:defRPr b="0" i="0" sz="1400" u="none" cap="none" strike="noStrike">
+        <a:defRPr sz="1400" b="0" i="0" u="none" strike="noStrike" cap="none">
           <a:solidFill>
             <a:srgbClr val="000000"/>
           </a:solidFill>
@@ -7513,7 +7691,7 @@
           <a:sym typeface="Arial"/>
         </a:defRPr>
       </a:lvl7pPr>
-      <a:lvl8pPr lvl="7" marR="0" rtl="0" algn="l">
+      <a:lvl8pPr marR="0" lvl="7" algn="l" rtl="0">
         <a:lnSpc>
           <a:spcPct val="100000"/>
         </a:lnSpc>
@@ -7527,7 +7705,7 @@
           <a:srgbClr val="000000"/>
         </a:buClr>
         <a:buFont typeface="Arial"/>
-        <a:defRPr b="0" i="0" sz="1400" u="none" cap="none" strike="noStrike">
+        <a:defRPr sz="1400" b="0" i="0" u="none" strike="noStrike" cap="none">
           <a:solidFill>
             <a:srgbClr val="000000"/>
           </a:solidFill>
@@ -7537,7 +7715,7 @@
           <a:sym typeface="Arial"/>
         </a:defRPr>
       </a:lvl8pPr>
-      <a:lvl9pPr lvl="8" marR="0" rtl="0" algn="l">
+      <a:lvl9pPr marR="0" lvl="8" algn="l" rtl="0">
         <a:lnSpc>
           <a:spcPct val="100000"/>
         </a:lnSpc>
@@ -7551,7 +7729,7 @@
           <a:srgbClr val="000000"/>
         </a:buClr>
         <a:buFont typeface="Arial"/>
-        <a:defRPr b="0" i="0" sz="1400" u="none" cap="none" strike="noStrike">
+        <a:defRPr sz="1400" b="0" i="0" u="none" strike="noStrike" cap="none">
           <a:solidFill>
             <a:srgbClr val="000000"/>
           </a:solidFill>
@@ -7563,7 +7741,7 @@
       </a:lvl9pPr>
     </p:bodyStyle>
     <p:otherStyle>
-      <a:defPPr lvl="0" marR="0" rtl="0" algn="l">
+      <a:defPPr marR="0" lvl="0" algn="l" rtl="0">
         <a:lnSpc>
           <a:spcPct val="100000"/>
         </a:lnSpc>
@@ -7574,7 +7752,7 @@
           <a:spcPts val="0"/>
         </a:spcAft>
       </a:defPPr>
-      <a:lvl1pPr lvl="0" marR="0" rtl="0" algn="l">
+      <a:lvl1pPr marR="0" lvl="0" algn="l" rtl="0">
         <a:lnSpc>
           <a:spcPct val="100000"/>
         </a:lnSpc>
@@ -7588,7 +7766,7 @@
           <a:srgbClr val="000000"/>
         </a:buClr>
         <a:buFont typeface="Arial"/>
-        <a:defRPr b="0" i="0" sz="1400" u="none" cap="none" strike="noStrike">
+        <a:defRPr sz="1400" b="0" i="0" u="none" strike="noStrike" cap="none">
           <a:solidFill>
             <a:srgbClr val="000000"/>
           </a:solidFill>
@@ -7598,7 +7776,7 @@
           <a:sym typeface="Arial"/>
         </a:defRPr>
       </a:lvl1pPr>
-      <a:lvl2pPr lvl="1" marR="0" rtl="0" algn="l">
+      <a:lvl2pPr marR="0" lvl="1" algn="l" rtl="0">
         <a:lnSpc>
           <a:spcPct val="100000"/>
         </a:lnSpc>
@@ -7612,7 +7790,7 @@
           <a:srgbClr val="000000"/>
         </a:buClr>
         <a:buFont typeface="Arial"/>
-        <a:defRPr b="0" i="0" sz="1400" u="none" cap="none" strike="noStrike">
+        <a:defRPr sz="1400" b="0" i="0" u="none" strike="noStrike" cap="none">
           <a:solidFill>
             <a:srgbClr val="000000"/>
           </a:solidFill>
@@ -7622,7 +7800,7 @@
           <a:sym typeface="Arial"/>
         </a:defRPr>
       </a:lvl2pPr>
-      <a:lvl3pPr lvl="2" marR="0" rtl="0" algn="l">
+      <a:lvl3pPr marR="0" lvl="2" algn="l" rtl="0">
         <a:lnSpc>
           <a:spcPct val="100000"/>
         </a:lnSpc>
@@ -7636,7 +7814,7 @@
           <a:srgbClr val="000000"/>
         </a:buClr>
         <a:buFont typeface="Arial"/>
-        <a:defRPr b="0" i="0" sz="1400" u="none" cap="none" strike="noStrike">
+        <a:defRPr sz="1400" b="0" i="0" u="none" strike="noStrike" cap="none">
           <a:solidFill>
             <a:srgbClr val="000000"/>
           </a:solidFill>
@@ -7646,7 +7824,7 @@
           <a:sym typeface="Arial"/>
         </a:defRPr>
       </a:lvl3pPr>
-      <a:lvl4pPr lvl="3" marR="0" rtl="0" algn="l">
+      <a:lvl4pPr marR="0" lvl="3" algn="l" rtl="0">
         <a:lnSpc>
           <a:spcPct val="100000"/>
         </a:lnSpc>
@@ -7660,7 +7838,7 @@
           <a:srgbClr val="000000"/>
         </a:buClr>
         <a:buFont typeface="Arial"/>
-        <a:defRPr b="0" i="0" sz="1400" u="none" cap="none" strike="noStrike">
+        <a:defRPr sz="1400" b="0" i="0" u="none" strike="noStrike" cap="none">
           <a:solidFill>
             <a:srgbClr val="000000"/>
           </a:solidFill>
@@ -7670,7 +7848,7 @@
           <a:sym typeface="Arial"/>
         </a:defRPr>
       </a:lvl4pPr>
-      <a:lvl5pPr lvl="4" marR="0" rtl="0" algn="l">
+      <a:lvl5pPr marR="0" lvl="4" algn="l" rtl="0">
         <a:lnSpc>
           <a:spcPct val="100000"/>
         </a:lnSpc>
@@ -7684,7 +7862,7 @@
           <a:srgbClr val="000000"/>
         </a:buClr>
         <a:buFont typeface="Arial"/>
-        <a:defRPr b="0" i="0" sz="1400" u="none" cap="none" strike="noStrike">
+        <a:defRPr sz="1400" b="0" i="0" u="none" strike="noStrike" cap="none">
           <a:solidFill>
             <a:srgbClr val="000000"/>
           </a:solidFill>
@@ -7694,7 +7872,7 @@
           <a:sym typeface="Arial"/>
         </a:defRPr>
       </a:lvl5pPr>
-      <a:lvl6pPr lvl="5" marR="0" rtl="0" algn="l">
+      <a:lvl6pPr marR="0" lvl="5" algn="l" rtl="0">
         <a:lnSpc>
           <a:spcPct val="100000"/>
         </a:lnSpc>
@@ -7708,7 +7886,7 @@
           <a:srgbClr val="000000"/>
         </a:buClr>
         <a:buFont typeface="Arial"/>
-        <a:defRPr b="0" i="0" sz="1400" u="none" cap="none" strike="noStrike">
+        <a:defRPr sz="1400" b="0" i="0" u="none" strike="noStrike" cap="none">
           <a:solidFill>
             <a:srgbClr val="000000"/>
           </a:solidFill>
@@ -7718,7 +7896,7 @@
           <a:sym typeface="Arial"/>
         </a:defRPr>
       </a:lvl6pPr>
-      <a:lvl7pPr lvl="6" marR="0" rtl="0" algn="l">
+      <a:lvl7pPr marR="0" lvl="6" algn="l" rtl="0">
         <a:lnSpc>
           <a:spcPct val="100000"/>
         </a:lnSpc>
@@ -7732,7 +7910,7 @@
           <a:srgbClr val="000000"/>
         </a:buClr>
         <a:buFont typeface="Arial"/>
-        <a:defRPr b="0" i="0" sz="1400" u="none" cap="none" strike="noStrike">
+        <a:defRPr sz="1400" b="0" i="0" u="none" strike="noStrike" cap="none">
           <a:solidFill>
             <a:srgbClr val="000000"/>
           </a:solidFill>
@@ -7742,7 +7920,7 @@
           <a:sym typeface="Arial"/>
         </a:defRPr>
       </a:lvl7pPr>
-      <a:lvl8pPr lvl="7" marR="0" rtl="0" algn="l">
+      <a:lvl8pPr marR="0" lvl="7" algn="l" rtl="0">
         <a:lnSpc>
           <a:spcPct val="100000"/>
         </a:lnSpc>
@@ -7756,7 +7934,7 @@
           <a:srgbClr val="000000"/>
         </a:buClr>
         <a:buFont typeface="Arial"/>
-        <a:defRPr b="0" i="0" sz="1400" u="none" cap="none" strike="noStrike">
+        <a:defRPr sz="1400" b="0" i="0" u="none" strike="noStrike" cap="none">
           <a:solidFill>
             <a:srgbClr val="000000"/>
           </a:solidFill>
@@ -7766,7 +7944,7 @@
           <a:sym typeface="Arial"/>
         </a:defRPr>
       </a:lvl8pPr>
-      <a:lvl9pPr lvl="8" marR="0" rtl="0" algn="l">
+      <a:lvl9pPr marR="0" lvl="8" algn="l" rtl="0">
         <a:lnSpc>
           <a:spcPct val="100000"/>
         </a:lnSpc>
@@ -7780,7 +7958,7 @@
           <a:srgbClr val="000000"/>
         </a:buClr>
         <a:buFont typeface="Arial"/>
-        <a:defRPr b="0" i="0" sz="1400" u="none" cap="none" strike="noStrike">
+        <a:defRPr sz="1400" b="0" i="0" u="none" strike="noStrike" cap="none">
           <a:solidFill>
             <a:srgbClr val="000000"/>
           </a:solidFill>
@@ -7796,18 +7974,19 @@
 </file>
 
 <file path=ppt/slides/slide1.xml><?xml version="1.0" encoding="utf-8"?>
-<p:sld xmlns:a="http://schemas.openxmlformats.org/drawingml/2006/main" xmlns:r="http://schemas.openxmlformats.org/officeDocument/2006/relationships" xmlns:mc="http://schemas.openxmlformats.org/markup-compatibility/2006" xmlns:mv="urn:schemas-microsoft-com:mac:vml" xmlns:p="http://schemas.openxmlformats.org/presentationml/2006/main" xmlns:c="http://schemas.openxmlformats.org/drawingml/2006/chart" xmlns:dgm="http://schemas.openxmlformats.org/drawingml/2006/diagram" xmlns:o="urn:schemas-microsoft-com:office:office" xmlns:v="urn:schemas-microsoft-com:vml" xmlns:pvml="urn:schemas-microsoft-com:office:powerpoint" xmlns:com="http://schemas.openxmlformats.org/drawingml/2006/compatibility" xmlns:p14="http://schemas.microsoft.com/office/powerpoint/2010/main" xmlns:p15="http://schemas.microsoft.com/office/powerpoint/2012/main" xmlns:ahyp="http://schemas.microsoft.com/office/drawing/2018/hyperlinkcolor">
+<p:sld xmlns:a="http://schemas.openxmlformats.org/drawingml/2006/main" xmlns:r="http://schemas.openxmlformats.org/officeDocument/2006/relationships" xmlns:p="http://schemas.openxmlformats.org/presentationml/2006/main">
   <p:cSld>
     <p:bg>
       <p:bgPr>
         <a:solidFill>
           <a:srgbClr val="12DDFF"/>
         </a:solidFill>
+        <a:effectLst/>
       </p:bgPr>
     </p:bg>
     <p:spTree>
       <p:nvGrpSpPr>
-        <p:cNvPr id="71" name="Shape 71"/>
+        <p:cNvPr id="1" name="Shape 71"/>
         <p:cNvGrpSpPr/>
         <p:nvPr/>
       </p:nvGrpSpPr>
@@ -7822,7 +8001,9 @@
       <p:sp>
         <p:nvSpPr>
           <p:cNvPr id="72" name="Google Shape;72;p13"/>
-          <p:cNvSpPr txBox="1"/>
+          <p:cNvSpPr txBox="1">
+            <a:spLocks noGrp="1"/>
+          </p:cNvSpPr>
           <p:nvPr>
             <p:ph type="ctrTitle"/>
           </p:nvPr>
@@ -7837,12 +8018,12 @@
           </a:prstGeom>
         </p:spPr>
         <p:txBody>
-          <a:bodyPr anchorCtr="0" anchor="t" bIns="91425" lIns="91425" spcFirstLastPara="1" rIns="91425" wrap="square" tIns="91425">
+          <a:bodyPr spcFirstLastPara="1" wrap="square" lIns="91425" tIns="91425" rIns="91425" bIns="91425" anchor="t" anchorCtr="0">
             <a:noAutofit/>
           </a:bodyPr>
           <a:lstStyle/>
           <a:p>
-            <a:pPr indent="0" lvl="0" marL="0" rtl="0" algn="l">
+            <a:pPr marL="0" lvl="0" indent="0" algn="l" rtl="0">
               <a:spcBef>
                 <a:spcPts val="0"/>
               </a:spcBef>
@@ -7869,9 +8050,11 @@
       <p:sp>
         <p:nvSpPr>
           <p:cNvPr id="73" name="Google Shape;73;p13"/>
-          <p:cNvSpPr txBox="1"/>
+          <p:cNvSpPr txBox="1">
+            <a:spLocks noGrp="1"/>
+          </p:cNvSpPr>
           <p:nvPr>
-            <p:ph idx="1" type="subTitle"/>
+            <p:ph type="subTitle" idx="1"/>
           </p:nvPr>
         </p:nvSpPr>
         <p:spPr>
@@ -7884,12 +8067,12 @@
           </a:prstGeom>
         </p:spPr>
         <p:txBody>
-          <a:bodyPr anchorCtr="0" anchor="b" bIns="91425" lIns="91425" spcFirstLastPara="1" rIns="91425" wrap="square" tIns="91425">
+          <a:bodyPr spcFirstLastPara="1" wrap="square" lIns="91425" tIns="91425" rIns="91425" bIns="91425" anchor="b" anchorCtr="0">
             <a:noAutofit/>
           </a:bodyPr>
           <a:lstStyle/>
           <a:p>
-            <a:pPr indent="0" lvl="0" marL="0" rtl="0" algn="l">
+            <a:pPr marL="0" lvl="0" indent="0" algn="l" rtl="0">
               <a:spcBef>
                 <a:spcPts val="0"/>
               </a:spcBef>
@@ -7943,11 +8126,11 @@
 </file>
 
 <file path=ppt/slides/slide10.xml><?xml version="1.0" encoding="utf-8"?>
-<p:sld xmlns:a="http://schemas.openxmlformats.org/drawingml/2006/main" xmlns:r="http://schemas.openxmlformats.org/officeDocument/2006/relationships" xmlns:mc="http://schemas.openxmlformats.org/markup-compatibility/2006" xmlns:mv="urn:schemas-microsoft-com:mac:vml" xmlns:p="http://schemas.openxmlformats.org/presentationml/2006/main" xmlns:c="http://schemas.openxmlformats.org/drawingml/2006/chart" xmlns:dgm="http://schemas.openxmlformats.org/drawingml/2006/diagram" xmlns:o="urn:schemas-microsoft-com:office:office" xmlns:v="urn:schemas-microsoft-com:vml" xmlns:pvml="urn:schemas-microsoft-com:office:powerpoint" xmlns:com="http://schemas.openxmlformats.org/drawingml/2006/compatibility" xmlns:p14="http://schemas.microsoft.com/office/powerpoint/2010/main" xmlns:p15="http://schemas.microsoft.com/office/powerpoint/2012/main" xmlns:ahyp="http://schemas.microsoft.com/office/drawing/2018/hyperlinkcolor">
+<p:sld xmlns:a="http://schemas.openxmlformats.org/drawingml/2006/main" xmlns:r="http://schemas.openxmlformats.org/officeDocument/2006/relationships" xmlns:p="http://schemas.openxmlformats.org/presentationml/2006/main">
   <p:cSld>
     <p:spTree>
       <p:nvGrpSpPr>
-        <p:cNvPr id="133" name="Shape 133"/>
+        <p:cNvPr id="1" name="Shape 133"/>
         <p:cNvGrpSpPr/>
         <p:nvPr/>
       </p:nvGrpSpPr>
@@ -7962,7 +8145,9 @@
       <p:sp>
         <p:nvSpPr>
           <p:cNvPr id="134" name="Google Shape;134;p22"/>
-          <p:cNvSpPr txBox="1"/>
+          <p:cNvSpPr txBox="1">
+            <a:spLocks noGrp="1"/>
+          </p:cNvSpPr>
           <p:nvPr>
             <p:ph type="title"/>
           </p:nvPr>
@@ -7977,12 +8162,12 @@
           </a:prstGeom>
         </p:spPr>
         <p:txBody>
-          <a:bodyPr anchorCtr="0" anchor="t" bIns="91425" lIns="91425" spcFirstLastPara="1" rIns="91425" wrap="square" tIns="91425">
+          <a:bodyPr spcFirstLastPara="1" wrap="square" lIns="91425" tIns="91425" rIns="91425" bIns="91425" anchor="t" anchorCtr="0">
             <a:noAutofit/>
           </a:bodyPr>
           <a:lstStyle/>
           <a:p>
-            <a:pPr indent="0" lvl="0" marL="0" rtl="0" algn="l">
+            <a:pPr marL="0" lvl="0" indent="0" algn="l" rtl="0">
               <a:spcBef>
                 <a:spcPts val="0"/>
               </a:spcBef>
@@ -8009,7 +8194,7 @@
           <a:blip r:embed="rId3">
             <a:alphaModFix/>
           </a:blip>
-          <a:srcRect b="45915" l="40922" r="40643" t="12867"/>
+          <a:srcRect l="40922" t="12867" r="40643" b="45915"/>
           <a:stretch/>
         </p:blipFill>
         <p:spPr>
@@ -8029,9 +8214,11 @@
       <p:sp>
         <p:nvSpPr>
           <p:cNvPr id="136" name="Google Shape;136;p22"/>
-          <p:cNvSpPr txBox="1"/>
+          <p:cNvSpPr txBox="1">
+            <a:spLocks noGrp="1"/>
+          </p:cNvSpPr>
           <p:nvPr>
-            <p:ph idx="1" type="body"/>
+            <p:ph type="body" idx="1"/>
           </p:nvPr>
         </p:nvSpPr>
         <p:spPr>
@@ -8044,12 +8231,12 @@
           </a:prstGeom>
         </p:spPr>
         <p:txBody>
-          <a:bodyPr anchorCtr="0" anchor="t" bIns="91425" lIns="91425" spcFirstLastPara="1" rIns="91425" wrap="square" tIns="91425">
+          <a:bodyPr spcFirstLastPara="1" wrap="square" lIns="91425" tIns="91425" rIns="91425" bIns="91425" anchor="t" anchorCtr="0">
             <a:noAutofit/>
           </a:bodyPr>
           <a:lstStyle/>
           <a:p>
-            <a:pPr indent="0" lvl="0" marL="0" rtl="0" algn="l">
+            <a:pPr marL="0" lvl="0" indent="0" algn="l" rtl="0">
               <a:spcBef>
                 <a:spcPts val="0"/>
               </a:spcBef>
@@ -8059,7 +8246,7 @@
               <a:buNone/>
             </a:pPr>
             <a:r>
-              <a:rPr b="1" lang="en" sz="2100">
+              <a:rPr lang="en" sz="2100" b="1">
                 <a:solidFill>
                   <a:schemeClr val="dk1"/>
                 </a:solidFill>
@@ -8069,7 +8256,7 @@
             <a:endParaRPr sz="1600"/>
           </a:p>
           <a:p>
-            <a:pPr indent="0" lvl="0" marL="0" rtl="0" algn="l">
+            <a:pPr marL="0" lvl="0" indent="0" algn="l" rtl="0">
               <a:spcBef>
                 <a:spcPts val="1600"/>
               </a:spcBef>
@@ -8078,10 +8265,7 @@
               </a:spcAft>
               <a:buNone/>
             </a:pPr>
-            <a:r>
-              <a:t/>
-            </a:r>
-            <a:endParaRPr b="1" sz="2100">
+            <a:endParaRPr sz="2100" b="1">
               <a:solidFill>
                 <a:schemeClr val="dk1"/>
               </a:solidFill>
@@ -8099,7 +8283,7 @@
           <a:blip r:embed="rId4">
             <a:alphaModFix/>
           </a:blip>
-          <a:srcRect b="45400" l="39131" r="39555" t="12086"/>
+          <a:srcRect l="39131" t="12086" r="39555" b="45400"/>
           <a:stretch/>
         </p:blipFill>
         <p:spPr>
@@ -8119,9 +8303,11 @@
       <p:sp>
         <p:nvSpPr>
           <p:cNvPr id="138" name="Google Shape;138;p22"/>
-          <p:cNvSpPr txBox="1"/>
+          <p:cNvSpPr txBox="1">
+            <a:spLocks noGrp="1"/>
+          </p:cNvSpPr>
           <p:nvPr>
-            <p:ph idx="1" type="body"/>
+            <p:ph type="body" idx="1"/>
           </p:nvPr>
         </p:nvSpPr>
         <p:spPr>
@@ -8134,12 +8320,12 @@
           </a:prstGeom>
         </p:spPr>
         <p:txBody>
-          <a:bodyPr anchorCtr="0" anchor="t" bIns="91425" lIns="91425" spcFirstLastPara="1" rIns="91425" wrap="square" tIns="91425">
+          <a:bodyPr spcFirstLastPara="1" wrap="square" lIns="91425" tIns="91425" rIns="91425" bIns="91425" anchor="t" anchorCtr="0">
             <a:noAutofit/>
           </a:bodyPr>
           <a:lstStyle/>
           <a:p>
-            <a:pPr indent="0" lvl="0" marL="0" rtl="0" algn="l">
+            <a:pPr marL="0" lvl="0" indent="0" algn="l" rtl="0">
               <a:spcBef>
                 <a:spcPts val="0"/>
               </a:spcBef>
@@ -8149,7 +8335,7 @@
               <a:buNone/>
             </a:pPr>
             <a:r>
-              <a:rPr b="1" lang="en" sz="2100">
+              <a:rPr lang="en" sz="2100" b="1">
                 <a:solidFill>
                   <a:schemeClr val="dk1"/>
                 </a:solidFill>
@@ -8159,7 +8345,7 @@
             <a:endParaRPr sz="1600"/>
           </a:p>
           <a:p>
-            <a:pPr indent="0" lvl="0" marL="0" rtl="0" algn="l">
+            <a:pPr marL="0" lvl="0" indent="0" algn="l" rtl="0">
               <a:spcBef>
                 <a:spcPts val="1600"/>
               </a:spcBef>
@@ -8168,10 +8354,7 @@
               </a:spcAft>
               <a:buNone/>
             </a:pPr>
-            <a:r>
-              <a:t/>
-            </a:r>
-            <a:endParaRPr b="1" sz="2100">
+            <a:endParaRPr sz="2100" b="1">
               <a:solidFill>
                 <a:schemeClr val="dk1"/>
               </a:solidFill>
@@ -8189,7 +8372,7 @@
           <a:blip r:embed="rId5">
             <a:alphaModFix/>
           </a:blip>
-          <a:srcRect b="46389" l="39693" r="39779" t="12928"/>
+          <a:srcRect l="39693" t="12928" r="39779" b="46389"/>
           <a:stretch/>
         </p:blipFill>
         <p:spPr>
@@ -8209,9 +8392,11 @@
       <p:sp>
         <p:nvSpPr>
           <p:cNvPr id="140" name="Google Shape;140;p22"/>
-          <p:cNvSpPr txBox="1"/>
+          <p:cNvSpPr txBox="1">
+            <a:spLocks noGrp="1"/>
+          </p:cNvSpPr>
           <p:nvPr>
-            <p:ph idx="1" type="body"/>
+            <p:ph type="body" idx="1"/>
           </p:nvPr>
         </p:nvSpPr>
         <p:spPr>
@@ -8224,12 +8409,12 @@
           </a:prstGeom>
         </p:spPr>
         <p:txBody>
-          <a:bodyPr anchorCtr="0" anchor="t" bIns="91425" lIns="91425" spcFirstLastPara="1" rIns="91425" wrap="square" tIns="91425">
+          <a:bodyPr spcFirstLastPara="1" wrap="square" lIns="91425" tIns="91425" rIns="91425" bIns="91425" anchor="t" anchorCtr="0">
             <a:noAutofit/>
           </a:bodyPr>
           <a:lstStyle/>
           <a:p>
-            <a:pPr indent="0" lvl="0" marL="0" rtl="0" algn="l">
+            <a:pPr marL="0" lvl="0" indent="0" algn="l" rtl="0">
               <a:spcBef>
                 <a:spcPts val="0"/>
               </a:spcBef>
@@ -8239,7 +8424,7 @@
               <a:buNone/>
             </a:pPr>
             <a:r>
-              <a:rPr b="1" lang="en" sz="2100">
+              <a:rPr lang="en" sz="2100" b="1">
                 <a:solidFill>
                   <a:schemeClr val="dk1"/>
                 </a:solidFill>
@@ -8249,7 +8434,7 @@
             <a:endParaRPr sz="1600"/>
           </a:p>
           <a:p>
-            <a:pPr indent="0" lvl="0" marL="0" rtl="0" algn="l">
+            <a:pPr marL="0" lvl="0" indent="0" algn="l" rtl="0">
               <a:spcBef>
                 <a:spcPts val="1600"/>
               </a:spcBef>
@@ -8258,10 +8443,7 @@
               </a:spcAft>
               <a:buNone/>
             </a:pPr>
-            <a:r>
-              <a:t/>
-            </a:r>
-            <a:endParaRPr b="1" sz="2100">
+            <a:endParaRPr sz="2100" b="1">
               <a:solidFill>
                 <a:schemeClr val="dk1"/>
               </a:solidFill>
@@ -8272,9 +8454,11 @@
       <p:sp>
         <p:nvSpPr>
           <p:cNvPr id="141" name="Google Shape;141;p22"/>
-          <p:cNvSpPr txBox="1"/>
+          <p:cNvSpPr txBox="1">
+            <a:spLocks noGrp="1"/>
+          </p:cNvSpPr>
           <p:nvPr>
-            <p:ph idx="1" type="body"/>
+            <p:ph type="body" idx="1"/>
           </p:nvPr>
         </p:nvSpPr>
         <p:spPr>
@@ -8287,12 +8471,12 @@
           </a:prstGeom>
         </p:spPr>
         <p:txBody>
-          <a:bodyPr anchorCtr="0" anchor="t" bIns="91425" lIns="91425" spcFirstLastPara="1" rIns="91425" wrap="square" tIns="91425">
+          <a:bodyPr spcFirstLastPara="1" wrap="square" lIns="91425" tIns="91425" rIns="91425" bIns="91425" anchor="t" anchorCtr="0">
             <a:noAutofit/>
           </a:bodyPr>
           <a:lstStyle/>
           <a:p>
-            <a:pPr indent="-330200" lvl="0" marL="457200" rtl="0" algn="l">
+            <a:pPr marL="457200" lvl="0" indent="-330200" algn="l" rtl="0">
               <a:spcBef>
                 <a:spcPts val="0"/>
               </a:spcBef>
@@ -8309,7 +8493,7 @@
             <a:endParaRPr sz="1600"/>
           </a:p>
           <a:p>
-            <a:pPr indent="-330200" lvl="0" marL="457200" rtl="0" algn="l">
+            <a:pPr marL="457200" lvl="0" indent="-330200" algn="l" rtl="0">
               <a:spcBef>
                 <a:spcPts val="1200"/>
               </a:spcBef>
@@ -8326,7 +8510,7 @@
             <a:endParaRPr sz="1600"/>
           </a:p>
           <a:p>
-            <a:pPr indent="-330200" lvl="0" marL="457200" rtl="0" algn="l">
+            <a:pPr marL="457200" lvl="0" indent="-330200" algn="l" rtl="0">
               <a:spcBef>
                 <a:spcPts val="1200"/>
               </a:spcBef>
@@ -8353,11 +8537,11 @@
 </file>
 
 <file path=ppt/slides/slide11.xml><?xml version="1.0" encoding="utf-8"?>
-<p:sld xmlns:a="http://schemas.openxmlformats.org/drawingml/2006/main" xmlns:r="http://schemas.openxmlformats.org/officeDocument/2006/relationships" xmlns:mc="http://schemas.openxmlformats.org/markup-compatibility/2006" xmlns:mv="urn:schemas-microsoft-com:mac:vml" xmlns:p="http://schemas.openxmlformats.org/presentationml/2006/main" xmlns:c="http://schemas.openxmlformats.org/drawingml/2006/chart" xmlns:dgm="http://schemas.openxmlformats.org/drawingml/2006/diagram" xmlns:o="urn:schemas-microsoft-com:office:office" xmlns:v="urn:schemas-microsoft-com:vml" xmlns:pvml="urn:schemas-microsoft-com:office:powerpoint" xmlns:com="http://schemas.openxmlformats.org/drawingml/2006/compatibility" xmlns:p14="http://schemas.microsoft.com/office/powerpoint/2010/main" xmlns:p15="http://schemas.microsoft.com/office/powerpoint/2012/main" xmlns:ahyp="http://schemas.microsoft.com/office/drawing/2018/hyperlinkcolor">
+<p:sld xmlns:a="http://schemas.openxmlformats.org/drawingml/2006/main" xmlns:r="http://schemas.openxmlformats.org/officeDocument/2006/relationships" xmlns:p="http://schemas.openxmlformats.org/presentationml/2006/main">
   <p:cSld>
     <p:spTree>
       <p:nvGrpSpPr>
-        <p:cNvPr id="145" name="Shape 145"/>
+        <p:cNvPr id="1" name="Shape 145"/>
         <p:cNvGrpSpPr/>
         <p:nvPr/>
       </p:nvGrpSpPr>
@@ -8372,7 +8556,9 @@
       <p:sp>
         <p:nvSpPr>
           <p:cNvPr id="146" name="Google Shape;146;p23"/>
-          <p:cNvSpPr txBox="1"/>
+          <p:cNvSpPr txBox="1">
+            <a:spLocks noGrp="1"/>
+          </p:cNvSpPr>
           <p:nvPr>
             <p:ph type="title"/>
           </p:nvPr>
@@ -8387,12 +8573,12 @@
           </a:prstGeom>
         </p:spPr>
         <p:txBody>
-          <a:bodyPr anchorCtr="0" anchor="t" bIns="91425" lIns="91425" spcFirstLastPara="1" rIns="91425" wrap="square" tIns="91425">
+          <a:bodyPr spcFirstLastPara="1" wrap="square" lIns="91425" tIns="91425" rIns="91425" bIns="91425" anchor="t" anchorCtr="0">
             <a:noAutofit/>
           </a:bodyPr>
           <a:lstStyle/>
           <a:p>
-            <a:pPr indent="0" lvl="0" marL="0" rtl="0" algn="l">
+            <a:pPr marL="0" lvl="0" indent="0" algn="l" rtl="0">
               <a:spcBef>
                 <a:spcPts val="0"/>
               </a:spcBef>
@@ -8412,9 +8598,11 @@
       <p:sp>
         <p:nvSpPr>
           <p:cNvPr id="147" name="Google Shape;147;p23"/>
-          <p:cNvSpPr txBox="1"/>
+          <p:cNvSpPr txBox="1">
+            <a:spLocks noGrp="1"/>
+          </p:cNvSpPr>
           <p:nvPr>
-            <p:ph idx="1" type="body"/>
+            <p:ph type="body" idx="1"/>
           </p:nvPr>
         </p:nvSpPr>
         <p:spPr>
@@ -8427,12 +8615,12 @@
           </a:prstGeom>
         </p:spPr>
         <p:txBody>
-          <a:bodyPr anchorCtr="0" anchor="t" bIns="91425" lIns="91425" spcFirstLastPara="1" rIns="91425" wrap="square" tIns="91425">
+          <a:bodyPr spcFirstLastPara="1" wrap="square" lIns="91425" tIns="91425" rIns="91425" bIns="91425" anchor="t" anchorCtr="0">
             <a:noAutofit/>
           </a:bodyPr>
           <a:lstStyle/>
           <a:p>
-            <a:pPr indent="0" lvl="0" marL="0" rtl="0" algn="l">
+            <a:pPr marL="0" lvl="0" indent="0" algn="l" rtl="0">
               <a:spcBef>
                 <a:spcPts val="0"/>
               </a:spcBef>
@@ -8442,21 +8630,21 @@
               <a:buNone/>
             </a:pPr>
             <a:r>
-              <a:rPr b="1" lang="en" sz="2100">
+              <a:rPr lang="en" sz="2100" b="1">
                 <a:solidFill>
                   <a:schemeClr val="dk1"/>
                 </a:solidFill>
               </a:rPr>
               <a:t>Problems</a:t>
             </a:r>
-            <a:endParaRPr b="1" sz="2100">
+            <a:endParaRPr sz="2100" b="1">
               <a:solidFill>
                 <a:schemeClr val="dk1"/>
               </a:solidFill>
             </a:endParaRPr>
           </a:p>
           <a:p>
-            <a:pPr indent="0" lvl="0" marL="0" rtl="0" algn="l">
+            <a:pPr marL="0" lvl="0" indent="0" algn="l" rtl="0">
               <a:spcBef>
                 <a:spcPts val="0"/>
               </a:spcBef>
@@ -8472,7 +8660,7 @@
             <a:endParaRPr sz="1600"/>
           </a:p>
           <a:p>
-            <a:pPr indent="0" lvl="0" marL="0" rtl="0" algn="l">
+            <a:pPr marL="0" lvl="0" indent="0" algn="l" rtl="0">
               <a:spcBef>
                 <a:spcPts val="0"/>
               </a:spcBef>
@@ -8481,13 +8669,10 @@
               </a:spcAft>
               <a:buNone/>
             </a:pPr>
-            <a:r>
-              <a:t/>
-            </a:r>
             <a:endParaRPr sz="1600"/>
           </a:p>
           <a:p>
-            <a:pPr indent="0" lvl="0" marL="0" rtl="0" algn="l">
+            <a:pPr marL="0" lvl="0" indent="0" algn="l" rtl="0">
               <a:spcBef>
                 <a:spcPts val="0"/>
               </a:spcBef>
@@ -8497,21 +8682,21 @@
               <a:buNone/>
             </a:pPr>
             <a:r>
-              <a:rPr b="1" lang="en" sz="2100">
+              <a:rPr lang="en" sz="2100" b="1">
                 <a:solidFill>
                   <a:schemeClr val="dk1"/>
                 </a:solidFill>
               </a:rPr>
               <a:t>For Now</a:t>
             </a:r>
-            <a:endParaRPr b="1" sz="2100">
+            <a:endParaRPr sz="2100" b="1">
               <a:solidFill>
                 <a:schemeClr val="dk1"/>
               </a:solidFill>
             </a:endParaRPr>
           </a:p>
           <a:p>
-            <a:pPr indent="0" lvl="0" marL="0" rtl="0" algn="l">
+            <a:pPr marL="0" lvl="0" indent="0" algn="l" rtl="0">
               <a:spcBef>
                 <a:spcPts val="0"/>
               </a:spcBef>
@@ -8527,7 +8712,7 @@
             <a:endParaRPr sz="1600"/>
           </a:p>
           <a:p>
-            <a:pPr indent="0" lvl="0" marL="0" rtl="0" algn="l">
+            <a:pPr marL="0" lvl="0" indent="0" algn="l" rtl="0">
               <a:spcBef>
                 <a:spcPts val="1600"/>
               </a:spcBef>
@@ -8537,21 +8722,21 @@
               <a:buNone/>
             </a:pPr>
             <a:r>
-              <a:rPr b="1" lang="en" sz="2100">
+              <a:rPr lang="en" sz="2100" b="1">
                 <a:solidFill>
                   <a:schemeClr val="dk1"/>
                 </a:solidFill>
               </a:rPr>
               <a:t>Next Steps</a:t>
             </a:r>
-            <a:endParaRPr b="1" sz="2100">
+            <a:endParaRPr sz="2100" b="1">
               <a:solidFill>
                 <a:schemeClr val="dk1"/>
               </a:solidFill>
             </a:endParaRPr>
           </a:p>
           <a:p>
-            <a:pPr indent="0" lvl="0" marL="0" rtl="0" algn="l">
+            <a:pPr marL="0" lvl="0" indent="0" algn="l" rtl="0">
               <a:spcBef>
                 <a:spcPts val="0"/>
               </a:spcBef>
@@ -8567,7 +8752,7 @@
             <a:endParaRPr sz="1600"/>
           </a:p>
           <a:p>
-            <a:pPr indent="0" lvl="0" marL="0" rtl="0" algn="l">
+            <a:pPr marL="0" lvl="0" indent="0" algn="l" rtl="0">
               <a:spcBef>
                 <a:spcPts val="1200"/>
               </a:spcBef>
@@ -8576,9 +8761,6 @@
               </a:spcAft>
               <a:buNone/>
             </a:pPr>
-            <a:r>
-              <a:t/>
-            </a:r>
             <a:endParaRPr sz="2400"/>
           </a:p>
         </p:txBody>
@@ -8592,11 +8774,11 @@
 </file>
 
 <file path=ppt/slides/slide12.xml><?xml version="1.0" encoding="utf-8"?>
-<p:sld xmlns:a="http://schemas.openxmlformats.org/drawingml/2006/main" xmlns:r="http://schemas.openxmlformats.org/officeDocument/2006/relationships" xmlns:mc="http://schemas.openxmlformats.org/markup-compatibility/2006" xmlns:mv="urn:schemas-microsoft-com:mac:vml" xmlns:p="http://schemas.openxmlformats.org/presentationml/2006/main" xmlns:c="http://schemas.openxmlformats.org/drawingml/2006/chart" xmlns:dgm="http://schemas.openxmlformats.org/drawingml/2006/diagram" xmlns:o="urn:schemas-microsoft-com:office:office" xmlns:v="urn:schemas-microsoft-com:vml" xmlns:pvml="urn:schemas-microsoft-com:office:powerpoint" xmlns:com="http://schemas.openxmlformats.org/drawingml/2006/compatibility" xmlns:p14="http://schemas.microsoft.com/office/powerpoint/2010/main" xmlns:p15="http://schemas.microsoft.com/office/powerpoint/2012/main" xmlns:ahyp="http://schemas.microsoft.com/office/drawing/2018/hyperlinkcolor">
+<p:sld xmlns:a="http://schemas.openxmlformats.org/drawingml/2006/main" xmlns:r="http://schemas.openxmlformats.org/officeDocument/2006/relationships" xmlns:p="http://schemas.openxmlformats.org/presentationml/2006/main">
   <p:cSld>
     <p:spTree>
       <p:nvGrpSpPr>
-        <p:cNvPr id="151" name="Shape 151"/>
+        <p:cNvPr id="1" name="Shape 151"/>
         <p:cNvGrpSpPr/>
         <p:nvPr/>
       </p:nvGrpSpPr>
@@ -8611,14 +8793,16 @@
       <p:sp>
         <p:nvSpPr>
           <p:cNvPr id="152" name="Google Shape;152;p24"/>
-          <p:cNvSpPr txBox="1"/>
+          <p:cNvSpPr txBox="1">
+            <a:spLocks noGrp="1"/>
+          </p:cNvSpPr>
           <p:nvPr>
             <p:ph type="title"/>
           </p:nvPr>
         </p:nvSpPr>
         <p:spPr>
           <a:xfrm>
-            <a:off x="406425" y="1806825"/>
+            <a:off x="423600" y="560830"/>
             <a:ext cx="8296800" cy="1542000"/>
           </a:xfrm>
           <a:prstGeom prst="rect">
@@ -8626,12 +8810,12 @@
           </a:prstGeom>
         </p:spPr>
         <p:txBody>
-          <a:bodyPr anchorCtr="0" anchor="ctr" bIns="91425" lIns="91425" spcFirstLastPara="1" rIns="91425" wrap="square" tIns="91425">
+          <a:bodyPr spcFirstLastPara="1" wrap="square" lIns="91425" tIns="91425" rIns="91425" bIns="91425" anchor="ctr" anchorCtr="0">
             <a:noAutofit/>
           </a:bodyPr>
           <a:lstStyle/>
           <a:p>
-            <a:pPr indent="0" lvl="0" marL="0" rtl="0" algn="ctr">
+            <a:pPr marL="0" lvl="0" indent="0" algn="ctr" rtl="0">
               <a:spcBef>
                 <a:spcPts val="0"/>
               </a:spcBef>
@@ -8641,13 +8825,626 @@
               <a:buNone/>
             </a:pPr>
             <a:r>
-              <a:rPr lang="en"/>
+              <a:rPr lang="en" dirty="0"/>
               <a:t>Thank You!</a:t>
             </a:r>
-            <a:endParaRPr/>
+            <a:endParaRPr dirty="0"/>
           </a:p>
         </p:txBody>
       </p:sp>
+      <p:sp>
+        <p:nvSpPr>
+          <p:cNvPr id="2" name="Google Shape;152;p24">
+            <a:extLst>
+              <a:ext uri="{FF2B5EF4-FFF2-40B4-BE49-F238E27FC236}">
+                <a16:creationId xmlns:a16="http://schemas.microsoft.com/office/drawing/2014/main" id="{C5DE58D4-528B-3789-677F-9CE6575E5AAD}"/>
+              </a:ext>
+            </a:extLst>
+          </p:cNvPr>
+          <p:cNvSpPr txBox="1">
+            <a:spLocks/>
+          </p:cNvSpPr>
+          <p:nvPr/>
+        </p:nvSpPr>
+        <p:spPr>
+          <a:xfrm>
+            <a:off x="647036" y="1987688"/>
+            <a:ext cx="4230593" cy="1052982"/>
+          </a:xfrm>
+          <a:prstGeom prst="rect">
+            <a:avLst/>
+          </a:prstGeom>
+          <a:noFill/>
+          <a:ln>
+            <a:noFill/>
+          </a:ln>
+        </p:spPr>
+        <p:txBody>
+          <a:bodyPr spcFirstLastPara="1" wrap="square" lIns="91425" tIns="91425" rIns="91425" bIns="91425" anchor="ctr" anchorCtr="0">
+            <a:noAutofit/>
+          </a:bodyPr>
+          <a:lstStyle>
+            <a:defPPr marR="0" lvl="0" algn="l" rtl="0">
+              <a:lnSpc>
+                <a:spcPct val="100000"/>
+              </a:lnSpc>
+              <a:spcBef>
+                <a:spcPts val="0"/>
+              </a:spcBef>
+              <a:spcAft>
+                <a:spcPts val="0"/>
+              </a:spcAft>
+            </a:defPPr>
+            <a:lvl1pPr marR="0" lvl="0" algn="ctr" rtl="0">
+              <a:lnSpc>
+                <a:spcPct val="100000"/>
+              </a:lnSpc>
+              <a:spcBef>
+                <a:spcPts val="0"/>
+              </a:spcBef>
+              <a:spcAft>
+                <a:spcPts val="0"/>
+              </a:spcAft>
+              <a:buClr>
+                <a:schemeClr val="lt1"/>
+              </a:buClr>
+              <a:buSzPts val="4800"/>
+              <a:buFont typeface="Raleway"/>
+              <a:buNone/>
+              <a:defRPr sz="4800" b="1" i="0" u="none" strike="noStrike" cap="none">
+                <a:solidFill>
+                  <a:schemeClr val="lt1"/>
+                </a:solidFill>
+                <a:latin typeface="Raleway"/>
+                <a:ea typeface="Raleway"/>
+                <a:cs typeface="Raleway"/>
+                <a:sym typeface="Raleway"/>
+              </a:defRPr>
+            </a:lvl1pPr>
+            <a:lvl2pPr marR="0" lvl="1" algn="ctr" rtl="0">
+              <a:lnSpc>
+                <a:spcPct val="100000"/>
+              </a:lnSpc>
+              <a:spcBef>
+                <a:spcPts val="0"/>
+              </a:spcBef>
+              <a:spcAft>
+                <a:spcPts val="0"/>
+              </a:spcAft>
+              <a:buClr>
+                <a:schemeClr val="lt1"/>
+              </a:buClr>
+              <a:buSzPts val="4800"/>
+              <a:buFont typeface="Raleway"/>
+              <a:buNone/>
+              <a:defRPr sz="4800" b="1" i="0" u="none" strike="noStrike" cap="none">
+                <a:solidFill>
+                  <a:schemeClr val="lt1"/>
+                </a:solidFill>
+                <a:latin typeface="Raleway"/>
+                <a:ea typeface="Raleway"/>
+                <a:cs typeface="Raleway"/>
+                <a:sym typeface="Raleway"/>
+              </a:defRPr>
+            </a:lvl2pPr>
+            <a:lvl3pPr marR="0" lvl="2" algn="ctr" rtl="0">
+              <a:lnSpc>
+                <a:spcPct val="100000"/>
+              </a:lnSpc>
+              <a:spcBef>
+                <a:spcPts val="0"/>
+              </a:spcBef>
+              <a:spcAft>
+                <a:spcPts val="0"/>
+              </a:spcAft>
+              <a:buClr>
+                <a:schemeClr val="lt1"/>
+              </a:buClr>
+              <a:buSzPts val="4800"/>
+              <a:buFont typeface="Raleway"/>
+              <a:buNone/>
+              <a:defRPr sz="4800" b="1" i="0" u="none" strike="noStrike" cap="none">
+                <a:solidFill>
+                  <a:schemeClr val="lt1"/>
+                </a:solidFill>
+                <a:latin typeface="Raleway"/>
+                <a:ea typeface="Raleway"/>
+                <a:cs typeface="Raleway"/>
+                <a:sym typeface="Raleway"/>
+              </a:defRPr>
+            </a:lvl3pPr>
+            <a:lvl4pPr marR="0" lvl="3" algn="ctr" rtl="0">
+              <a:lnSpc>
+                <a:spcPct val="100000"/>
+              </a:lnSpc>
+              <a:spcBef>
+                <a:spcPts val="0"/>
+              </a:spcBef>
+              <a:spcAft>
+                <a:spcPts val="0"/>
+              </a:spcAft>
+              <a:buClr>
+                <a:schemeClr val="lt1"/>
+              </a:buClr>
+              <a:buSzPts val="4800"/>
+              <a:buFont typeface="Raleway"/>
+              <a:buNone/>
+              <a:defRPr sz="4800" b="1" i="0" u="none" strike="noStrike" cap="none">
+                <a:solidFill>
+                  <a:schemeClr val="lt1"/>
+                </a:solidFill>
+                <a:latin typeface="Raleway"/>
+                <a:ea typeface="Raleway"/>
+                <a:cs typeface="Raleway"/>
+                <a:sym typeface="Raleway"/>
+              </a:defRPr>
+            </a:lvl4pPr>
+            <a:lvl5pPr marR="0" lvl="4" algn="ctr" rtl="0">
+              <a:lnSpc>
+                <a:spcPct val="100000"/>
+              </a:lnSpc>
+              <a:spcBef>
+                <a:spcPts val="0"/>
+              </a:spcBef>
+              <a:spcAft>
+                <a:spcPts val="0"/>
+              </a:spcAft>
+              <a:buClr>
+                <a:schemeClr val="lt1"/>
+              </a:buClr>
+              <a:buSzPts val="4800"/>
+              <a:buFont typeface="Raleway"/>
+              <a:buNone/>
+              <a:defRPr sz="4800" b="1" i="0" u="none" strike="noStrike" cap="none">
+                <a:solidFill>
+                  <a:schemeClr val="lt1"/>
+                </a:solidFill>
+                <a:latin typeface="Raleway"/>
+                <a:ea typeface="Raleway"/>
+                <a:cs typeface="Raleway"/>
+                <a:sym typeface="Raleway"/>
+              </a:defRPr>
+            </a:lvl5pPr>
+            <a:lvl6pPr marR="0" lvl="5" algn="ctr" rtl="0">
+              <a:lnSpc>
+                <a:spcPct val="100000"/>
+              </a:lnSpc>
+              <a:spcBef>
+                <a:spcPts val="0"/>
+              </a:spcBef>
+              <a:spcAft>
+                <a:spcPts val="0"/>
+              </a:spcAft>
+              <a:buClr>
+                <a:schemeClr val="lt1"/>
+              </a:buClr>
+              <a:buSzPts val="4800"/>
+              <a:buFont typeface="Raleway"/>
+              <a:buNone/>
+              <a:defRPr sz="4800" b="1" i="0" u="none" strike="noStrike" cap="none">
+                <a:solidFill>
+                  <a:schemeClr val="lt1"/>
+                </a:solidFill>
+                <a:latin typeface="Raleway"/>
+                <a:ea typeface="Raleway"/>
+                <a:cs typeface="Raleway"/>
+                <a:sym typeface="Raleway"/>
+              </a:defRPr>
+            </a:lvl6pPr>
+            <a:lvl7pPr marR="0" lvl="6" algn="ctr" rtl="0">
+              <a:lnSpc>
+                <a:spcPct val="100000"/>
+              </a:lnSpc>
+              <a:spcBef>
+                <a:spcPts val="0"/>
+              </a:spcBef>
+              <a:spcAft>
+                <a:spcPts val="0"/>
+              </a:spcAft>
+              <a:buClr>
+                <a:schemeClr val="lt1"/>
+              </a:buClr>
+              <a:buSzPts val="4800"/>
+              <a:buFont typeface="Raleway"/>
+              <a:buNone/>
+              <a:defRPr sz="4800" b="1" i="0" u="none" strike="noStrike" cap="none">
+                <a:solidFill>
+                  <a:schemeClr val="lt1"/>
+                </a:solidFill>
+                <a:latin typeface="Raleway"/>
+                <a:ea typeface="Raleway"/>
+                <a:cs typeface="Raleway"/>
+                <a:sym typeface="Raleway"/>
+              </a:defRPr>
+            </a:lvl7pPr>
+            <a:lvl8pPr marR="0" lvl="7" algn="ctr" rtl="0">
+              <a:lnSpc>
+                <a:spcPct val="100000"/>
+              </a:lnSpc>
+              <a:spcBef>
+                <a:spcPts val="0"/>
+              </a:spcBef>
+              <a:spcAft>
+                <a:spcPts val="0"/>
+              </a:spcAft>
+              <a:buClr>
+                <a:schemeClr val="lt1"/>
+              </a:buClr>
+              <a:buSzPts val="4800"/>
+              <a:buFont typeface="Raleway"/>
+              <a:buNone/>
+              <a:defRPr sz="4800" b="1" i="0" u="none" strike="noStrike" cap="none">
+                <a:solidFill>
+                  <a:schemeClr val="lt1"/>
+                </a:solidFill>
+                <a:latin typeface="Raleway"/>
+                <a:ea typeface="Raleway"/>
+                <a:cs typeface="Raleway"/>
+                <a:sym typeface="Raleway"/>
+              </a:defRPr>
+            </a:lvl8pPr>
+            <a:lvl9pPr marR="0" lvl="8" algn="ctr" rtl="0">
+              <a:lnSpc>
+                <a:spcPct val="100000"/>
+              </a:lnSpc>
+              <a:spcBef>
+                <a:spcPts val="0"/>
+              </a:spcBef>
+              <a:spcAft>
+                <a:spcPts val="0"/>
+              </a:spcAft>
+              <a:buClr>
+                <a:schemeClr val="lt1"/>
+              </a:buClr>
+              <a:buSzPts val="4800"/>
+              <a:buFont typeface="Raleway"/>
+              <a:buNone/>
+              <a:defRPr sz="4800" b="1" i="0" u="none" strike="noStrike" cap="none">
+                <a:solidFill>
+                  <a:schemeClr val="lt1"/>
+                </a:solidFill>
+                <a:latin typeface="Raleway"/>
+                <a:ea typeface="Raleway"/>
+                <a:cs typeface="Raleway"/>
+                <a:sym typeface="Raleway"/>
+              </a:defRPr>
+            </a:lvl9pPr>
+          </a:lstStyle>
+          <a:p>
+            <a:r>
+              <a:rPr lang="en-CA" dirty="0"/>
+              <a:t>Contact Info:</a:t>
+            </a:r>
+          </a:p>
+        </p:txBody>
+      </p:sp>
+      <p:sp>
+        <p:nvSpPr>
+          <p:cNvPr id="3" name="Google Shape;152;p24">
+            <a:extLst>
+              <a:ext uri="{FF2B5EF4-FFF2-40B4-BE49-F238E27FC236}">
+                <a16:creationId xmlns:a16="http://schemas.microsoft.com/office/drawing/2014/main" id="{BCD91047-5B94-08E0-A8C1-480776B759B0}"/>
+              </a:ext>
+            </a:extLst>
+          </p:cNvPr>
+          <p:cNvSpPr txBox="1">
+            <a:spLocks/>
+          </p:cNvSpPr>
+          <p:nvPr/>
+        </p:nvSpPr>
+        <p:spPr>
+          <a:xfrm>
+            <a:off x="-1360153" y="2755505"/>
+            <a:ext cx="8296800" cy="1542000"/>
+          </a:xfrm>
+          <a:prstGeom prst="rect">
+            <a:avLst/>
+          </a:prstGeom>
+          <a:noFill/>
+          <a:ln>
+            <a:noFill/>
+          </a:ln>
+        </p:spPr>
+        <p:txBody>
+          <a:bodyPr spcFirstLastPara="1" wrap="square" lIns="91425" tIns="91425" rIns="91425" bIns="91425" anchor="ctr" anchorCtr="0">
+            <a:noAutofit/>
+          </a:bodyPr>
+          <a:lstStyle>
+            <a:defPPr marR="0" lvl="0" algn="l" rtl="0">
+              <a:lnSpc>
+                <a:spcPct val="100000"/>
+              </a:lnSpc>
+              <a:spcBef>
+                <a:spcPts val="0"/>
+              </a:spcBef>
+              <a:spcAft>
+                <a:spcPts val="0"/>
+              </a:spcAft>
+            </a:defPPr>
+            <a:lvl1pPr marR="0" lvl="0" algn="ctr" rtl="0">
+              <a:lnSpc>
+                <a:spcPct val="100000"/>
+              </a:lnSpc>
+              <a:spcBef>
+                <a:spcPts val="0"/>
+              </a:spcBef>
+              <a:spcAft>
+                <a:spcPts val="0"/>
+              </a:spcAft>
+              <a:buClr>
+                <a:schemeClr val="lt1"/>
+              </a:buClr>
+              <a:buSzPts val="4800"/>
+              <a:buFont typeface="Raleway"/>
+              <a:buNone/>
+              <a:defRPr sz="4800" b="1" i="0" u="none" strike="noStrike" cap="none">
+                <a:solidFill>
+                  <a:schemeClr val="lt1"/>
+                </a:solidFill>
+                <a:latin typeface="Raleway"/>
+                <a:ea typeface="Raleway"/>
+                <a:cs typeface="Raleway"/>
+                <a:sym typeface="Raleway"/>
+              </a:defRPr>
+            </a:lvl1pPr>
+            <a:lvl2pPr marR="0" lvl="1" algn="ctr" rtl="0">
+              <a:lnSpc>
+                <a:spcPct val="100000"/>
+              </a:lnSpc>
+              <a:spcBef>
+                <a:spcPts val="0"/>
+              </a:spcBef>
+              <a:spcAft>
+                <a:spcPts val="0"/>
+              </a:spcAft>
+              <a:buClr>
+                <a:schemeClr val="lt1"/>
+              </a:buClr>
+              <a:buSzPts val="4800"/>
+              <a:buFont typeface="Raleway"/>
+              <a:buNone/>
+              <a:defRPr sz="4800" b="1" i="0" u="none" strike="noStrike" cap="none">
+                <a:solidFill>
+                  <a:schemeClr val="lt1"/>
+                </a:solidFill>
+                <a:latin typeface="Raleway"/>
+                <a:ea typeface="Raleway"/>
+                <a:cs typeface="Raleway"/>
+                <a:sym typeface="Raleway"/>
+              </a:defRPr>
+            </a:lvl2pPr>
+            <a:lvl3pPr marR="0" lvl="2" algn="ctr" rtl="0">
+              <a:lnSpc>
+                <a:spcPct val="100000"/>
+              </a:lnSpc>
+              <a:spcBef>
+                <a:spcPts val="0"/>
+              </a:spcBef>
+              <a:spcAft>
+                <a:spcPts val="0"/>
+              </a:spcAft>
+              <a:buClr>
+                <a:schemeClr val="lt1"/>
+              </a:buClr>
+              <a:buSzPts val="4800"/>
+              <a:buFont typeface="Raleway"/>
+              <a:buNone/>
+              <a:defRPr sz="4800" b="1" i="0" u="none" strike="noStrike" cap="none">
+                <a:solidFill>
+                  <a:schemeClr val="lt1"/>
+                </a:solidFill>
+                <a:latin typeface="Raleway"/>
+                <a:ea typeface="Raleway"/>
+                <a:cs typeface="Raleway"/>
+                <a:sym typeface="Raleway"/>
+              </a:defRPr>
+            </a:lvl3pPr>
+            <a:lvl4pPr marR="0" lvl="3" algn="ctr" rtl="0">
+              <a:lnSpc>
+                <a:spcPct val="100000"/>
+              </a:lnSpc>
+              <a:spcBef>
+                <a:spcPts val="0"/>
+              </a:spcBef>
+              <a:spcAft>
+                <a:spcPts val="0"/>
+              </a:spcAft>
+              <a:buClr>
+                <a:schemeClr val="lt1"/>
+              </a:buClr>
+              <a:buSzPts val="4800"/>
+              <a:buFont typeface="Raleway"/>
+              <a:buNone/>
+              <a:defRPr sz="4800" b="1" i="0" u="none" strike="noStrike" cap="none">
+                <a:solidFill>
+                  <a:schemeClr val="lt1"/>
+                </a:solidFill>
+                <a:latin typeface="Raleway"/>
+                <a:ea typeface="Raleway"/>
+                <a:cs typeface="Raleway"/>
+                <a:sym typeface="Raleway"/>
+              </a:defRPr>
+            </a:lvl4pPr>
+            <a:lvl5pPr marR="0" lvl="4" algn="ctr" rtl="0">
+              <a:lnSpc>
+                <a:spcPct val="100000"/>
+              </a:lnSpc>
+              <a:spcBef>
+                <a:spcPts val="0"/>
+              </a:spcBef>
+              <a:spcAft>
+                <a:spcPts val="0"/>
+              </a:spcAft>
+              <a:buClr>
+                <a:schemeClr val="lt1"/>
+              </a:buClr>
+              <a:buSzPts val="4800"/>
+              <a:buFont typeface="Raleway"/>
+              <a:buNone/>
+              <a:defRPr sz="4800" b="1" i="0" u="none" strike="noStrike" cap="none">
+                <a:solidFill>
+                  <a:schemeClr val="lt1"/>
+                </a:solidFill>
+                <a:latin typeface="Raleway"/>
+                <a:ea typeface="Raleway"/>
+                <a:cs typeface="Raleway"/>
+                <a:sym typeface="Raleway"/>
+              </a:defRPr>
+            </a:lvl5pPr>
+            <a:lvl6pPr marR="0" lvl="5" algn="ctr" rtl="0">
+              <a:lnSpc>
+                <a:spcPct val="100000"/>
+              </a:lnSpc>
+              <a:spcBef>
+                <a:spcPts val="0"/>
+              </a:spcBef>
+              <a:spcAft>
+                <a:spcPts val="0"/>
+              </a:spcAft>
+              <a:buClr>
+                <a:schemeClr val="lt1"/>
+              </a:buClr>
+              <a:buSzPts val="4800"/>
+              <a:buFont typeface="Raleway"/>
+              <a:buNone/>
+              <a:defRPr sz="4800" b="1" i="0" u="none" strike="noStrike" cap="none">
+                <a:solidFill>
+                  <a:schemeClr val="lt1"/>
+                </a:solidFill>
+                <a:latin typeface="Raleway"/>
+                <a:ea typeface="Raleway"/>
+                <a:cs typeface="Raleway"/>
+                <a:sym typeface="Raleway"/>
+              </a:defRPr>
+            </a:lvl6pPr>
+            <a:lvl7pPr marR="0" lvl="6" algn="ctr" rtl="0">
+              <a:lnSpc>
+                <a:spcPct val="100000"/>
+              </a:lnSpc>
+              <a:spcBef>
+                <a:spcPts val="0"/>
+              </a:spcBef>
+              <a:spcAft>
+                <a:spcPts val="0"/>
+              </a:spcAft>
+              <a:buClr>
+                <a:schemeClr val="lt1"/>
+              </a:buClr>
+              <a:buSzPts val="4800"/>
+              <a:buFont typeface="Raleway"/>
+              <a:buNone/>
+              <a:defRPr sz="4800" b="1" i="0" u="none" strike="noStrike" cap="none">
+                <a:solidFill>
+                  <a:schemeClr val="lt1"/>
+                </a:solidFill>
+                <a:latin typeface="Raleway"/>
+                <a:ea typeface="Raleway"/>
+                <a:cs typeface="Raleway"/>
+                <a:sym typeface="Raleway"/>
+              </a:defRPr>
+            </a:lvl7pPr>
+            <a:lvl8pPr marR="0" lvl="7" algn="ctr" rtl="0">
+              <a:lnSpc>
+                <a:spcPct val="100000"/>
+              </a:lnSpc>
+              <a:spcBef>
+                <a:spcPts val="0"/>
+              </a:spcBef>
+              <a:spcAft>
+                <a:spcPts val="0"/>
+              </a:spcAft>
+              <a:buClr>
+                <a:schemeClr val="lt1"/>
+              </a:buClr>
+              <a:buSzPts val="4800"/>
+              <a:buFont typeface="Raleway"/>
+              <a:buNone/>
+              <a:defRPr sz="4800" b="1" i="0" u="none" strike="noStrike" cap="none">
+                <a:solidFill>
+                  <a:schemeClr val="lt1"/>
+                </a:solidFill>
+                <a:latin typeface="Raleway"/>
+                <a:ea typeface="Raleway"/>
+                <a:cs typeface="Raleway"/>
+                <a:sym typeface="Raleway"/>
+              </a:defRPr>
+            </a:lvl8pPr>
+            <a:lvl9pPr marR="0" lvl="8" algn="ctr" rtl="0">
+              <a:lnSpc>
+                <a:spcPct val="100000"/>
+              </a:lnSpc>
+              <a:spcBef>
+                <a:spcPts val="0"/>
+              </a:spcBef>
+              <a:spcAft>
+                <a:spcPts val="0"/>
+              </a:spcAft>
+              <a:buClr>
+                <a:schemeClr val="lt1"/>
+              </a:buClr>
+              <a:buSzPts val="4800"/>
+              <a:buFont typeface="Raleway"/>
+              <a:buNone/>
+              <a:defRPr sz="4800" b="1" i="0" u="none" strike="noStrike" cap="none">
+                <a:solidFill>
+                  <a:schemeClr val="lt1"/>
+                </a:solidFill>
+                <a:latin typeface="Raleway"/>
+                <a:ea typeface="Raleway"/>
+                <a:cs typeface="Raleway"/>
+                <a:sym typeface="Raleway"/>
+              </a:defRPr>
+            </a:lvl9pPr>
+          </a:lstStyle>
+          <a:p>
+            <a:r>
+              <a:rPr lang="en-CA" sz="2400" dirty="0">
+                <a:hlinkClick r:id="rId3"/>
+              </a:rPr>
+              <a:t>farhankassam0@gmail.com</a:t>
+            </a:r>
+            <a:endParaRPr lang="en-CA" sz="2400" dirty="0"/>
+          </a:p>
+          <a:p>
+            <a:r>
+              <a:rPr lang="en-CA" sz="2400" dirty="0">
+                <a:hlinkClick r:id="rId4"/>
+              </a:rPr>
+              <a:t>linkedin.com/in/farhan-kassam/</a:t>
+            </a:r>
+            <a:endParaRPr lang="en-CA" sz="2400" dirty="0"/>
+          </a:p>
+        </p:txBody>
+      </p:sp>
+      <p:pic>
+        <p:nvPicPr>
+          <p:cNvPr id="7" name="Picture 6" descr="Qr code&#10;&#10;Description automatically generated">
+            <a:extLst>
+              <a:ext uri="{FF2B5EF4-FFF2-40B4-BE49-F238E27FC236}">
+                <a16:creationId xmlns:a16="http://schemas.microsoft.com/office/drawing/2014/main" id="{F360756F-84B7-A999-DE43-C191C410672E}"/>
+              </a:ext>
+            </a:extLst>
+          </p:cNvPr>
+          <p:cNvPicPr>
+            <a:picLocks noChangeAspect="1"/>
+          </p:cNvPicPr>
+          <p:nvPr/>
+        </p:nvPicPr>
+        <p:blipFill rotWithShape="1">
+          <a:blip r:embed="rId5"/>
+          <a:srcRect l="8879" t="9304" r="9207" b="8783"/>
+          <a:stretch/>
+        </p:blipFill>
+        <p:spPr>
+          <a:xfrm>
+            <a:off x="5892229" y="1921267"/>
+            <a:ext cx="2080517" cy="2080517"/>
+          </a:xfrm>
+          <a:prstGeom prst="rect">
+            <a:avLst/>
+          </a:prstGeom>
+        </p:spPr>
+      </p:pic>
     </p:spTree>
   </p:cSld>
   <p:clrMapOvr>
@@ -8657,11 +9454,11 @@
 </file>
 
 <file path=ppt/slides/slide2.xml><?xml version="1.0" encoding="utf-8"?>
-<p:sld xmlns:a="http://schemas.openxmlformats.org/drawingml/2006/main" xmlns:r="http://schemas.openxmlformats.org/officeDocument/2006/relationships" xmlns:mc="http://schemas.openxmlformats.org/markup-compatibility/2006" xmlns:mv="urn:schemas-microsoft-com:mac:vml" xmlns:p="http://schemas.openxmlformats.org/presentationml/2006/main" xmlns:c="http://schemas.openxmlformats.org/drawingml/2006/chart" xmlns:dgm="http://schemas.openxmlformats.org/drawingml/2006/diagram" xmlns:o="urn:schemas-microsoft-com:office:office" xmlns:v="urn:schemas-microsoft-com:vml" xmlns:pvml="urn:schemas-microsoft-com:office:powerpoint" xmlns:com="http://schemas.openxmlformats.org/drawingml/2006/compatibility" xmlns:p14="http://schemas.microsoft.com/office/powerpoint/2010/main" xmlns:p15="http://schemas.microsoft.com/office/powerpoint/2012/main" xmlns:ahyp="http://schemas.microsoft.com/office/drawing/2018/hyperlinkcolor">
+<p:sld xmlns:a="http://schemas.openxmlformats.org/drawingml/2006/main" xmlns:r="http://schemas.openxmlformats.org/officeDocument/2006/relationships" xmlns:p="http://schemas.openxmlformats.org/presentationml/2006/main">
   <p:cSld>
     <p:spTree>
       <p:nvGrpSpPr>
-        <p:cNvPr id="78" name="Shape 78"/>
+        <p:cNvPr id="1" name="Shape 78"/>
         <p:cNvGrpSpPr/>
         <p:nvPr/>
       </p:nvGrpSpPr>
@@ -8676,7 +9473,9 @@
       <p:sp>
         <p:nvSpPr>
           <p:cNvPr id="79" name="Google Shape;79;p14"/>
-          <p:cNvSpPr txBox="1"/>
+          <p:cNvSpPr txBox="1">
+            <a:spLocks noGrp="1"/>
+          </p:cNvSpPr>
           <p:nvPr>
             <p:ph type="title"/>
           </p:nvPr>
@@ -8691,12 +9490,12 @@
           </a:prstGeom>
         </p:spPr>
         <p:txBody>
-          <a:bodyPr anchorCtr="0" anchor="ctr" bIns="91425" lIns="91425" spcFirstLastPara="1" rIns="91425" wrap="square" tIns="91425">
+          <a:bodyPr spcFirstLastPara="1" wrap="square" lIns="91425" tIns="91425" rIns="91425" bIns="91425" anchor="ctr" anchorCtr="0">
             <a:noAutofit/>
           </a:bodyPr>
           <a:lstStyle/>
           <a:p>
-            <a:pPr indent="0" lvl="0" marL="0" rtl="0" algn="ctr">
+            <a:pPr marL="0" lvl="0" indent="0" algn="ctr" rtl="0">
               <a:spcBef>
                 <a:spcPts val="0"/>
               </a:spcBef>
@@ -8716,9 +9515,11 @@
       <p:sp>
         <p:nvSpPr>
           <p:cNvPr id="80" name="Google Shape;80;p14"/>
-          <p:cNvSpPr txBox="1"/>
+          <p:cNvSpPr txBox="1">
+            <a:spLocks noGrp="1"/>
+          </p:cNvSpPr>
           <p:nvPr>
-            <p:ph idx="2" type="body"/>
+            <p:ph type="body" idx="2"/>
           </p:nvPr>
         </p:nvSpPr>
         <p:spPr>
@@ -8731,12 +9532,12 @@
           </a:prstGeom>
         </p:spPr>
         <p:txBody>
-          <a:bodyPr anchorCtr="0" anchor="ctr" bIns="91425" lIns="91425" spcFirstLastPara="1" rIns="91425" wrap="square" tIns="91425">
+          <a:bodyPr spcFirstLastPara="1" wrap="square" lIns="91425" tIns="91425" rIns="91425" bIns="91425" anchor="ctr" anchorCtr="0">
             <a:noAutofit/>
           </a:bodyPr>
           <a:lstStyle/>
           <a:p>
-            <a:pPr indent="0" lvl="0" marL="0" rtl="0" algn="l">
+            <a:pPr marL="0" lvl="0" indent="0" algn="l" rtl="0">
               <a:spcBef>
                 <a:spcPts val="0"/>
               </a:spcBef>
@@ -8746,13 +9547,13 @@
               <a:buNone/>
             </a:pPr>
             <a:r>
-              <a:rPr b="1" lang="en"/>
+              <a:rPr lang="en" b="1"/>
               <a:t>Problem Statement</a:t>
             </a:r>
             <a:endParaRPr b="1"/>
           </a:p>
           <a:p>
-            <a:pPr indent="-323850" lvl="0" marL="457200" rtl="0" algn="l">
+            <a:pPr marL="457200" lvl="0" indent="-323850" algn="l" rtl="0">
               <a:spcBef>
                 <a:spcPts val="0"/>
               </a:spcBef>
@@ -8769,7 +9570,7 @@
             <a:endParaRPr sz="1500"/>
           </a:p>
           <a:p>
-            <a:pPr indent="0" lvl="0" marL="0" rtl="0" algn="l">
+            <a:pPr marL="0" lvl="0" indent="0" algn="l" rtl="0">
               <a:spcBef>
                 <a:spcPts val="1600"/>
               </a:spcBef>
@@ -8779,13 +9580,13 @@
               <a:buNone/>
             </a:pPr>
             <a:r>
-              <a:rPr b="1" lang="en"/>
+              <a:rPr lang="en" b="1"/>
               <a:t>Value</a:t>
             </a:r>
             <a:endParaRPr b="1"/>
           </a:p>
           <a:p>
-            <a:pPr indent="-323850" lvl="0" marL="457200" rtl="0" algn="l">
+            <a:pPr marL="457200" lvl="0" indent="-323850" algn="l" rtl="0">
               <a:spcBef>
                 <a:spcPts val="0"/>
               </a:spcBef>
@@ -8812,11 +9613,11 @@
 </file>
 
 <file path=ppt/slides/slide3.xml><?xml version="1.0" encoding="utf-8"?>
-<p:sld xmlns:a="http://schemas.openxmlformats.org/drawingml/2006/main" xmlns:r="http://schemas.openxmlformats.org/officeDocument/2006/relationships" xmlns:mc="http://schemas.openxmlformats.org/markup-compatibility/2006" xmlns:mv="urn:schemas-microsoft-com:mac:vml" xmlns:p="http://schemas.openxmlformats.org/presentationml/2006/main" xmlns:c="http://schemas.openxmlformats.org/drawingml/2006/chart" xmlns:dgm="http://schemas.openxmlformats.org/drawingml/2006/diagram" xmlns:o="urn:schemas-microsoft-com:office:office" xmlns:v="urn:schemas-microsoft-com:vml" xmlns:pvml="urn:schemas-microsoft-com:office:powerpoint" xmlns:com="http://schemas.openxmlformats.org/drawingml/2006/compatibility" xmlns:p14="http://schemas.microsoft.com/office/powerpoint/2010/main" xmlns:p15="http://schemas.microsoft.com/office/powerpoint/2012/main" xmlns:ahyp="http://schemas.microsoft.com/office/drawing/2018/hyperlinkcolor">
+<p:sld xmlns:a="http://schemas.openxmlformats.org/drawingml/2006/main" xmlns:r="http://schemas.openxmlformats.org/officeDocument/2006/relationships" xmlns:p="http://schemas.openxmlformats.org/presentationml/2006/main">
   <p:cSld>
     <p:spTree>
       <p:nvGrpSpPr>
-        <p:cNvPr id="84" name="Shape 84"/>
+        <p:cNvPr id="1" name="Shape 84"/>
         <p:cNvGrpSpPr/>
         <p:nvPr/>
       </p:nvGrpSpPr>
@@ -8831,7 +9632,9 @@
       <p:sp>
         <p:nvSpPr>
           <p:cNvPr id="85" name="Google Shape;85;p15"/>
-          <p:cNvSpPr txBox="1"/>
+          <p:cNvSpPr txBox="1">
+            <a:spLocks noGrp="1"/>
+          </p:cNvSpPr>
           <p:nvPr>
             <p:ph type="title"/>
           </p:nvPr>
@@ -8846,12 +9649,12 @@
           </a:prstGeom>
         </p:spPr>
         <p:txBody>
-          <a:bodyPr anchorCtr="0" anchor="t" bIns="91425" lIns="91425" spcFirstLastPara="1" rIns="91425" wrap="square" tIns="91425">
+          <a:bodyPr spcFirstLastPara="1" wrap="square" lIns="91425" tIns="91425" rIns="91425" bIns="91425" anchor="t" anchorCtr="0">
             <a:noAutofit/>
           </a:bodyPr>
           <a:lstStyle/>
           <a:p>
-            <a:pPr indent="0" lvl="0" marL="0" rtl="0" algn="l">
+            <a:pPr marL="0" lvl="0" indent="0" algn="l" rtl="0">
               <a:spcBef>
                 <a:spcPts val="0"/>
               </a:spcBef>
@@ -8871,9 +9674,11 @@
       <p:sp>
         <p:nvSpPr>
           <p:cNvPr id="86" name="Google Shape;86;p15"/>
-          <p:cNvSpPr txBox="1"/>
+          <p:cNvSpPr txBox="1">
+            <a:spLocks noGrp="1"/>
+          </p:cNvSpPr>
           <p:nvPr>
-            <p:ph idx="2" type="body"/>
+            <p:ph type="body" idx="2"/>
           </p:nvPr>
         </p:nvSpPr>
         <p:spPr>
@@ -8886,12 +9691,12 @@
           </a:prstGeom>
         </p:spPr>
         <p:txBody>
-          <a:bodyPr anchorCtr="0" anchor="t" bIns="91425" lIns="91425" spcFirstLastPara="1" rIns="91425" wrap="square" tIns="91425">
+          <a:bodyPr spcFirstLastPara="1" wrap="square" lIns="91425" tIns="91425" rIns="91425" bIns="91425" anchor="t" anchorCtr="0">
             <a:noAutofit/>
           </a:bodyPr>
           <a:lstStyle/>
           <a:p>
-            <a:pPr indent="-330200" lvl="0" marL="457200" rtl="0" algn="l">
+            <a:pPr marL="457200" lvl="0" indent="-330200" algn="l" rtl="0">
               <a:spcBef>
                 <a:spcPts val="0"/>
               </a:spcBef>
@@ -8908,7 +9713,7 @@
             <a:endParaRPr sz="1600"/>
           </a:p>
           <a:p>
-            <a:pPr indent="-330200" lvl="0" marL="457200" rtl="0" algn="l">
+            <a:pPr marL="457200" lvl="0" indent="-330200" algn="l" rtl="0">
               <a:spcBef>
                 <a:spcPts val="1200"/>
               </a:spcBef>
@@ -8925,7 +9730,7 @@
             <a:endParaRPr sz="1600"/>
           </a:p>
           <a:p>
-            <a:pPr indent="-330200" lvl="0" marL="457200" rtl="0" algn="l">
+            <a:pPr marL="457200" lvl="0" indent="-330200" algn="l" rtl="0">
               <a:spcBef>
                 <a:spcPts val="1200"/>
               </a:spcBef>
@@ -8942,7 +9747,7 @@
             <a:endParaRPr sz="1600"/>
           </a:p>
           <a:p>
-            <a:pPr indent="-330200" lvl="0" marL="457200" rtl="0" algn="l">
+            <a:pPr marL="457200" lvl="0" indent="-330200" algn="l" rtl="0">
               <a:spcBef>
                 <a:spcPts val="1200"/>
               </a:spcBef>
@@ -8970,7 +9775,7 @@
           <a:blip r:embed="rId3">
             <a:alphaModFix/>
           </a:blip>
-          <a:srcRect b="4325" l="0" r="0" t="10690"/>
+          <a:srcRect t="10690" b="4325"/>
           <a:stretch/>
         </p:blipFill>
         <p:spPr>
@@ -8996,11 +9801,11 @@
 </file>
 
 <file path=ppt/slides/slide4.xml><?xml version="1.0" encoding="utf-8"?>
-<p:sld xmlns:a="http://schemas.openxmlformats.org/drawingml/2006/main" xmlns:r="http://schemas.openxmlformats.org/officeDocument/2006/relationships" xmlns:mc="http://schemas.openxmlformats.org/markup-compatibility/2006" xmlns:mv="urn:schemas-microsoft-com:mac:vml" xmlns:p="http://schemas.openxmlformats.org/presentationml/2006/main" xmlns:c="http://schemas.openxmlformats.org/drawingml/2006/chart" xmlns:dgm="http://schemas.openxmlformats.org/drawingml/2006/diagram" xmlns:o="urn:schemas-microsoft-com:office:office" xmlns:v="urn:schemas-microsoft-com:vml" xmlns:pvml="urn:schemas-microsoft-com:office:powerpoint" xmlns:com="http://schemas.openxmlformats.org/drawingml/2006/compatibility" xmlns:p14="http://schemas.microsoft.com/office/powerpoint/2010/main" xmlns:p15="http://schemas.microsoft.com/office/powerpoint/2012/main" xmlns:ahyp="http://schemas.microsoft.com/office/drawing/2018/hyperlinkcolor">
+<p:sld xmlns:a="http://schemas.openxmlformats.org/drawingml/2006/main" xmlns:r="http://schemas.openxmlformats.org/officeDocument/2006/relationships" xmlns:p="http://schemas.openxmlformats.org/presentationml/2006/main">
   <p:cSld>
     <p:spTree>
       <p:nvGrpSpPr>
-        <p:cNvPr id="91" name="Shape 91"/>
+        <p:cNvPr id="1" name="Shape 91"/>
         <p:cNvGrpSpPr/>
         <p:nvPr/>
       </p:nvGrpSpPr>
@@ -9015,7 +9820,9 @@
       <p:sp>
         <p:nvSpPr>
           <p:cNvPr id="92" name="Google Shape;92;p16"/>
-          <p:cNvSpPr txBox="1"/>
+          <p:cNvSpPr txBox="1">
+            <a:spLocks noGrp="1"/>
+          </p:cNvSpPr>
           <p:nvPr>
             <p:ph type="title"/>
           </p:nvPr>
@@ -9030,12 +9837,12 @@
           </a:prstGeom>
         </p:spPr>
         <p:txBody>
-          <a:bodyPr anchorCtr="0" anchor="t" bIns="91425" lIns="91425" spcFirstLastPara="1" rIns="91425" wrap="square" tIns="91425">
+          <a:bodyPr spcFirstLastPara="1" wrap="square" lIns="91425" tIns="91425" rIns="91425" bIns="91425" anchor="t" anchorCtr="0">
             <a:noAutofit/>
           </a:bodyPr>
           <a:lstStyle/>
           <a:p>
-            <a:pPr indent="0" lvl="0" marL="0" rtl="0" algn="l">
+            <a:pPr marL="0" lvl="0" indent="0" algn="l" rtl="0">
               <a:spcBef>
                 <a:spcPts val="0"/>
               </a:spcBef>
@@ -9055,9 +9862,11 @@
       <p:sp>
         <p:nvSpPr>
           <p:cNvPr id="93" name="Google Shape;93;p16"/>
-          <p:cNvSpPr txBox="1"/>
+          <p:cNvSpPr txBox="1">
+            <a:spLocks noGrp="1"/>
+          </p:cNvSpPr>
           <p:nvPr>
-            <p:ph idx="1" type="body"/>
+            <p:ph type="body" idx="1"/>
           </p:nvPr>
         </p:nvSpPr>
         <p:spPr>
@@ -9070,12 +9879,12 @@
           </a:prstGeom>
         </p:spPr>
         <p:txBody>
-          <a:bodyPr anchorCtr="0" anchor="t" bIns="91425" lIns="91425" spcFirstLastPara="1" rIns="91425" wrap="square" tIns="91425">
+          <a:bodyPr spcFirstLastPara="1" wrap="square" lIns="91425" tIns="91425" rIns="91425" bIns="91425" anchor="t" anchorCtr="0">
             <a:noAutofit/>
           </a:bodyPr>
           <a:lstStyle/>
           <a:p>
-            <a:pPr indent="0" lvl="0" marL="0" rtl="0" algn="l">
+            <a:pPr marL="0" lvl="0" indent="0" algn="l" rtl="0">
               <a:spcBef>
                 <a:spcPts val="0"/>
               </a:spcBef>
@@ -9085,7 +9894,7 @@
               <a:buNone/>
             </a:pPr>
             <a:r>
-              <a:rPr b="1" lang="en" sz="2100">
+              <a:rPr lang="en" sz="2100" b="1">
                 <a:solidFill>
                   <a:schemeClr val="dk1"/>
                 </a:solidFill>
@@ -9095,7 +9904,7 @@
             <a:endParaRPr sz="1600"/>
           </a:p>
           <a:p>
-            <a:pPr indent="-330200" lvl="0" marL="457200" rtl="0" algn="l">
+            <a:pPr marL="457200" lvl="0" indent="-330200" algn="l" rtl="0">
               <a:spcBef>
                 <a:spcPts val="1600"/>
               </a:spcBef>
@@ -9112,7 +9921,7 @@
             <a:endParaRPr sz="1600"/>
           </a:p>
           <a:p>
-            <a:pPr indent="-330200" lvl="0" marL="457200" rtl="0" algn="l">
+            <a:pPr marL="457200" lvl="0" indent="-330200" algn="l" rtl="0">
               <a:spcBef>
                 <a:spcPts val="1200"/>
               </a:spcBef>
@@ -9129,7 +9938,7 @@
             <a:endParaRPr sz="1600"/>
           </a:p>
           <a:p>
-            <a:pPr indent="-330200" lvl="0" marL="457200" rtl="0" algn="l">
+            <a:pPr marL="457200" lvl="0" indent="-330200" algn="l" rtl="0">
               <a:spcBef>
                 <a:spcPts val="1200"/>
               </a:spcBef>
@@ -9150,9 +9959,11 @@
       <p:sp>
         <p:nvSpPr>
           <p:cNvPr id="94" name="Google Shape;94;p16"/>
-          <p:cNvSpPr txBox="1"/>
+          <p:cNvSpPr txBox="1">
+            <a:spLocks noGrp="1"/>
+          </p:cNvSpPr>
           <p:nvPr>
-            <p:ph idx="2" type="body"/>
+            <p:ph type="body" idx="2"/>
           </p:nvPr>
         </p:nvSpPr>
         <p:spPr>
@@ -9165,12 +9976,12 @@
           </a:prstGeom>
         </p:spPr>
         <p:txBody>
-          <a:bodyPr anchorCtr="0" anchor="t" bIns="91425" lIns="91425" spcFirstLastPara="1" rIns="91425" wrap="square" tIns="91425">
+          <a:bodyPr spcFirstLastPara="1" wrap="square" lIns="91425" tIns="91425" rIns="91425" bIns="91425" anchor="t" anchorCtr="0">
             <a:noAutofit/>
           </a:bodyPr>
           <a:lstStyle/>
           <a:p>
-            <a:pPr indent="0" lvl="0" marL="0" rtl="0" algn="l">
+            <a:pPr marL="0" lvl="0" indent="0" algn="l" rtl="0">
               <a:spcBef>
                 <a:spcPts val="0"/>
               </a:spcBef>
@@ -9180,21 +9991,21 @@
               <a:buNone/>
             </a:pPr>
             <a:r>
-              <a:rPr b="1" lang="en" sz="2100">
+              <a:rPr lang="en" sz="2100" b="1">
                 <a:solidFill>
                   <a:schemeClr val="dk1"/>
                 </a:solidFill>
               </a:rPr>
               <a:t>Feature Descriptions</a:t>
             </a:r>
-            <a:endParaRPr b="1" sz="2100">
+            <a:endParaRPr sz="2100" b="1">
               <a:solidFill>
                 <a:schemeClr val="dk1"/>
               </a:solidFill>
             </a:endParaRPr>
           </a:p>
           <a:p>
-            <a:pPr indent="-330200" lvl="0" marL="457200" rtl="0" algn="l">
+            <a:pPr marL="457200" lvl="0" indent="-330200" algn="l" rtl="0">
               <a:spcBef>
                 <a:spcPts val="1600"/>
               </a:spcBef>
@@ -9211,7 +10022,7 @@
             <a:endParaRPr sz="1600"/>
           </a:p>
           <a:p>
-            <a:pPr indent="-330200" lvl="1" marL="914400" rtl="0" algn="l">
+            <a:pPr marL="914400" lvl="1" indent="-330200" algn="l" rtl="0">
               <a:spcBef>
                 <a:spcPts val="1200"/>
               </a:spcBef>
@@ -9228,7 +10039,7 @@
             <a:endParaRPr sz="1600"/>
           </a:p>
           <a:p>
-            <a:pPr indent="-330200" lvl="1" marL="914400" rtl="0" algn="l">
+            <a:pPr marL="914400" lvl="1" indent="-330200" algn="l" rtl="0">
               <a:spcBef>
                 <a:spcPts val="1200"/>
               </a:spcBef>
@@ -9245,7 +10056,7 @@
             <a:endParaRPr sz="1600"/>
           </a:p>
           <a:p>
-            <a:pPr indent="-330200" lvl="1" marL="914400" rtl="0" algn="l">
+            <a:pPr marL="914400" lvl="1" indent="-330200" algn="l" rtl="0">
               <a:spcBef>
                 <a:spcPts val="1200"/>
               </a:spcBef>
@@ -9272,11 +10083,11 @@
 </file>
 
 <file path=ppt/slides/slide5.xml><?xml version="1.0" encoding="utf-8"?>
-<p:sld xmlns:a="http://schemas.openxmlformats.org/drawingml/2006/main" xmlns:r="http://schemas.openxmlformats.org/officeDocument/2006/relationships" xmlns:mc="http://schemas.openxmlformats.org/markup-compatibility/2006" xmlns:mv="urn:schemas-microsoft-com:mac:vml" xmlns:p="http://schemas.openxmlformats.org/presentationml/2006/main" xmlns:c="http://schemas.openxmlformats.org/drawingml/2006/chart" xmlns:dgm="http://schemas.openxmlformats.org/drawingml/2006/diagram" xmlns:o="urn:schemas-microsoft-com:office:office" xmlns:v="urn:schemas-microsoft-com:vml" xmlns:pvml="urn:schemas-microsoft-com:office:powerpoint" xmlns:com="http://schemas.openxmlformats.org/drawingml/2006/compatibility" xmlns:p14="http://schemas.microsoft.com/office/powerpoint/2010/main" xmlns:p15="http://schemas.microsoft.com/office/powerpoint/2012/main" xmlns:ahyp="http://schemas.microsoft.com/office/drawing/2018/hyperlinkcolor">
+<p:sld xmlns:a="http://schemas.openxmlformats.org/drawingml/2006/main" xmlns:r="http://schemas.openxmlformats.org/officeDocument/2006/relationships" xmlns:p="http://schemas.openxmlformats.org/presentationml/2006/main">
   <p:cSld>
     <p:spTree>
       <p:nvGrpSpPr>
-        <p:cNvPr id="98" name="Shape 98"/>
+        <p:cNvPr id="1" name="Shape 98"/>
         <p:cNvGrpSpPr/>
         <p:nvPr/>
       </p:nvGrpSpPr>
@@ -9291,7 +10102,9 @@
       <p:sp>
         <p:nvSpPr>
           <p:cNvPr id="99" name="Google Shape;99;p17"/>
-          <p:cNvSpPr txBox="1"/>
+          <p:cNvSpPr txBox="1">
+            <a:spLocks noGrp="1"/>
+          </p:cNvSpPr>
           <p:nvPr>
             <p:ph type="title"/>
           </p:nvPr>
@@ -9306,12 +10119,12 @@
           </a:prstGeom>
         </p:spPr>
         <p:txBody>
-          <a:bodyPr anchorCtr="0" anchor="t" bIns="91425" lIns="91425" spcFirstLastPara="1" rIns="91425" wrap="square" tIns="91425">
+          <a:bodyPr spcFirstLastPara="1" wrap="square" lIns="91425" tIns="91425" rIns="91425" bIns="91425" anchor="t" anchorCtr="0">
             <a:noAutofit/>
           </a:bodyPr>
           <a:lstStyle/>
           <a:p>
-            <a:pPr indent="0" lvl="0" marL="0" rtl="0" algn="l">
+            <a:pPr marL="0" lvl="0" indent="0" algn="l" rtl="0">
               <a:spcBef>
                 <a:spcPts val="0"/>
               </a:spcBef>
@@ -9359,9 +10172,11 @@
       <p:sp>
         <p:nvSpPr>
           <p:cNvPr id="101" name="Google Shape;101;p17"/>
-          <p:cNvSpPr txBox="1"/>
+          <p:cNvSpPr txBox="1">
+            <a:spLocks noGrp="1"/>
+          </p:cNvSpPr>
           <p:nvPr>
-            <p:ph idx="1" type="body"/>
+            <p:ph type="body" idx="1"/>
           </p:nvPr>
         </p:nvSpPr>
         <p:spPr>
@@ -9374,12 +10189,12 @@
           </a:prstGeom>
         </p:spPr>
         <p:txBody>
-          <a:bodyPr anchorCtr="0" anchor="t" bIns="91425" lIns="91425" spcFirstLastPara="1" rIns="91425" wrap="square" tIns="91425">
+          <a:bodyPr spcFirstLastPara="1" wrap="square" lIns="91425" tIns="91425" rIns="91425" bIns="91425" anchor="t" anchorCtr="0">
             <a:noAutofit/>
           </a:bodyPr>
           <a:lstStyle/>
           <a:p>
-            <a:pPr indent="0" lvl="0" marL="0" rtl="0" algn="l">
+            <a:pPr marL="0" lvl="0" indent="0" algn="l" rtl="0">
               <a:spcBef>
                 <a:spcPts val="0"/>
               </a:spcBef>
@@ -9389,7 +10204,7 @@
               <a:buNone/>
             </a:pPr>
             <a:r>
-              <a:rPr b="1" lang="en" sz="2100">
+              <a:rPr lang="en" sz="2100" b="1">
                 <a:solidFill>
                   <a:schemeClr val="dk1"/>
                 </a:solidFill>
@@ -9399,7 +10214,7 @@
             <a:endParaRPr sz="1600"/>
           </a:p>
           <a:p>
-            <a:pPr indent="-330200" lvl="0" marL="457200" rtl="0" algn="l">
+            <a:pPr marL="457200" lvl="0" indent="-330200" algn="l" rtl="0">
               <a:spcBef>
                 <a:spcPts val="1600"/>
               </a:spcBef>
@@ -9413,7 +10228,7 @@
               <a:rPr lang="en" sz="1600"/>
               <a:t>The best value for points in each position</a:t>
             </a:r>
-            <a:endParaRPr b="1" sz="2100">
+            <a:endParaRPr sz="2100" b="1">
               <a:solidFill>
                 <a:schemeClr val="dk1"/>
               </a:solidFill>
@@ -9430,11 +10245,11 @@
 </file>
 
 <file path=ppt/slides/slide6.xml><?xml version="1.0" encoding="utf-8"?>
-<p:sld xmlns:a="http://schemas.openxmlformats.org/drawingml/2006/main" xmlns:r="http://schemas.openxmlformats.org/officeDocument/2006/relationships" xmlns:mc="http://schemas.openxmlformats.org/markup-compatibility/2006" xmlns:mv="urn:schemas-microsoft-com:mac:vml" xmlns:p="http://schemas.openxmlformats.org/presentationml/2006/main" xmlns:c="http://schemas.openxmlformats.org/drawingml/2006/chart" xmlns:dgm="http://schemas.openxmlformats.org/drawingml/2006/diagram" xmlns:o="urn:schemas-microsoft-com:office:office" xmlns:v="urn:schemas-microsoft-com:vml" xmlns:pvml="urn:schemas-microsoft-com:office:powerpoint" xmlns:com="http://schemas.openxmlformats.org/drawingml/2006/compatibility" xmlns:p14="http://schemas.microsoft.com/office/powerpoint/2010/main" xmlns:p15="http://schemas.microsoft.com/office/powerpoint/2012/main" xmlns:ahyp="http://schemas.microsoft.com/office/drawing/2018/hyperlinkcolor">
+<p:sld xmlns:a="http://schemas.openxmlformats.org/drawingml/2006/main" xmlns:r="http://schemas.openxmlformats.org/officeDocument/2006/relationships" xmlns:p="http://schemas.openxmlformats.org/presentationml/2006/main">
   <p:cSld>
     <p:spTree>
       <p:nvGrpSpPr>
-        <p:cNvPr id="105" name="Shape 105"/>
+        <p:cNvPr id="1" name="Shape 105"/>
         <p:cNvGrpSpPr/>
         <p:nvPr/>
       </p:nvGrpSpPr>
@@ -9449,7 +10264,9 @@
       <p:sp>
         <p:nvSpPr>
           <p:cNvPr id="106" name="Google Shape;106;p18"/>
-          <p:cNvSpPr txBox="1"/>
+          <p:cNvSpPr txBox="1">
+            <a:spLocks noGrp="1"/>
+          </p:cNvSpPr>
           <p:nvPr>
             <p:ph type="title"/>
           </p:nvPr>
@@ -9464,12 +10281,12 @@
           </a:prstGeom>
         </p:spPr>
         <p:txBody>
-          <a:bodyPr anchorCtr="0" anchor="t" bIns="91425" lIns="91425" spcFirstLastPara="1" rIns="91425" wrap="square" tIns="91425">
+          <a:bodyPr spcFirstLastPara="1" wrap="square" lIns="91425" tIns="91425" rIns="91425" bIns="91425" anchor="t" anchorCtr="0">
             <a:noAutofit/>
           </a:bodyPr>
           <a:lstStyle/>
           <a:p>
-            <a:pPr indent="0" lvl="0" marL="0" rtl="0" algn="l">
+            <a:pPr marL="0" lvl="0" indent="0" algn="l" rtl="0">
               <a:spcBef>
                 <a:spcPts val="0"/>
               </a:spcBef>
@@ -9489,9 +10306,11 @@
       <p:sp>
         <p:nvSpPr>
           <p:cNvPr id="107" name="Google Shape;107;p18"/>
-          <p:cNvSpPr txBox="1"/>
+          <p:cNvSpPr txBox="1">
+            <a:spLocks noGrp="1"/>
+          </p:cNvSpPr>
           <p:nvPr>
-            <p:ph idx="1" type="body"/>
+            <p:ph type="body" idx="1"/>
           </p:nvPr>
         </p:nvSpPr>
         <p:spPr>
@@ -9504,12 +10323,12 @@
           </a:prstGeom>
         </p:spPr>
         <p:txBody>
-          <a:bodyPr anchorCtr="0" anchor="t" bIns="91425" lIns="91425" spcFirstLastPara="1" rIns="91425" wrap="square" tIns="91425">
+          <a:bodyPr spcFirstLastPara="1" wrap="square" lIns="91425" tIns="91425" rIns="91425" bIns="91425" anchor="t" anchorCtr="0">
             <a:noAutofit/>
           </a:bodyPr>
           <a:lstStyle/>
           <a:p>
-            <a:pPr indent="0" lvl="0" marL="0" rtl="0" algn="l">
+            <a:pPr marL="0" lvl="0" indent="0" algn="l" rtl="0">
               <a:spcBef>
                 <a:spcPts val="0"/>
               </a:spcBef>
@@ -9519,7 +10338,7 @@
               <a:buNone/>
             </a:pPr>
             <a:r>
-              <a:rPr b="1" lang="en" sz="2100">
+              <a:rPr lang="en" sz="2100" b="1">
                 <a:solidFill>
                   <a:schemeClr val="dk1"/>
                 </a:solidFill>
@@ -9529,7 +10348,7 @@
             <a:endParaRPr sz="1600"/>
           </a:p>
           <a:p>
-            <a:pPr indent="-330200" lvl="0" marL="457200" rtl="0" algn="l">
+            <a:pPr marL="457200" lvl="0" indent="-330200" algn="l" rtl="0">
               <a:spcBef>
                 <a:spcPts val="1600"/>
               </a:spcBef>
@@ -9546,7 +10365,7 @@
             <a:endParaRPr sz="1600"/>
           </a:p>
           <a:p>
-            <a:pPr indent="0" lvl="0" marL="0" rtl="0" algn="l">
+            <a:pPr marL="0" lvl="0" indent="0" algn="l" rtl="0">
               <a:spcBef>
                 <a:spcPts val="1200"/>
               </a:spcBef>
@@ -9556,21 +10375,21 @@
               <a:buNone/>
             </a:pPr>
             <a:r>
-              <a:rPr b="1" lang="en" sz="2100">
+              <a:rPr lang="en" sz="2100" b="1">
                 <a:solidFill>
                   <a:schemeClr val="dk1"/>
                 </a:solidFill>
               </a:rPr>
               <a:t>The Problem?</a:t>
             </a:r>
-            <a:endParaRPr b="1" sz="2100">
+            <a:endParaRPr sz="2100" b="1">
               <a:solidFill>
                 <a:schemeClr val="dk1"/>
               </a:solidFill>
             </a:endParaRPr>
           </a:p>
           <a:p>
-            <a:pPr indent="-330200" lvl="0" marL="457200" rtl="0" algn="l">
+            <a:pPr marL="457200" lvl="0" indent="-330200" algn="l" rtl="0">
               <a:spcBef>
                 <a:spcPts val="1600"/>
               </a:spcBef>
@@ -9584,7 +10403,7 @@
               <a:rPr lang="en" sz="1600"/>
               <a:t>Bias in FPL points system to reward attacking contributions more than defensive</a:t>
             </a:r>
-            <a:endParaRPr b="1" sz="2100">
+            <a:endParaRPr sz="2100" b="1">
               <a:solidFill>
                 <a:schemeClr val="dk1"/>
               </a:solidFill>
@@ -9629,11 +10448,11 @@
 </file>
 
 <file path=ppt/slides/slide7.xml><?xml version="1.0" encoding="utf-8"?>
-<p:sld xmlns:a="http://schemas.openxmlformats.org/drawingml/2006/main" xmlns:r="http://schemas.openxmlformats.org/officeDocument/2006/relationships" xmlns:mc="http://schemas.openxmlformats.org/markup-compatibility/2006" xmlns:mv="urn:schemas-microsoft-com:mac:vml" xmlns:p="http://schemas.openxmlformats.org/presentationml/2006/main" xmlns:c="http://schemas.openxmlformats.org/drawingml/2006/chart" xmlns:dgm="http://schemas.openxmlformats.org/drawingml/2006/diagram" xmlns:o="urn:schemas-microsoft-com:office:office" xmlns:v="urn:schemas-microsoft-com:vml" xmlns:pvml="urn:schemas-microsoft-com:office:powerpoint" xmlns:com="http://schemas.openxmlformats.org/drawingml/2006/compatibility" xmlns:p14="http://schemas.microsoft.com/office/powerpoint/2010/main" xmlns:p15="http://schemas.microsoft.com/office/powerpoint/2012/main" xmlns:ahyp="http://schemas.microsoft.com/office/drawing/2018/hyperlinkcolor">
+<p:sld xmlns:a="http://schemas.openxmlformats.org/drawingml/2006/main" xmlns:r="http://schemas.openxmlformats.org/officeDocument/2006/relationships" xmlns:p="http://schemas.openxmlformats.org/presentationml/2006/main">
   <p:cSld>
     <p:spTree>
       <p:nvGrpSpPr>
-        <p:cNvPr id="112" name="Shape 112"/>
+        <p:cNvPr id="1" name="Shape 112"/>
         <p:cNvGrpSpPr/>
         <p:nvPr/>
       </p:nvGrpSpPr>
@@ -9648,7 +10467,9 @@
       <p:sp>
         <p:nvSpPr>
           <p:cNvPr id="113" name="Google Shape;113;p19"/>
-          <p:cNvSpPr txBox="1"/>
+          <p:cNvSpPr txBox="1">
+            <a:spLocks noGrp="1"/>
+          </p:cNvSpPr>
           <p:nvPr>
             <p:ph type="title"/>
           </p:nvPr>
@@ -9663,12 +10484,12 @@
           </a:prstGeom>
         </p:spPr>
         <p:txBody>
-          <a:bodyPr anchorCtr="0" anchor="t" bIns="91425" lIns="91425" spcFirstLastPara="1" rIns="91425" wrap="square" tIns="91425">
+          <a:bodyPr spcFirstLastPara="1" wrap="square" lIns="91425" tIns="91425" rIns="91425" bIns="91425" anchor="t" anchorCtr="0">
             <a:noAutofit/>
           </a:bodyPr>
           <a:lstStyle/>
           <a:p>
-            <a:pPr indent="0" lvl="0" marL="0" rtl="0" algn="l">
+            <a:pPr marL="0" lvl="0" indent="0" algn="l" rtl="0">
               <a:spcBef>
                 <a:spcPts val="0"/>
               </a:spcBef>
@@ -9688,9 +10509,11 @@
       <p:sp>
         <p:nvSpPr>
           <p:cNvPr id="114" name="Google Shape;114;p19"/>
-          <p:cNvSpPr txBox="1"/>
+          <p:cNvSpPr txBox="1">
+            <a:spLocks noGrp="1"/>
+          </p:cNvSpPr>
           <p:nvPr>
-            <p:ph idx="1" type="body"/>
+            <p:ph type="body" idx="1"/>
           </p:nvPr>
         </p:nvSpPr>
         <p:spPr>
@@ -9703,12 +10526,12 @@
           </a:prstGeom>
         </p:spPr>
         <p:txBody>
-          <a:bodyPr anchorCtr="0" anchor="t" bIns="91425" lIns="91425" spcFirstLastPara="1" rIns="91425" wrap="square" tIns="91425">
+          <a:bodyPr spcFirstLastPara="1" wrap="square" lIns="91425" tIns="91425" rIns="91425" bIns="91425" anchor="t" anchorCtr="0">
             <a:noAutofit/>
           </a:bodyPr>
           <a:lstStyle/>
           <a:p>
-            <a:pPr indent="0" lvl="0" marL="0" rtl="0" algn="l">
+            <a:pPr marL="0" lvl="0" indent="0" algn="l" rtl="0">
               <a:spcBef>
                 <a:spcPts val="0"/>
               </a:spcBef>
@@ -9718,7 +10541,7 @@
               <a:buNone/>
             </a:pPr>
             <a:r>
-              <a:rPr b="1" lang="en" sz="2100">
+              <a:rPr lang="en" sz="2100" b="1">
                 <a:solidFill>
                   <a:schemeClr val="dk1"/>
                 </a:solidFill>
@@ -9728,7 +10551,7 @@
             <a:endParaRPr sz="1600"/>
           </a:p>
           <a:p>
-            <a:pPr indent="-330200" lvl="0" marL="457200" rtl="0" algn="l">
+            <a:pPr marL="457200" lvl="0" indent="-330200" algn="l" rtl="0">
               <a:spcBef>
                 <a:spcPts val="1600"/>
               </a:spcBef>
@@ -9742,7 +10565,7 @@
               <a:rPr lang="en" sz="1600"/>
               <a:t>Midfielders yield the best attacking returns</a:t>
             </a:r>
-            <a:endParaRPr b="1" sz="2100">
+            <a:endParaRPr sz="2100" b="1">
               <a:solidFill>
                 <a:schemeClr val="dk1"/>
               </a:solidFill>
@@ -9787,11 +10610,11 @@
 </file>
 
 <file path=ppt/slides/slide8.xml><?xml version="1.0" encoding="utf-8"?>
-<p:sld xmlns:a="http://schemas.openxmlformats.org/drawingml/2006/main" xmlns:r="http://schemas.openxmlformats.org/officeDocument/2006/relationships" xmlns:mc="http://schemas.openxmlformats.org/markup-compatibility/2006" xmlns:mv="urn:schemas-microsoft-com:mac:vml" xmlns:p="http://schemas.openxmlformats.org/presentationml/2006/main" xmlns:c="http://schemas.openxmlformats.org/drawingml/2006/chart" xmlns:dgm="http://schemas.openxmlformats.org/drawingml/2006/diagram" xmlns:o="urn:schemas-microsoft-com:office:office" xmlns:v="urn:schemas-microsoft-com:vml" xmlns:pvml="urn:schemas-microsoft-com:office:powerpoint" xmlns:com="http://schemas.openxmlformats.org/drawingml/2006/compatibility" xmlns:p14="http://schemas.microsoft.com/office/powerpoint/2010/main" xmlns:p15="http://schemas.microsoft.com/office/powerpoint/2012/main" xmlns:ahyp="http://schemas.microsoft.com/office/drawing/2018/hyperlinkcolor">
+<p:sld xmlns:a="http://schemas.openxmlformats.org/drawingml/2006/main" xmlns:r="http://schemas.openxmlformats.org/officeDocument/2006/relationships" xmlns:p="http://schemas.openxmlformats.org/presentationml/2006/main">
   <p:cSld>
     <p:spTree>
       <p:nvGrpSpPr>
-        <p:cNvPr id="119" name="Shape 119"/>
+        <p:cNvPr id="1" name="Shape 119"/>
         <p:cNvGrpSpPr/>
         <p:nvPr/>
       </p:nvGrpSpPr>
@@ -9806,7 +10629,9 @@
       <p:sp>
         <p:nvSpPr>
           <p:cNvPr id="120" name="Google Shape;120;p20"/>
-          <p:cNvSpPr txBox="1"/>
+          <p:cNvSpPr txBox="1">
+            <a:spLocks noGrp="1"/>
+          </p:cNvSpPr>
           <p:nvPr>
             <p:ph type="title"/>
           </p:nvPr>
@@ -9821,12 +10646,12 @@
           </a:prstGeom>
         </p:spPr>
         <p:txBody>
-          <a:bodyPr anchorCtr="0" anchor="t" bIns="91425" lIns="91425" spcFirstLastPara="1" rIns="91425" wrap="square" tIns="91425">
+          <a:bodyPr spcFirstLastPara="1" wrap="square" lIns="91425" tIns="91425" rIns="91425" bIns="91425" anchor="t" anchorCtr="0">
             <a:noAutofit/>
           </a:bodyPr>
           <a:lstStyle/>
           <a:p>
-            <a:pPr indent="0" lvl="0" marL="0" rtl="0" algn="l">
+            <a:pPr marL="0" lvl="0" indent="0" algn="l" rtl="0">
               <a:spcBef>
                 <a:spcPts val="0"/>
               </a:spcBef>
@@ -9846,9 +10671,11 @@
       <p:sp>
         <p:nvSpPr>
           <p:cNvPr id="121" name="Google Shape;121;p20"/>
-          <p:cNvSpPr txBox="1"/>
+          <p:cNvSpPr txBox="1">
+            <a:spLocks noGrp="1"/>
+          </p:cNvSpPr>
           <p:nvPr>
-            <p:ph idx="1" type="body"/>
+            <p:ph type="body" idx="1"/>
           </p:nvPr>
         </p:nvSpPr>
         <p:spPr>
@@ -9861,12 +10688,12 @@
           </a:prstGeom>
         </p:spPr>
         <p:txBody>
-          <a:bodyPr anchorCtr="0" anchor="t" bIns="91425" lIns="91425" spcFirstLastPara="1" rIns="91425" wrap="square" tIns="91425">
+          <a:bodyPr spcFirstLastPara="1" wrap="square" lIns="91425" tIns="91425" rIns="91425" bIns="91425" anchor="t" anchorCtr="0">
             <a:noAutofit/>
           </a:bodyPr>
           <a:lstStyle/>
           <a:p>
-            <a:pPr indent="0" lvl="0" marL="0" rtl="0" algn="l">
+            <a:pPr marL="0" lvl="0" indent="0" algn="l" rtl="0">
               <a:spcBef>
                 <a:spcPts val="0"/>
               </a:spcBef>
@@ -9876,7 +10703,7 @@
               <a:buNone/>
             </a:pPr>
             <a:r>
-              <a:rPr b="1" lang="en" sz="2100">
+              <a:rPr lang="en" sz="2100" b="1">
                 <a:solidFill>
                   <a:schemeClr val="dk1"/>
                 </a:solidFill>
@@ -9886,7 +10713,7 @@
             <a:endParaRPr sz="1600"/>
           </a:p>
           <a:p>
-            <a:pPr indent="-330200" lvl="0" marL="457200" rtl="0" algn="l">
+            <a:pPr marL="457200" lvl="0" indent="-330200" algn="l" rtl="0">
               <a:spcBef>
                 <a:spcPts val="1600"/>
               </a:spcBef>
@@ -9903,7 +10730,7 @@
             <a:endParaRPr sz="1600"/>
           </a:p>
           <a:p>
-            <a:pPr indent="-330200" lvl="0" marL="457200" rtl="0" algn="l">
+            <a:pPr marL="457200" lvl="0" indent="-330200" algn="l" rtl="0">
               <a:spcBef>
                 <a:spcPts val="1200"/>
               </a:spcBef>
@@ -9920,7 +10747,7 @@
             <a:endParaRPr sz="1600"/>
           </a:p>
           <a:p>
-            <a:pPr indent="0" lvl="0" marL="0" rtl="0" algn="l">
+            <a:pPr marL="0" lvl="0" indent="0" algn="l" rtl="0">
               <a:spcBef>
                 <a:spcPts val="1200"/>
               </a:spcBef>
@@ -9929,10 +10756,7 @@
               </a:spcAft>
               <a:buNone/>
             </a:pPr>
-            <a:r>
-              <a:t/>
-            </a:r>
-            <a:endParaRPr b="1" sz="2100">
+            <a:endParaRPr sz="2100" b="1">
               <a:solidFill>
                 <a:schemeClr val="dk1"/>
               </a:solidFill>
@@ -9977,11 +10801,11 @@
 </file>
 
 <file path=ppt/slides/slide9.xml><?xml version="1.0" encoding="utf-8"?>
-<p:sld xmlns:a="http://schemas.openxmlformats.org/drawingml/2006/main" xmlns:r="http://schemas.openxmlformats.org/officeDocument/2006/relationships" xmlns:mc="http://schemas.openxmlformats.org/markup-compatibility/2006" xmlns:mv="urn:schemas-microsoft-com:mac:vml" xmlns:p="http://schemas.openxmlformats.org/presentationml/2006/main" xmlns:c="http://schemas.openxmlformats.org/drawingml/2006/chart" xmlns:dgm="http://schemas.openxmlformats.org/drawingml/2006/diagram" xmlns:o="urn:schemas-microsoft-com:office:office" xmlns:v="urn:schemas-microsoft-com:vml" xmlns:pvml="urn:schemas-microsoft-com:office:powerpoint" xmlns:com="http://schemas.openxmlformats.org/drawingml/2006/compatibility" xmlns:p14="http://schemas.microsoft.com/office/powerpoint/2010/main" xmlns:p15="http://schemas.microsoft.com/office/powerpoint/2012/main" xmlns:ahyp="http://schemas.microsoft.com/office/drawing/2018/hyperlinkcolor">
+<p:sld xmlns:a="http://schemas.openxmlformats.org/drawingml/2006/main" xmlns:r="http://schemas.openxmlformats.org/officeDocument/2006/relationships" xmlns:p="http://schemas.openxmlformats.org/presentationml/2006/main">
   <p:cSld>
     <p:spTree>
       <p:nvGrpSpPr>
-        <p:cNvPr id="126" name="Shape 126"/>
+        <p:cNvPr id="1" name="Shape 126"/>
         <p:cNvGrpSpPr/>
         <p:nvPr/>
       </p:nvGrpSpPr>
@@ -9996,7 +10820,9 @@
       <p:sp>
         <p:nvSpPr>
           <p:cNvPr id="127" name="Google Shape;127;p21"/>
-          <p:cNvSpPr txBox="1"/>
+          <p:cNvSpPr txBox="1">
+            <a:spLocks noGrp="1"/>
+          </p:cNvSpPr>
           <p:nvPr>
             <p:ph type="title"/>
           </p:nvPr>
@@ -10011,12 +10837,12 @@
           </a:prstGeom>
         </p:spPr>
         <p:txBody>
-          <a:bodyPr anchorCtr="0" anchor="t" bIns="91425" lIns="91425" spcFirstLastPara="1" rIns="91425" wrap="square" tIns="91425">
+          <a:bodyPr spcFirstLastPara="1" wrap="square" lIns="91425" tIns="91425" rIns="91425" bIns="91425" anchor="t" anchorCtr="0">
             <a:noAutofit/>
           </a:bodyPr>
           <a:lstStyle/>
           <a:p>
-            <a:pPr indent="0" lvl="0" marL="0" rtl="0" algn="l">
+            <a:pPr marL="0" lvl="0" indent="0" algn="l" rtl="0">
               <a:spcBef>
                 <a:spcPts val="0"/>
               </a:spcBef>
@@ -10064,9 +10890,11 @@
       <p:sp>
         <p:nvSpPr>
           <p:cNvPr id="129" name="Google Shape;129;p21"/>
-          <p:cNvSpPr txBox="1"/>
+          <p:cNvSpPr txBox="1">
+            <a:spLocks noGrp="1"/>
+          </p:cNvSpPr>
           <p:nvPr>
-            <p:ph idx="1" type="body"/>
+            <p:ph type="body" idx="1"/>
           </p:nvPr>
         </p:nvSpPr>
         <p:spPr>
@@ -10079,12 +10907,12 @@
           </a:prstGeom>
         </p:spPr>
         <p:txBody>
-          <a:bodyPr anchorCtr="0" anchor="t" bIns="91425" lIns="91425" spcFirstLastPara="1" rIns="91425" wrap="square" tIns="91425">
+          <a:bodyPr spcFirstLastPara="1" wrap="square" lIns="91425" tIns="91425" rIns="91425" bIns="91425" anchor="t" anchorCtr="0">
             <a:noAutofit/>
           </a:bodyPr>
           <a:lstStyle/>
           <a:p>
-            <a:pPr indent="0" lvl="0" marL="0" rtl="0" algn="l">
+            <a:pPr marL="0" lvl="0" indent="0" algn="l" rtl="0">
               <a:spcBef>
                 <a:spcPts val="0"/>
               </a:spcBef>
@@ -10094,7 +10922,7 @@
               <a:buNone/>
             </a:pPr>
             <a:r>
-              <a:rPr b="1" lang="en" sz="2100">
+              <a:rPr lang="en" sz="2100" b="1">
                 <a:solidFill>
                   <a:schemeClr val="dk1"/>
                 </a:solidFill>
@@ -10104,7 +10932,7 @@
             <a:endParaRPr sz="1600"/>
           </a:p>
           <a:p>
-            <a:pPr indent="-330200" lvl="0" marL="457200" rtl="0" algn="l">
+            <a:pPr marL="457200" lvl="0" indent="-330200" algn="l" rtl="0">
               <a:spcBef>
                 <a:spcPts val="1600"/>
               </a:spcBef>
@@ -10121,7 +10949,7 @@
             <a:endParaRPr sz="1600"/>
           </a:p>
           <a:p>
-            <a:pPr indent="-330200" lvl="0" marL="457200" rtl="0" algn="l">
+            <a:pPr marL="457200" lvl="0" indent="-330200" algn="l" rtl="0">
               <a:spcBef>
                 <a:spcPts val="1200"/>
               </a:spcBef>
@@ -10138,7 +10966,7 @@
             <a:endParaRPr sz="1600"/>
           </a:p>
           <a:p>
-            <a:pPr indent="0" lvl="0" marL="0" rtl="0" algn="l">
+            <a:pPr marL="0" lvl="0" indent="0" algn="l" rtl="0">
               <a:spcBef>
                 <a:spcPts val="1200"/>
               </a:spcBef>
@@ -10148,7 +10976,7 @@
               <a:buNone/>
             </a:pPr>
             <a:r>
-              <a:rPr b="1" lang="en" sz="2100">
+              <a:rPr lang="en" sz="2100" b="1">
                 <a:solidFill>
                   <a:schemeClr val="dk1"/>
                 </a:solidFill>
@@ -10158,7 +10986,7 @@
             <a:endParaRPr sz="1600"/>
           </a:p>
           <a:p>
-            <a:pPr indent="-330200" lvl="0" marL="457200" rtl="0" algn="l">
+            <a:pPr marL="457200" lvl="0" indent="-330200" algn="l" rtl="0">
               <a:spcBef>
                 <a:spcPts val="1600"/>
               </a:spcBef>
@@ -10175,7 +11003,7 @@
             <a:endParaRPr sz="1600"/>
           </a:p>
           <a:p>
-            <a:pPr indent="0" lvl="0" marL="0" rtl="0" algn="l">
+            <a:pPr marL="0" lvl="0" indent="0" algn="l" rtl="0">
               <a:spcBef>
                 <a:spcPts val="1200"/>
               </a:spcBef>
@@ -10184,17 +11012,14 @@
               </a:spcAft>
               <a:buNone/>
             </a:pPr>
-            <a:r>
-              <a:t/>
-            </a:r>
-            <a:endParaRPr b="1" sz="2100">
+            <a:endParaRPr sz="2100" b="1">
               <a:solidFill>
                 <a:schemeClr val="dk1"/>
               </a:solidFill>
             </a:endParaRPr>
           </a:p>
           <a:p>
-            <a:pPr indent="0" lvl="0" marL="0" rtl="0" algn="l">
+            <a:pPr marL="0" lvl="0" indent="0" algn="l" rtl="0">
               <a:spcBef>
                 <a:spcPts val="1200"/>
               </a:spcBef>
@@ -10203,13 +11028,10 @@
               </a:spcAft>
               <a:buNone/>
             </a:pPr>
-            <a:r>
-              <a:t/>
-            </a:r>
             <a:endParaRPr sz="1600"/>
           </a:p>
           <a:p>
-            <a:pPr indent="0" lvl="0" marL="0" rtl="0" algn="l">
+            <a:pPr marL="0" lvl="0" indent="0" algn="l" rtl="0">
               <a:spcBef>
                 <a:spcPts val="1200"/>
               </a:spcBef>
@@ -10218,10 +11040,7 @@
               </a:spcAft>
               <a:buNone/>
             </a:pPr>
-            <a:r>
-              <a:t/>
-            </a:r>
-            <a:endParaRPr b="1" sz="2100">
+            <a:endParaRPr sz="2100" b="1">
               <a:solidFill>
                 <a:schemeClr val="dk1"/>
               </a:solidFill>
@@ -10238,7 +11057,288 @@
 </file>
 
 <file path=ppt/theme/theme1.xml><?xml version="1.0" encoding="utf-8"?>
-<a:theme xmlns:a="http://schemas.openxmlformats.org/drawingml/2006/main" xmlns:r="http://schemas.openxmlformats.org/officeDocument/2006/relationships">
+<a:theme xmlns:a="http://schemas.openxmlformats.org/drawingml/2006/main" name="Swiss">
+  <a:themeElements>
+    <a:clrScheme name="Swiss">
+      <a:dk1>
+        <a:srgbClr val="12DDFF"/>
+      </a:dk1>
+      <a:lt1>
+        <a:srgbClr val="FFFFFF"/>
+      </a:lt1>
+      <a:dk2>
+        <a:srgbClr val="000000"/>
+      </a:dk2>
+      <a:lt2>
+        <a:srgbClr val="757575"/>
+      </a:lt2>
+      <a:accent1>
+        <a:srgbClr val="01579B"/>
+      </a:accent1>
+      <a:accent2>
+        <a:srgbClr val="27C7BD"/>
+      </a:accent2>
+      <a:accent3>
+        <a:srgbClr val="12DDFF"/>
+      </a:accent3>
+      <a:accent4>
+        <a:srgbClr val="51B9A3"/>
+      </a:accent4>
+      <a:accent5>
+        <a:srgbClr val="FB8C00"/>
+      </a:accent5>
+      <a:accent6>
+        <a:srgbClr val="FFAE88"/>
+      </a:accent6>
+      <a:hlink>
+        <a:srgbClr val="0277BD"/>
+      </a:hlink>
+      <a:folHlink>
+        <a:srgbClr val="0277BD"/>
+      </a:folHlink>
+    </a:clrScheme>
+    <a:fontScheme name="Office">
+      <a:majorFont>
+        <a:latin typeface="Arial"/>
+        <a:ea typeface=""/>
+        <a:cs typeface=""/>
+        <a:font script="Jpan" typeface="ＭＳ Ｐゴシック"/>
+        <a:font script="Hang" typeface="맑은 고딕"/>
+        <a:font script="Hans" typeface="宋体"/>
+        <a:font script="Hant" typeface="新細明體"/>
+        <a:font script="Arab" typeface="Times New Roman"/>
+        <a:font script="Hebr" typeface="Times New Roman"/>
+        <a:font script="Thai" typeface="Angsana New"/>
+        <a:font script="Ethi" typeface="Nyala"/>
+        <a:font script="Beng" typeface="Vrinda"/>
+        <a:font script="Gujr" typeface="Shruti"/>
+        <a:font script="Khmr" typeface="MoolBoran"/>
+        <a:font script="Knda" typeface="Tunga"/>
+        <a:font script="Guru" typeface="Raavi"/>
+        <a:font script="Cans" typeface="Euphemia"/>
+        <a:font script="Cher" typeface="Plantagenet Cherokee"/>
+        <a:font script="Yiii" typeface="Microsoft Yi Baiti"/>
+        <a:font script="Tibt" typeface="Microsoft Himalaya"/>
+        <a:font script="Thaa" typeface="MV Boli"/>
+        <a:font script="Deva" typeface="Mangal"/>
+        <a:font script="Telu" typeface="Gautami"/>
+        <a:font script="Taml" typeface="Latha"/>
+        <a:font script="Syrc" typeface="Estrangelo Edessa"/>
+        <a:font script="Orya" typeface="Kalinga"/>
+        <a:font script="Mlym" typeface="Kartika"/>
+        <a:font script="Laoo" typeface="DokChampa"/>
+        <a:font script="Sinh" typeface="Iskoola Pota"/>
+        <a:font script="Mong" typeface="Mongolian Baiti"/>
+        <a:font script="Viet" typeface="Times New Roman"/>
+        <a:font script="Uigh" typeface="Microsoft Uighur"/>
+        <a:font script="Geor" typeface="Sylfaen"/>
+      </a:majorFont>
+      <a:minorFont>
+        <a:latin typeface="Arial"/>
+        <a:ea typeface=""/>
+        <a:cs typeface=""/>
+        <a:font script="Jpan" typeface="ＭＳ Ｐゴシック"/>
+        <a:font script="Hang" typeface="맑은 고딕"/>
+        <a:font script="Hans" typeface="宋体"/>
+        <a:font script="Hant" typeface="新細明體"/>
+        <a:font script="Arab" typeface="Arial"/>
+        <a:font script="Hebr" typeface="Arial"/>
+        <a:font script="Thai" typeface="Cordia New"/>
+        <a:font script="Ethi" typeface="Nyala"/>
+        <a:font script="Beng" typeface="Vrinda"/>
+        <a:font script="Gujr" typeface="Shruti"/>
+        <a:font script="Khmr" typeface="DaunPenh"/>
+        <a:font script="Knda" typeface="Tunga"/>
+        <a:font script="Guru" typeface="Raavi"/>
+        <a:font script="Cans" typeface="Euphemia"/>
+        <a:font script="Cher" typeface="Plantagenet Cherokee"/>
+        <a:font script="Yiii" typeface="Microsoft Yi Baiti"/>
+        <a:font script="Tibt" typeface="Microsoft Himalaya"/>
+        <a:font script="Thaa" typeface="MV Boli"/>
+        <a:font script="Deva" typeface="Mangal"/>
+        <a:font script="Telu" typeface="Gautami"/>
+        <a:font script="Taml" typeface="Latha"/>
+        <a:font script="Syrc" typeface="Estrangelo Edessa"/>
+        <a:font script="Orya" typeface="Kalinga"/>
+        <a:font script="Mlym" typeface="Kartika"/>
+        <a:font script="Laoo" typeface="DokChampa"/>
+        <a:font script="Sinh" typeface="Iskoola Pota"/>
+        <a:font script="Mong" typeface="Mongolian Baiti"/>
+        <a:font script="Viet" typeface="Arial"/>
+        <a:font script="Uigh" typeface="Microsoft Uighur"/>
+        <a:font script="Geor" typeface="Sylfaen"/>
+      </a:minorFont>
+    </a:fontScheme>
+    <a:fmtScheme name="Office">
+      <a:fillStyleLst>
+        <a:solidFill>
+          <a:schemeClr val="phClr"/>
+        </a:solidFill>
+        <a:gradFill rotWithShape="1">
+          <a:gsLst>
+            <a:gs pos="0">
+              <a:schemeClr val="phClr">
+                <a:tint val="50000"/>
+                <a:satMod val="300000"/>
+              </a:schemeClr>
+            </a:gs>
+            <a:gs pos="35000">
+              <a:schemeClr val="phClr">
+                <a:tint val="37000"/>
+                <a:satMod val="300000"/>
+              </a:schemeClr>
+            </a:gs>
+            <a:gs pos="100000">
+              <a:schemeClr val="phClr">
+                <a:tint val="15000"/>
+                <a:satMod val="350000"/>
+              </a:schemeClr>
+            </a:gs>
+          </a:gsLst>
+          <a:lin ang="16200000" scaled="1"/>
+        </a:gradFill>
+        <a:gradFill rotWithShape="1">
+          <a:gsLst>
+            <a:gs pos="0">
+              <a:schemeClr val="phClr">
+                <a:tint val="100000"/>
+                <a:shade val="100000"/>
+                <a:satMod val="130000"/>
+              </a:schemeClr>
+            </a:gs>
+            <a:gs pos="100000">
+              <a:schemeClr val="phClr">
+                <a:tint val="50000"/>
+                <a:shade val="100000"/>
+                <a:satMod val="350000"/>
+              </a:schemeClr>
+            </a:gs>
+          </a:gsLst>
+          <a:lin ang="16200000" scaled="0"/>
+        </a:gradFill>
+      </a:fillStyleLst>
+      <a:lnStyleLst>
+        <a:ln w="9525" cap="flat" cmpd="sng" algn="ctr">
+          <a:solidFill>
+            <a:schemeClr val="phClr">
+              <a:shade val="95000"/>
+              <a:satMod val="105000"/>
+            </a:schemeClr>
+          </a:solidFill>
+          <a:prstDash val="solid"/>
+        </a:ln>
+        <a:ln w="25400" cap="flat" cmpd="sng" algn="ctr">
+          <a:solidFill>
+            <a:schemeClr val="phClr"/>
+          </a:solidFill>
+          <a:prstDash val="solid"/>
+        </a:ln>
+        <a:ln w="38100" cap="flat" cmpd="sng" algn="ctr">
+          <a:solidFill>
+            <a:schemeClr val="phClr"/>
+          </a:solidFill>
+          <a:prstDash val="solid"/>
+        </a:ln>
+      </a:lnStyleLst>
+      <a:effectStyleLst>
+        <a:effectStyle>
+          <a:effectLst>
+            <a:outerShdw blurRad="40000" dist="20000" dir="5400000" rotWithShape="0">
+              <a:srgbClr val="000000">
+                <a:alpha val="38000"/>
+              </a:srgbClr>
+            </a:outerShdw>
+          </a:effectLst>
+        </a:effectStyle>
+        <a:effectStyle>
+          <a:effectLst>
+            <a:outerShdw blurRad="40000" dist="23000" dir="5400000" rotWithShape="0">
+              <a:srgbClr val="000000">
+                <a:alpha val="35000"/>
+              </a:srgbClr>
+            </a:outerShdw>
+          </a:effectLst>
+        </a:effectStyle>
+        <a:effectStyle>
+          <a:effectLst>
+            <a:outerShdw blurRad="40000" dist="23000" dir="5400000" rotWithShape="0">
+              <a:srgbClr val="000000">
+                <a:alpha val="35000"/>
+              </a:srgbClr>
+            </a:outerShdw>
+          </a:effectLst>
+          <a:scene3d>
+            <a:camera prst="orthographicFront">
+              <a:rot lat="0" lon="0" rev="0"/>
+            </a:camera>
+            <a:lightRig rig="threePt" dir="t">
+              <a:rot lat="0" lon="0" rev="1200000"/>
+            </a:lightRig>
+          </a:scene3d>
+          <a:sp3d>
+            <a:bevelT w="63500" h="25400"/>
+          </a:sp3d>
+        </a:effectStyle>
+      </a:effectStyleLst>
+      <a:bgFillStyleLst>
+        <a:solidFill>
+          <a:schemeClr val="phClr"/>
+        </a:solidFill>
+        <a:gradFill rotWithShape="1">
+          <a:gsLst>
+            <a:gs pos="0">
+              <a:schemeClr val="phClr">
+                <a:tint val="40000"/>
+                <a:satMod val="350000"/>
+              </a:schemeClr>
+            </a:gs>
+            <a:gs pos="40000">
+              <a:schemeClr val="phClr">
+                <a:tint val="45000"/>
+                <a:shade val="99000"/>
+                <a:satMod val="350000"/>
+              </a:schemeClr>
+            </a:gs>
+            <a:gs pos="100000">
+              <a:schemeClr val="phClr">
+                <a:shade val="20000"/>
+                <a:satMod val="255000"/>
+              </a:schemeClr>
+            </a:gs>
+          </a:gsLst>
+          <a:path path="circle">
+            <a:fillToRect l="50000" t="-80000" r="50000" b="180000"/>
+          </a:path>
+        </a:gradFill>
+        <a:gradFill rotWithShape="1">
+          <a:gsLst>
+            <a:gs pos="0">
+              <a:schemeClr val="phClr">
+                <a:tint val="80000"/>
+                <a:satMod val="300000"/>
+              </a:schemeClr>
+            </a:gs>
+            <a:gs pos="100000">
+              <a:schemeClr val="phClr">
+                <a:shade val="30000"/>
+                <a:satMod val="200000"/>
+              </a:schemeClr>
+            </a:gs>
+          </a:gsLst>
+          <a:path path="circle">
+            <a:fillToRect l="50000" t="50000" r="50000" b="50000"/>
+          </a:path>
+        </a:gradFill>
+      </a:bgFillStyleLst>
+    </a:fmtScheme>
+  </a:themeElements>
+  <a:objectDefaults/>
+  <a:extraClrSchemeLst/>
+</a:theme>
+</file>
+
+<file path=ppt/theme/theme2.xml><?xml version="1.0" encoding="utf-8"?>
+<a:theme xmlns:a="http://schemas.openxmlformats.org/drawingml/2006/main">
   <a:themeElements>
     <a:clrScheme name="Default">
       <a:dk1>
@@ -10513,284 +11613,7 @@
       </a:bgFillStyleLst>
     </a:fmtScheme>
   </a:themeElements>
-</a:theme>
-</file>
-
-<file path=ppt/theme/theme2.xml><?xml version="1.0" encoding="utf-8"?>
-<a:theme xmlns:a="http://schemas.openxmlformats.org/drawingml/2006/main" xmlns:r="http://schemas.openxmlformats.org/officeDocument/2006/relationships" name="Swiss">
-  <a:themeElements>
-    <a:clrScheme name="Swiss">
-      <a:dk1>
-        <a:srgbClr val="12DDFF"/>
-      </a:dk1>
-      <a:lt1>
-        <a:srgbClr val="FFFFFF"/>
-      </a:lt1>
-      <a:dk2>
-        <a:srgbClr val="000000"/>
-      </a:dk2>
-      <a:lt2>
-        <a:srgbClr val="757575"/>
-      </a:lt2>
-      <a:accent1>
-        <a:srgbClr val="01579B"/>
-      </a:accent1>
-      <a:accent2>
-        <a:srgbClr val="27C7BD"/>
-      </a:accent2>
-      <a:accent3>
-        <a:srgbClr val="12DDFF"/>
-      </a:accent3>
-      <a:accent4>
-        <a:srgbClr val="51B9A3"/>
-      </a:accent4>
-      <a:accent5>
-        <a:srgbClr val="FB8C00"/>
-      </a:accent5>
-      <a:accent6>
-        <a:srgbClr val="FFAE88"/>
-      </a:accent6>
-      <a:hlink>
-        <a:srgbClr val="0277BD"/>
-      </a:hlink>
-      <a:folHlink>
-        <a:srgbClr val="0277BD"/>
-      </a:folHlink>
-    </a:clrScheme>
-    <a:fontScheme name="Office">
-      <a:majorFont>
-        <a:latin typeface="Arial"/>
-        <a:ea typeface=""/>
-        <a:cs typeface=""/>
-        <a:font script="Jpan" typeface="ＭＳ Ｐゴシック"/>
-        <a:font script="Hang" typeface="맑은 고딕"/>
-        <a:font script="Hans" typeface="宋体"/>
-        <a:font script="Hant" typeface="新細明體"/>
-        <a:font script="Arab" typeface="Times New Roman"/>
-        <a:font script="Hebr" typeface="Times New Roman"/>
-        <a:font script="Thai" typeface="Angsana New"/>
-        <a:font script="Ethi" typeface="Nyala"/>
-        <a:font script="Beng" typeface="Vrinda"/>
-        <a:font script="Gujr" typeface="Shruti"/>
-        <a:font script="Khmr" typeface="MoolBoran"/>
-        <a:font script="Knda" typeface="Tunga"/>
-        <a:font script="Guru" typeface="Raavi"/>
-        <a:font script="Cans" typeface="Euphemia"/>
-        <a:font script="Cher" typeface="Plantagenet Cherokee"/>
-        <a:font script="Yiii" typeface="Microsoft Yi Baiti"/>
-        <a:font script="Tibt" typeface="Microsoft Himalaya"/>
-        <a:font script="Thaa" typeface="MV Boli"/>
-        <a:font script="Deva" typeface="Mangal"/>
-        <a:font script="Telu" typeface="Gautami"/>
-        <a:font script="Taml" typeface="Latha"/>
-        <a:font script="Syrc" typeface="Estrangelo Edessa"/>
-        <a:font script="Orya" typeface="Kalinga"/>
-        <a:font script="Mlym" typeface="Kartika"/>
-        <a:font script="Laoo" typeface="DokChampa"/>
-        <a:font script="Sinh" typeface="Iskoola Pota"/>
-        <a:font script="Mong" typeface="Mongolian Baiti"/>
-        <a:font script="Viet" typeface="Times New Roman"/>
-        <a:font script="Uigh" typeface="Microsoft Uighur"/>
-        <a:font script="Geor" typeface="Sylfaen"/>
-      </a:majorFont>
-      <a:minorFont>
-        <a:latin typeface="Arial"/>
-        <a:ea typeface=""/>
-        <a:cs typeface=""/>
-        <a:font script="Jpan" typeface="ＭＳ Ｐゴシック"/>
-        <a:font script="Hang" typeface="맑은 고딕"/>
-        <a:font script="Hans" typeface="宋体"/>
-        <a:font script="Hant" typeface="新細明體"/>
-        <a:font script="Arab" typeface="Arial"/>
-        <a:font script="Hebr" typeface="Arial"/>
-        <a:font script="Thai" typeface="Cordia New"/>
-        <a:font script="Ethi" typeface="Nyala"/>
-        <a:font script="Beng" typeface="Vrinda"/>
-        <a:font script="Gujr" typeface="Shruti"/>
-        <a:font script="Khmr" typeface="DaunPenh"/>
-        <a:font script="Knda" typeface="Tunga"/>
-        <a:font script="Guru" typeface="Raavi"/>
-        <a:font script="Cans" typeface="Euphemia"/>
-        <a:font script="Cher" typeface="Plantagenet Cherokee"/>
-        <a:font script="Yiii" typeface="Microsoft Yi Baiti"/>
-        <a:font script="Tibt" typeface="Microsoft Himalaya"/>
-        <a:font script="Thaa" typeface="MV Boli"/>
-        <a:font script="Deva" typeface="Mangal"/>
-        <a:font script="Telu" typeface="Gautami"/>
-        <a:font script="Taml" typeface="Latha"/>
-        <a:font script="Syrc" typeface="Estrangelo Edessa"/>
-        <a:font script="Orya" typeface="Kalinga"/>
-        <a:font script="Mlym" typeface="Kartika"/>
-        <a:font script="Laoo" typeface="DokChampa"/>
-        <a:font script="Sinh" typeface="Iskoola Pota"/>
-        <a:font script="Mong" typeface="Mongolian Baiti"/>
-        <a:font script="Viet" typeface="Arial"/>
-        <a:font script="Uigh" typeface="Microsoft Uighur"/>
-        <a:font script="Geor" typeface="Sylfaen"/>
-      </a:minorFont>
-    </a:fontScheme>
-    <a:fmtScheme name="Office">
-      <a:fillStyleLst>
-        <a:solidFill>
-          <a:schemeClr val="phClr"/>
-        </a:solidFill>
-        <a:gradFill rotWithShape="1">
-          <a:gsLst>
-            <a:gs pos="0">
-              <a:schemeClr val="phClr">
-                <a:tint val="50000"/>
-                <a:satMod val="300000"/>
-              </a:schemeClr>
-            </a:gs>
-            <a:gs pos="35000">
-              <a:schemeClr val="phClr">
-                <a:tint val="37000"/>
-                <a:satMod val="300000"/>
-              </a:schemeClr>
-            </a:gs>
-            <a:gs pos="100000">
-              <a:schemeClr val="phClr">
-                <a:tint val="15000"/>
-                <a:satMod val="350000"/>
-              </a:schemeClr>
-            </a:gs>
-          </a:gsLst>
-          <a:lin ang="16200000" scaled="1"/>
-        </a:gradFill>
-        <a:gradFill rotWithShape="1">
-          <a:gsLst>
-            <a:gs pos="0">
-              <a:schemeClr val="phClr">
-                <a:tint val="100000"/>
-                <a:shade val="100000"/>
-                <a:satMod val="130000"/>
-              </a:schemeClr>
-            </a:gs>
-            <a:gs pos="100000">
-              <a:schemeClr val="phClr">
-                <a:tint val="50000"/>
-                <a:shade val="100000"/>
-                <a:satMod val="350000"/>
-              </a:schemeClr>
-            </a:gs>
-          </a:gsLst>
-          <a:lin ang="16200000" scaled="0"/>
-        </a:gradFill>
-      </a:fillStyleLst>
-      <a:lnStyleLst>
-        <a:ln w="9525" cap="flat" cmpd="sng" algn="ctr">
-          <a:solidFill>
-            <a:schemeClr val="phClr">
-              <a:shade val="95000"/>
-              <a:satMod val="105000"/>
-            </a:schemeClr>
-          </a:solidFill>
-          <a:prstDash val="solid"/>
-        </a:ln>
-        <a:ln w="25400" cap="flat" cmpd="sng" algn="ctr">
-          <a:solidFill>
-            <a:schemeClr val="phClr"/>
-          </a:solidFill>
-          <a:prstDash val="solid"/>
-        </a:ln>
-        <a:ln w="38100" cap="flat" cmpd="sng" algn="ctr">
-          <a:solidFill>
-            <a:schemeClr val="phClr"/>
-          </a:solidFill>
-          <a:prstDash val="solid"/>
-        </a:ln>
-      </a:lnStyleLst>
-      <a:effectStyleLst>
-        <a:effectStyle>
-          <a:effectLst>
-            <a:outerShdw blurRad="40000" dist="20000" dir="5400000" rotWithShape="0">
-              <a:srgbClr val="000000">
-                <a:alpha val="38000"/>
-              </a:srgbClr>
-            </a:outerShdw>
-          </a:effectLst>
-        </a:effectStyle>
-        <a:effectStyle>
-          <a:effectLst>
-            <a:outerShdw blurRad="40000" dist="23000" dir="5400000" rotWithShape="0">
-              <a:srgbClr val="000000">
-                <a:alpha val="35000"/>
-              </a:srgbClr>
-            </a:outerShdw>
-          </a:effectLst>
-        </a:effectStyle>
-        <a:effectStyle>
-          <a:effectLst>
-            <a:outerShdw blurRad="40000" dist="23000" dir="5400000" rotWithShape="0">
-              <a:srgbClr val="000000">
-                <a:alpha val="35000"/>
-              </a:srgbClr>
-            </a:outerShdw>
-          </a:effectLst>
-          <a:scene3d>
-            <a:camera prst="orthographicFront">
-              <a:rot lat="0" lon="0" rev="0"/>
-            </a:camera>
-            <a:lightRig rig="threePt" dir="t">
-              <a:rot lat="0" lon="0" rev="1200000"/>
-            </a:lightRig>
-          </a:scene3d>
-          <a:sp3d>
-            <a:bevelT w="63500" h="25400"/>
-          </a:sp3d>
-        </a:effectStyle>
-      </a:effectStyleLst>
-      <a:bgFillStyleLst>
-        <a:solidFill>
-          <a:schemeClr val="phClr"/>
-        </a:solidFill>
-        <a:gradFill rotWithShape="1">
-          <a:gsLst>
-            <a:gs pos="0">
-              <a:schemeClr val="phClr">
-                <a:tint val="40000"/>
-                <a:satMod val="350000"/>
-              </a:schemeClr>
-            </a:gs>
-            <a:gs pos="40000">
-              <a:schemeClr val="phClr">
-                <a:tint val="45000"/>
-                <a:shade val="99000"/>
-                <a:satMod val="350000"/>
-              </a:schemeClr>
-            </a:gs>
-            <a:gs pos="100000">
-              <a:schemeClr val="phClr">
-                <a:shade val="20000"/>
-                <a:satMod val="255000"/>
-              </a:schemeClr>
-            </a:gs>
-          </a:gsLst>
-          <a:path path="circle">
-            <a:fillToRect l="50000" t="-80000" r="50000" b="180000"/>
-          </a:path>
-        </a:gradFill>
-        <a:gradFill rotWithShape="1">
-          <a:gsLst>
-            <a:gs pos="0">
-              <a:schemeClr val="phClr">
-                <a:tint val="80000"/>
-                <a:satMod val="300000"/>
-              </a:schemeClr>
-            </a:gs>
-            <a:gs pos="100000">
-              <a:schemeClr val="phClr">
-                <a:shade val="30000"/>
-                <a:satMod val="200000"/>
-              </a:schemeClr>
-            </a:gs>
-          </a:gsLst>
-          <a:path path="circle">
-            <a:fillToRect l="50000" t="50000" r="50000" b="50000"/>
-          </a:path>
-        </a:gradFill>
-      </a:bgFillStyleLst>
-    </a:fmtScheme>
-  </a:themeElements>
+  <a:objectDefaults/>
+  <a:extraClrSchemeLst/>
 </a:theme>
 </file>